--- a/Projet Java.pptx
+++ b/Projet Java.pptx
@@ -5,18 +5,23 @@
     <p:sldMasterId id="2147483660" r:id="rId1"/>
   </p:sldMasterIdLst>
   <p:notesMasterIdLst>
-    <p:notesMasterId r:id="rId11"/>
+    <p:notesMasterId r:id="rId16"/>
   </p:notesMasterIdLst>
   <p:sldIdLst>
     <p:sldId id="256" r:id="rId2"/>
     <p:sldId id="257" r:id="rId3"/>
-    <p:sldId id="258" r:id="rId4"/>
-    <p:sldId id="259" r:id="rId5"/>
-    <p:sldId id="260" r:id="rId6"/>
-    <p:sldId id="261" r:id="rId7"/>
-    <p:sldId id="264" r:id="rId8"/>
-    <p:sldId id="262" r:id="rId9"/>
-    <p:sldId id="263" r:id="rId10"/>
+    <p:sldId id="269" r:id="rId4"/>
+    <p:sldId id="258" r:id="rId5"/>
+    <p:sldId id="259" r:id="rId6"/>
+    <p:sldId id="265" r:id="rId7"/>
+    <p:sldId id="260" r:id="rId8"/>
+    <p:sldId id="270" r:id="rId9"/>
+    <p:sldId id="261" r:id="rId10"/>
+    <p:sldId id="264" r:id="rId11"/>
+    <p:sldId id="263" r:id="rId12"/>
+    <p:sldId id="268" r:id="rId13"/>
+    <p:sldId id="262" r:id="rId14"/>
+    <p:sldId id="266" r:id="rId15"/>
   </p:sldIdLst>
   <p:sldSz cx="9144000" cy="6858000" type="screen4x3"/>
   <p:notesSz cx="6858000" cy="9144000"/>
@@ -115,6 +120,22 @@
       </a:defRPr>
     </a:lvl9pPr>
   </p:defaultTextStyle>
+  <p:extLst>
+    <p:ext uri="{EFAFB233-063F-42B5-8137-9DF3F51BA10A}">
+      <p15:sldGuideLst xmlns:p15="http://schemas.microsoft.com/office/powerpoint/2012/main">
+        <p15:guide id="1" orient="horz" pos="2160">
+          <p15:clr>
+            <a:srgbClr val="A4A3A4"/>
+          </p15:clr>
+        </p15:guide>
+        <p15:guide id="2" pos="2880">
+          <p15:clr>
+            <a:srgbClr val="A4A3A4"/>
+          </p15:clr>
+        </p15:guide>
+      </p15:sldGuideLst>
+    </p:ext>
+  </p:extLst>
 </p:presentation>
 </file>
 
@@ -200,7 +221,7 @@
           <a:p>
             <a:fld id="{69F7ABA8-82D2-458F-8D14-ED2F456B1827}" type="datetimeFigureOut">
               <a:rPr lang="fr-FR" smtClean="0"/>
-              <a:t>23/03/2017</a:t>
+              <a:t>27/03/2017</a:t>
             </a:fld>
             <a:endParaRPr lang="fr-FR"/>
           </a:p>
@@ -468,6 +489,258 @@
 </p:notesMaster>
 </file>
 
+<file path=ppt/notesSlides/notesSlide1.xml><?xml version="1.0" encoding="utf-8"?>
+<p:notes xmlns:a="http://schemas.openxmlformats.org/drawingml/2006/main" xmlns:r="http://schemas.openxmlformats.org/officeDocument/2006/relationships" xmlns:p="http://schemas.openxmlformats.org/presentationml/2006/main">
+  <p:cSld>
+    <p:spTree>
+      <p:nvGrpSpPr>
+        <p:cNvPr id="1" name=""/>
+        <p:cNvGrpSpPr/>
+        <p:nvPr/>
+      </p:nvGrpSpPr>
+      <p:grpSpPr>
+        <a:xfrm>
+          <a:off x="0" y="0"/>
+          <a:ext cx="0" cy="0"/>
+          <a:chOff x="0" y="0"/>
+          <a:chExt cx="0" cy="0"/>
+        </a:xfrm>
+      </p:grpSpPr>
+      <p:sp>
+        <p:nvSpPr>
+          <p:cNvPr id="2" name="Espace réservé de l'image des diapositives 1"/>
+          <p:cNvSpPr>
+            <a:spLocks noGrp="1" noRot="1" noChangeAspect="1"/>
+          </p:cNvSpPr>
+          <p:nvPr>
+            <p:ph type="sldImg"/>
+          </p:nvPr>
+        </p:nvSpPr>
+        <p:spPr/>
+      </p:sp>
+      <p:sp>
+        <p:nvSpPr>
+          <p:cNvPr id="3" name="Espace réservé des commentaires 2"/>
+          <p:cNvSpPr>
+            <a:spLocks noGrp="1"/>
+          </p:cNvSpPr>
+          <p:nvPr>
+            <p:ph type="body" idx="1"/>
+          </p:nvPr>
+        </p:nvSpPr>
+        <p:spPr/>
+        <p:txBody>
+          <a:bodyPr/>
+          <a:lstStyle/>
+          <a:p>
+            <a:endParaRPr lang="fr-FR"/>
+          </a:p>
+        </p:txBody>
+      </p:sp>
+      <p:sp>
+        <p:nvSpPr>
+          <p:cNvPr id="4" name="Espace réservé du numéro de diapositive 3"/>
+          <p:cNvSpPr>
+            <a:spLocks noGrp="1"/>
+          </p:cNvSpPr>
+          <p:nvPr>
+            <p:ph type="sldNum" sz="quarter" idx="10"/>
+          </p:nvPr>
+        </p:nvSpPr>
+        <p:spPr/>
+        <p:txBody>
+          <a:bodyPr/>
+          <a:lstStyle/>
+          <a:p>
+            <a:fld id="{42033A6C-FC35-4231-8427-6BF5197F51A7}" type="slidenum">
+              <a:rPr lang="fr-FR" smtClean="0"/>
+              <a:t>1</a:t>
+            </a:fld>
+            <a:endParaRPr lang="fr-FR"/>
+          </a:p>
+        </p:txBody>
+      </p:sp>
+    </p:spTree>
+    <p:extLst>
+      <p:ext uri="{BB962C8B-B14F-4D97-AF65-F5344CB8AC3E}">
+        <p14:creationId xmlns:p14="http://schemas.microsoft.com/office/powerpoint/2010/main" val="54105852"/>
+      </p:ext>
+    </p:extLst>
+  </p:cSld>
+  <p:clrMapOvr>
+    <a:masterClrMapping/>
+  </p:clrMapOvr>
+</p:notes>
+</file>
+
+<file path=ppt/notesSlides/notesSlide2.xml><?xml version="1.0" encoding="utf-8"?>
+<p:notes xmlns:a="http://schemas.openxmlformats.org/drawingml/2006/main" xmlns:r="http://schemas.openxmlformats.org/officeDocument/2006/relationships" xmlns:p="http://schemas.openxmlformats.org/presentationml/2006/main">
+  <p:cSld>
+    <p:spTree>
+      <p:nvGrpSpPr>
+        <p:cNvPr id="1" name=""/>
+        <p:cNvGrpSpPr/>
+        <p:nvPr/>
+      </p:nvGrpSpPr>
+      <p:grpSpPr>
+        <a:xfrm>
+          <a:off x="0" y="0"/>
+          <a:ext cx="0" cy="0"/>
+          <a:chOff x="0" y="0"/>
+          <a:chExt cx="0" cy="0"/>
+        </a:xfrm>
+      </p:grpSpPr>
+      <p:sp>
+        <p:nvSpPr>
+          <p:cNvPr id="2" name="Espace réservé de l'image des diapositives 1"/>
+          <p:cNvSpPr>
+            <a:spLocks noGrp="1" noRot="1" noChangeAspect="1"/>
+          </p:cNvSpPr>
+          <p:nvPr>
+            <p:ph type="sldImg"/>
+          </p:nvPr>
+        </p:nvSpPr>
+        <p:spPr/>
+      </p:sp>
+      <p:sp>
+        <p:nvSpPr>
+          <p:cNvPr id="3" name="Espace réservé des commentaires 2"/>
+          <p:cNvSpPr>
+            <a:spLocks noGrp="1"/>
+          </p:cNvSpPr>
+          <p:nvPr>
+            <p:ph type="body" idx="1"/>
+          </p:nvPr>
+        </p:nvSpPr>
+        <p:spPr/>
+        <p:txBody>
+          <a:bodyPr/>
+          <a:lstStyle/>
+          <a:p>
+            <a:endParaRPr lang="fr-FR" dirty="0"/>
+          </a:p>
+        </p:txBody>
+      </p:sp>
+      <p:sp>
+        <p:nvSpPr>
+          <p:cNvPr id="4" name="Espace réservé du numéro de diapositive 3"/>
+          <p:cNvSpPr>
+            <a:spLocks noGrp="1"/>
+          </p:cNvSpPr>
+          <p:nvPr>
+            <p:ph type="sldNum" sz="quarter" idx="10"/>
+          </p:nvPr>
+        </p:nvSpPr>
+        <p:spPr/>
+        <p:txBody>
+          <a:bodyPr/>
+          <a:lstStyle/>
+          <a:p>
+            <a:fld id="{42033A6C-FC35-4231-8427-6BF5197F51A7}" type="slidenum">
+              <a:rPr lang="fr-FR" smtClean="0"/>
+              <a:t>2</a:t>
+            </a:fld>
+            <a:endParaRPr lang="fr-FR"/>
+          </a:p>
+        </p:txBody>
+      </p:sp>
+    </p:spTree>
+    <p:extLst>
+      <p:ext uri="{BB962C8B-B14F-4D97-AF65-F5344CB8AC3E}">
+        <p14:creationId xmlns:p14="http://schemas.microsoft.com/office/powerpoint/2010/main" val="434501746"/>
+      </p:ext>
+    </p:extLst>
+  </p:cSld>
+  <p:clrMapOvr>
+    <a:masterClrMapping/>
+  </p:clrMapOvr>
+</p:notes>
+</file>
+
+<file path=ppt/notesSlides/notesSlide3.xml><?xml version="1.0" encoding="utf-8"?>
+<p:notes xmlns:a="http://schemas.openxmlformats.org/drawingml/2006/main" xmlns:r="http://schemas.openxmlformats.org/officeDocument/2006/relationships" xmlns:p="http://schemas.openxmlformats.org/presentationml/2006/main">
+  <p:cSld>
+    <p:spTree>
+      <p:nvGrpSpPr>
+        <p:cNvPr id="1" name=""/>
+        <p:cNvGrpSpPr/>
+        <p:nvPr/>
+      </p:nvGrpSpPr>
+      <p:grpSpPr>
+        <a:xfrm>
+          <a:off x="0" y="0"/>
+          <a:ext cx="0" cy="0"/>
+          <a:chOff x="0" y="0"/>
+          <a:chExt cx="0" cy="0"/>
+        </a:xfrm>
+      </p:grpSpPr>
+      <p:sp>
+        <p:nvSpPr>
+          <p:cNvPr id="2" name="Espace réservé de l'image des diapositives 1"/>
+          <p:cNvSpPr>
+            <a:spLocks noGrp="1" noRot="1" noChangeAspect="1"/>
+          </p:cNvSpPr>
+          <p:nvPr>
+            <p:ph type="sldImg"/>
+          </p:nvPr>
+        </p:nvSpPr>
+        <p:spPr/>
+      </p:sp>
+      <p:sp>
+        <p:nvSpPr>
+          <p:cNvPr id="3" name="Espace réservé des commentaires 2"/>
+          <p:cNvSpPr>
+            <a:spLocks noGrp="1"/>
+          </p:cNvSpPr>
+          <p:nvPr>
+            <p:ph type="body" idx="1"/>
+          </p:nvPr>
+        </p:nvSpPr>
+        <p:spPr/>
+        <p:txBody>
+          <a:bodyPr/>
+          <a:lstStyle/>
+          <a:p>
+            <a:endParaRPr lang="fr-FR" dirty="0"/>
+          </a:p>
+        </p:txBody>
+      </p:sp>
+      <p:sp>
+        <p:nvSpPr>
+          <p:cNvPr id="4" name="Espace réservé du numéro de diapositive 3"/>
+          <p:cNvSpPr>
+            <a:spLocks noGrp="1"/>
+          </p:cNvSpPr>
+          <p:nvPr>
+            <p:ph type="sldNum" sz="quarter" idx="10"/>
+          </p:nvPr>
+        </p:nvSpPr>
+        <p:spPr/>
+        <p:txBody>
+          <a:bodyPr/>
+          <a:lstStyle/>
+          <a:p>
+            <a:fld id="{42033A6C-FC35-4231-8427-6BF5197F51A7}" type="slidenum">
+              <a:rPr lang="fr-FR" smtClean="0"/>
+              <a:t>3</a:t>
+            </a:fld>
+            <a:endParaRPr lang="fr-FR"/>
+          </a:p>
+        </p:txBody>
+      </p:sp>
+    </p:spTree>
+    <p:extLst>
+      <p:ext uri="{BB962C8B-B14F-4D97-AF65-F5344CB8AC3E}">
+        <p14:creationId xmlns:p14="http://schemas.microsoft.com/office/powerpoint/2010/main" val="434501746"/>
+      </p:ext>
+    </p:extLst>
+  </p:cSld>
+  <p:clrMapOvr>
+    <a:masterClrMapping/>
+  </p:clrMapOvr>
+</p:notes>
+</file>
+
 <file path=ppt/slideLayouts/slideLayout1.xml><?xml version="1.0" encoding="utf-8"?>
 <p:sldLayout xmlns:a="http://schemas.openxmlformats.org/drawingml/2006/main" xmlns:r="http://schemas.openxmlformats.org/officeDocument/2006/relationships" xmlns:p="http://schemas.openxmlformats.org/presentationml/2006/main" showMasterSp="0" type="title" preserve="1">
   <p:cSld name="Diapositive de titre">
@@ -721,7 +994,7 @@
           <a:p>
             <a:r>
               <a:rPr lang="fr-FR" smtClean="0"/>
-              <a:t>23/03/2017</a:t>
+              <a:t>28/03/2017</a:t>
             </a:r>
             <a:endParaRPr lang="fr-FR"/>
           </a:p>
@@ -938,7 +1211,7 @@
           <a:p>
             <a:r>
               <a:rPr lang="fr-FR" smtClean="0"/>
-              <a:t>23/03/2017</a:t>
+              <a:t>28/03/2017</a:t>
             </a:r>
             <a:endParaRPr lang="fr-FR"/>
           </a:p>
@@ -1209,7 +1482,7 @@
           <a:p>
             <a:r>
               <a:rPr lang="fr-FR" smtClean="0"/>
-              <a:t>23/03/2017</a:t>
+              <a:t>28/03/2017</a:t>
             </a:r>
             <a:endParaRPr lang="fr-FR"/>
           </a:p>
@@ -1363,7 +1636,7 @@
           <a:p>
             <a:r>
               <a:rPr lang="fr-FR" smtClean="0"/>
-              <a:t>23/03/2017</a:t>
+              <a:t>28/03/2017</a:t>
             </a:r>
             <a:endParaRPr lang="fr-FR"/>
           </a:p>
@@ -1697,7 +1970,7 @@
           <a:p>
             <a:r>
               <a:rPr lang="fr-FR" smtClean="0"/>
-              <a:t>23/03/2017</a:t>
+              <a:t>28/03/2017</a:t>
             </a:r>
             <a:endParaRPr lang="fr-FR"/>
           </a:p>
@@ -2009,7 +2282,7 @@
           <a:p>
             <a:r>
               <a:rPr lang="fr-FR" smtClean="0"/>
-              <a:t>23/03/2017</a:t>
+              <a:t>28/03/2017</a:t>
             </a:r>
             <a:endParaRPr lang="fr-FR"/>
           </a:p>
@@ -2434,7 +2707,7 @@
           <a:p>
             <a:r>
               <a:rPr lang="fr-FR" smtClean="0"/>
-              <a:t>23/03/2017</a:t>
+              <a:t>28/03/2017</a:t>
             </a:r>
             <a:endParaRPr lang="fr-FR"/>
           </a:p>
@@ -2551,7 +2824,7 @@
           <a:p>
             <a:r>
               <a:rPr lang="fr-FR" smtClean="0"/>
-              <a:t>23/03/2017</a:t>
+              <a:t>28/03/2017</a:t>
             </a:r>
             <a:endParaRPr lang="fr-FR"/>
           </a:p>
@@ -2714,7 +2987,7 @@
           <a:p>
             <a:r>
               <a:rPr lang="fr-FR" smtClean="0"/>
-              <a:t>23/03/2017</a:t>
+              <a:t>28/03/2017</a:t>
             </a:r>
             <a:endParaRPr lang="fr-FR"/>
           </a:p>
@@ -3102,7 +3375,7 @@
           <a:p>
             <a:r>
               <a:rPr lang="fr-FR" smtClean="0"/>
-              <a:t>23/03/2017</a:t>
+              <a:t>28/03/2017</a:t>
             </a:r>
             <a:endParaRPr lang="fr-FR"/>
           </a:p>
@@ -3468,7 +3741,7 @@
           <a:p>
             <a:r>
               <a:rPr lang="fr-FR" smtClean="0"/>
-              <a:t>23/03/2017</a:t>
+              <a:t>28/03/2017</a:t>
             </a:r>
             <a:endParaRPr lang="fr-FR"/>
           </a:p>
@@ -3806,7 +4079,7 @@
           <a:p>
             <a:r>
               <a:rPr lang="fr-FR" smtClean="0"/>
-              <a:t>23/03/2017</a:t>
+              <a:t>28/03/2017</a:t>
             </a:r>
             <a:endParaRPr lang="fr-FR"/>
           </a:p>
@@ -3909,7 +4182,7 @@
     <p:sldLayoutId id="2147483670" r:id="rId10"/>
     <p:sldLayoutId id="2147483671" r:id="rId11"/>
   </p:sldLayoutIdLst>
-  <p:hf hdr="0"/>
+  <p:hf hdr="0" ftr="0"/>
   <p:txStyles>
     <p:titleStyle>
       <a:lvl1pPr algn="ctr" defTabSz="914400" rtl="0" eaLnBrk="1" latinLnBrk="0" hangingPunct="1">
@@ -4221,35 +4494,44 @@
             <p:ph type="subTitle" idx="1"/>
           </p:nvPr>
         </p:nvSpPr>
+        <p:spPr>
+          <a:xfrm>
+            <a:off x="3203848" y="3429000"/>
+            <a:ext cx="3600400" cy="481360"/>
+          </a:xfrm>
+        </p:spPr>
+        <p:txBody>
+          <a:bodyPr/>
+          <a:lstStyle/>
+          <a:p>
+            <a:r>
+              <a:rPr lang="fr-FR" dirty="0" smtClean="0"/>
+              <a:t>Alexis C &amp; Paul M &amp; Louis G</a:t>
+            </a:r>
+            <a:endParaRPr lang="fr-FR" dirty="0"/>
+          </a:p>
+        </p:txBody>
+      </p:sp>
+      <p:sp>
+        <p:nvSpPr>
+          <p:cNvPr id="2" name="Titre 1"/>
+          <p:cNvSpPr>
+            <a:spLocks noGrp="1"/>
+          </p:cNvSpPr>
+          <p:nvPr>
+            <p:ph type="title"/>
+          </p:nvPr>
+        </p:nvSpPr>
         <p:spPr/>
         <p:txBody>
           <a:bodyPr/>
           <a:lstStyle/>
           <a:p>
-            <a:endParaRPr lang="fr-FR" dirty="0"/>
-          </a:p>
-        </p:txBody>
-      </p:sp>
-      <p:sp>
-        <p:nvSpPr>
-          <p:cNvPr id="2" name="Titre 1"/>
-          <p:cNvSpPr>
-            <a:spLocks noGrp="1"/>
-          </p:cNvSpPr>
-          <p:nvPr>
-            <p:ph type="title"/>
-          </p:nvPr>
-        </p:nvSpPr>
-        <p:spPr/>
-        <p:txBody>
-          <a:bodyPr/>
-          <a:lstStyle/>
-          <a:p>
-            <a:r>
-              <a:rPr lang="fr-FR" dirty="0" smtClean="0"/>
-              <a:t>Projet Java</a:t>
-            </a:r>
-            <a:endParaRPr lang="fr-FR" dirty="0"/>
+            <a:r>
+              <a:rPr lang="fr-FR" sz="2400" dirty="0" smtClean="0"/>
+              <a:t>Application de calcul de lignes de niveaux sur un MNT</a:t>
+            </a:r>
+            <a:endParaRPr lang="fr-FR" sz="2400" dirty="0"/>
           </a:p>
         </p:txBody>
       </p:sp>
@@ -4260,7 +4542,7 @@
           <p:nvPr/>
         </p:nvPicPr>
         <p:blipFill>
-          <a:blip r:embed="rId2">
+          <a:blip r:embed="rId3">
             <a:extLst>
               <a:ext uri="{28A0092B-C50C-407E-A947-70E740481C1C}">
                 <a14:useLocalDpi xmlns:a14="http://schemas.microsoft.com/office/drawing/2010/main" val="0"/>
@@ -4275,7 +4557,7 @@
         <p:spPr bwMode="auto">
           <a:xfrm>
             <a:off x="107504" y="116632"/>
-            <a:ext cx="1008112" cy="1008112"/>
+            <a:ext cx="1080120" cy="1080120"/>
           </a:xfrm>
           <a:prstGeom prst="rect">
             <a:avLst/>
@@ -4286,10 +4568,953 @@
           </a:ln>
         </p:spPr>
       </p:pic>
+      <p:sp>
+        <p:nvSpPr>
+          <p:cNvPr id="5" name="Espace réservé de la date 3"/>
+          <p:cNvSpPr>
+            <a:spLocks noGrp="1"/>
+          </p:cNvSpPr>
+          <p:nvPr>
+            <p:ph type="dt" sz="half" idx="10"/>
+          </p:nvPr>
+        </p:nvSpPr>
+        <p:spPr>
+          <a:xfrm>
+            <a:off x="370888" y="6356350"/>
+            <a:ext cx="2133600" cy="274320"/>
+          </a:xfrm>
+        </p:spPr>
+        <p:txBody>
+          <a:bodyPr/>
+          <a:lstStyle/>
+          <a:p>
+            <a:r>
+              <a:rPr lang="fr-FR" dirty="0" smtClean="0"/>
+              <a:t>28/03/2017</a:t>
+            </a:r>
+            <a:endParaRPr lang="fr-FR" dirty="0"/>
+          </a:p>
+        </p:txBody>
+      </p:sp>
     </p:spTree>
     <p:extLst>
       <p:ext uri="{BB962C8B-B14F-4D97-AF65-F5344CB8AC3E}">
         <p14:creationId xmlns:p14="http://schemas.microsoft.com/office/powerpoint/2010/main" val="1290488947"/>
+      </p:ext>
+    </p:extLst>
+  </p:cSld>
+  <p:clrMapOvr>
+    <a:masterClrMapping/>
+  </p:clrMapOvr>
+  <p:timing>
+    <p:tnLst>
+      <p:par>
+        <p:cTn id="1" dur="indefinite" restart="never" nodeType="tmRoot"/>
+      </p:par>
+    </p:tnLst>
+  </p:timing>
+</p:sld>
+</file>
+
+<file path=ppt/slides/slide10.xml><?xml version="1.0" encoding="utf-8"?>
+<p:sld xmlns:a="http://schemas.openxmlformats.org/drawingml/2006/main" xmlns:r="http://schemas.openxmlformats.org/officeDocument/2006/relationships" xmlns:p="http://schemas.openxmlformats.org/presentationml/2006/main">
+  <p:cSld>
+    <p:spTree>
+      <p:nvGrpSpPr>
+        <p:cNvPr id="1" name=""/>
+        <p:cNvGrpSpPr/>
+        <p:nvPr/>
+      </p:nvGrpSpPr>
+      <p:grpSpPr>
+        <a:xfrm>
+          <a:off x="0" y="0"/>
+          <a:ext cx="0" cy="0"/>
+          <a:chOff x="0" y="0"/>
+          <a:chExt cx="0" cy="0"/>
+        </a:xfrm>
+      </p:grpSpPr>
+      <p:sp>
+        <p:nvSpPr>
+          <p:cNvPr id="2" name="Espace réservé du contenu 1"/>
+          <p:cNvSpPr>
+            <a:spLocks noGrp="1"/>
+          </p:cNvSpPr>
+          <p:nvPr>
+            <p:ph idx="1"/>
+          </p:nvPr>
+        </p:nvSpPr>
+        <p:spPr>
+          <a:xfrm>
+            <a:off x="380999" y="1719071"/>
+            <a:ext cx="4695057" cy="557801"/>
+          </a:xfrm>
+        </p:spPr>
+        <p:txBody>
+          <a:bodyPr/>
+          <a:lstStyle/>
+          <a:p>
+            <a:r>
+              <a:rPr lang="fr-FR" dirty="0" smtClean="0"/>
+              <a:t>Création de la courbe de niveau</a:t>
+            </a:r>
+            <a:endParaRPr lang="fr-FR" dirty="0"/>
+          </a:p>
+        </p:txBody>
+      </p:sp>
+      <p:sp>
+        <p:nvSpPr>
+          <p:cNvPr id="3" name="Titre 2"/>
+          <p:cNvSpPr>
+            <a:spLocks noGrp="1"/>
+          </p:cNvSpPr>
+          <p:nvPr>
+            <p:ph type="title"/>
+          </p:nvPr>
+        </p:nvSpPr>
+        <p:spPr/>
+        <p:txBody>
+          <a:bodyPr/>
+          <a:lstStyle/>
+          <a:p>
+            <a:r>
+              <a:rPr lang="fr-FR" dirty="0" smtClean="0"/>
+              <a:t>Présentation des résultats</a:t>
+            </a:r>
+            <a:endParaRPr lang="fr-FR" dirty="0"/>
+          </a:p>
+        </p:txBody>
+      </p:sp>
+      <p:sp>
+        <p:nvSpPr>
+          <p:cNvPr id="4" name="Espace réservé de la date 3"/>
+          <p:cNvSpPr>
+            <a:spLocks noGrp="1"/>
+          </p:cNvSpPr>
+          <p:nvPr>
+            <p:ph type="dt" sz="half" idx="10"/>
+          </p:nvPr>
+        </p:nvSpPr>
+        <p:spPr/>
+        <p:txBody>
+          <a:bodyPr/>
+          <a:lstStyle/>
+          <a:p>
+            <a:r>
+              <a:rPr lang="fr-FR" smtClean="0"/>
+              <a:t>28/03/2017</a:t>
+            </a:r>
+            <a:endParaRPr lang="fr-FR"/>
+          </a:p>
+        </p:txBody>
+      </p:sp>
+      <p:sp>
+        <p:nvSpPr>
+          <p:cNvPr id="6" name="Espace réservé du numéro de diapositive 5"/>
+          <p:cNvSpPr>
+            <a:spLocks noGrp="1"/>
+          </p:cNvSpPr>
+          <p:nvPr>
+            <p:ph type="sldNum" sz="quarter" idx="12"/>
+          </p:nvPr>
+        </p:nvSpPr>
+        <p:spPr/>
+        <p:txBody>
+          <a:bodyPr/>
+          <a:lstStyle/>
+          <a:p>
+            <a:fld id="{4DDB7E73-332C-4BFF-8BF0-E14F47F56745}" type="slidenum">
+              <a:rPr lang="fr-FR" smtClean="0"/>
+              <a:t>10</a:t>
+            </a:fld>
+            <a:endParaRPr lang="fr-FR"/>
+          </a:p>
+        </p:txBody>
+      </p:sp>
+      <p:pic>
+        <p:nvPicPr>
+          <p:cNvPr id="5" name="Image 4"/>
+          <p:cNvPicPr>
+            <a:picLocks noChangeAspect="1"/>
+          </p:cNvPicPr>
+          <p:nvPr/>
+        </p:nvPicPr>
+        <p:blipFill rotWithShape="1">
+          <a:blip r:embed="rId2">
+            <a:extLst>
+              <a:ext uri="{28A0092B-C50C-407E-A947-70E740481C1C}">
+                <a14:useLocalDpi xmlns:a14="http://schemas.microsoft.com/office/drawing/2010/main" val="0"/>
+              </a:ext>
+            </a:extLst>
+          </a:blip>
+          <a:srcRect l="12901" t="8078" r="27348" b="30305"/>
+          <a:stretch/>
+        </p:blipFill>
+        <p:spPr>
+          <a:xfrm>
+            <a:off x="755576" y="2620370"/>
+            <a:ext cx="5490625" cy="3184894"/>
+          </a:xfrm>
+          <a:prstGeom prst="rect">
+            <a:avLst/>
+          </a:prstGeom>
+          <a:ln w="19050">
+            <a:solidFill>
+              <a:schemeClr val="tx1"/>
+            </a:solidFill>
+          </a:ln>
+        </p:spPr>
+      </p:pic>
+      <p:sp>
+        <p:nvSpPr>
+          <p:cNvPr id="7" name="ZoneTexte 6"/>
+          <p:cNvSpPr txBox="1"/>
+          <p:nvPr/>
+        </p:nvSpPr>
+        <p:spPr>
+          <a:xfrm>
+            <a:off x="6372200" y="4028151"/>
+            <a:ext cx="2469330" cy="369332"/>
+          </a:xfrm>
+          <a:prstGeom prst="rect">
+            <a:avLst/>
+          </a:prstGeom>
+          <a:noFill/>
+        </p:spPr>
+        <p:txBody>
+          <a:bodyPr wrap="none" rtlCol="0">
+            <a:spAutoFit/>
+          </a:bodyPr>
+          <a:lstStyle/>
+          <a:p>
+            <a:r>
+              <a:rPr lang="fr-FR" dirty="0" smtClean="0"/>
+              <a:t>Exemple à l’altitude 50</a:t>
+            </a:r>
+            <a:endParaRPr lang="fr-FR" dirty="0"/>
+          </a:p>
+        </p:txBody>
+      </p:sp>
+    </p:spTree>
+    <p:extLst>
+      <p:ext uri="{BB962C8B-B14F-4D97-AF65-F5344CB8AC3E}">
+        <p14:creationId xmlns:p14="http://schemas.microsoft.com/office/powerpoint/2010/main" val="173395959"/>
+      </p:ext>
+    </p:extLst>
+  </p:cSld>
+  <p:clrMapOvr>
+    <a:masterClrMapping/>
+  </p:clrMapOvr>
+  <p:timing>
+    <p:tnLst>
+      <p:par>
+        <p:cTn id="1" dur="indefinite" restart="never" nodeType="tmRoot"/>
+      </p:par>
+    </p:tnLst>
+  </p:timing>
+</p:sld>
+</file>
+
+<file path=ppt/slides/slide11.xml><?xml version="1.0" encoding="utf-8"?>
+<p:sld xmlns:a="http://schemas.openxmlformats.org/drawingml/2006/main" xmlns:r="http://schemas.openxmlformats.org/officeDocument/2006/relationships" xmlns:p="http://schemas.openxmlformats.org/presentationml/2006/main">
+  <p:cSld>
+    <p:spTree>
+      <p:nvGrpSpPr>
+        <p:cNvPr id="1" name=""/>
+        <p:cNvGrpSpPr/>
+        <p:nvPr/>
+      </p:nvGrpSpPr>
+      <p:grpSpPr>
+        <a:xfrm>
+          <a:off x="0" y="0"/>
+          <a:ext cx="0" cy="0"/>
+          <a:chOff x="0" y="0"/>
+          <a:chExt cx="0" cy="0"/>
+        </a:xfrm>
+      </p:grpSpPr>
+      <p:sp>
+        <p:nvSpPr>
+          <p:cNvPr id="3" name="Titre 2"/>
+          <p:cNvSpPr>
+            <a:spLocks noGrp="1"/>
+          </p:cNvSpPr>
+          <p:nvPr>
+            <p:ph type="title"/>
+          </p:nvPr>
+        </p:nvSpPr>
+        <p:spPr/>
+        <p:txBody>
+          <a:bodyPr/>
+          <a:lstStyle/>
+          <a:p>
+            <a:r>
+              <a:rPr lang="fr-FR" dirty="0" smtClean="0"/>
+              <a:t>Démonstration </a:t>
+            </a:r>
+            <a:endParaRPr lang="fr-FR" dirty="0"/>
+          </a:p>
+        </p:txBody>
+      </p:sp>
+      <p:sp>
+        <p:nvSpPr>
+          <p:cNvPr id="4" name="Espace réservé de la date 3"/>
+          <p:cNvSpPr>
+            <a:spLocks noGrp="1"/>
+          </p:cNvSpPr>
+          <p:nvPr>
+            <p:ph type="dt" sz="half" idx="10"/>
+          </p:nvPr>
+        </p:nvSpPr>
+        <p:spPr/>
+        <p:txBody>
+          <a:bodyPr/>
+          <a:lstStyle/>
+          <a:p>
+            <a:r>
+              <a:rPr lang="fr-FR" smtClean="0"/>
+              <a:t>28/03/2017</a:t>
+            </a:r>
+            <a:endParaRPr lang="fr-FR"/>
+          </a:p>
+        </p:txBody>
+      </p:sp>
+      <p:sp>
+        <p:nvSpPr>
+          <p:cNvPr id="6" name="Espace réservé du numéro de diapositive 5"/>
+          <p:cNvSpPr>
+            <a:spLocks noGrp="1"/>
+          </p:cNvSpPr>
+          <p:nvPr>
+            <p:ph type="sldNum" sz="quarter" idx="12"/>
+          </p:nvPr>
+        </p:nvSpPr>
+        <p:spPr/>
+        <p:txBody>
+          <a:bodyPr/>
+          <a:lstStyle/>
+          <a:p>
+            <a:fld id="{4DDB7E73-332C-4BFF-8BF0-E14F47F56745}" type="slidenum">
+              <a:rPr lang="fr-FR" smtClean="0"/>
+              <a:t>11</a:t>
+            </a:fld>
+            <a:endParaRPr lang="fr-FR"/>
+          </a:p>
+        </p:txBody>
+      </p:sp>
+      <p:pic>
+        <p:nvPicPr>
+          <p:cNvPr id="5" name="MNT">
+            <a:hlinkClick r:id="" action="ppaction://media"/>
+          </p:cNvPr>
+          <p:cNvPicPr>
+            <a:picLocks noGrp="1" noChangeAspect="1"/>
+          </p:cNvPicPr>
+          <p:nvPr>
+            <p:ph idx="1"/>
+            <a:videoFile r:link="rId2"/>
+            <p:extLst>
+              <p:ext uri="{DAA4B4D4-6D71-4841-9C94-3DE7FCFB9230}">
+                <p14:media xmlns:p14="http://schemas.microsoft.com/office/powerpoint/2010/main" r:embed="rId1"/>
+              </p:ext>
+            </p:extLst>
+          </p:nvPr>
+        </p:nvPicPr>
+        <p:blipFill>
+          <a:blip r:embed="rId4"/>
+          <a:stretch>
+            <a:fillRect/>
+          </a:stretch>
+        </p:blipFill>
+        <p:spPr>
+          <a:xfrm>
+            <a:off x="446737" y="1741371"/>
+            <a:ext cx="8249786" cy="4637789"/>
+          </a:xfrm>
+          <a:ln w="19050">
+            <a:solidFill>
+              <a:schemeClr val="tx1"/>
+            </a:solidFill>
+          </a:ln>
+        </p:spPr>
+      </p:pic>
+    </p:spTree>
+    <p:extLst>
+      <p:ext uri="{BB962C8B-B14F-4D97-AF65-F5344CB8AC3E}">
+        <p14:creationId xmlns:p14="http://schemas.microsoft.com/office/powerpoint/2010/main" val="3858705970"/>
+      </p:ext>
+    </p:extLst>
+  </p:cSld>
+  <p:clrMapOvr>
+    <a:masterClrMapping/>
+  </p:clrMapOvr>
+  <p:timing>
+    <p:tnLst>
+      <p:par>
+        <p:cTn id="1" dur="indefinite" restart="never" nodeType="tmRoot">
+          <p:childTnLst>
+            <p:seq concurrent="1" nextAc="seek">
+              <p:cTn id="2" restart="whenNotActive" fill="hold" evtFilter="cancelBubble" nodeType="interactiveSeq">
+                <p:stCondLst>
+                  <p:cond evt="onClick" delay="0">
+                    <p:tgtEl>
+                      <p:spTgt spid="5"/>
+                    </p:tgtEl>
+                  </p:cond>
+                </p:stCondLst>
+                <p:endSync evt="end" delay="0">
+                  <p:rtn val="all"/>
+                </p:endSync>
+                <p:childTnLst>
+                  <p:par>
+                    <p:cTn id="3" fill="hold">
+                      <p:stCondLst>
+                        <p:cond delay="0"/>
+                      </p:stCondLst>
+                      <p:childTnLst>
+                        <p:par>
+                          <p:cTn id="4" fill="hold">
+                            <p:stCondLst>
+                              <p:cond delay="0"/>
+                            </p:stCondLst>
+                            <p:childTnLst>
+                              <p:par>
+                                <p:cTn id="5" presetID="2" presetClass="mediacall" presetSubtype="0" fill="hold" nodeType="clickEffect">
+                                  <p:stCondLst>
+                                    <p:cond delay="0"/>
+                                  </p:stCondLst>
+                                  <p:childTnLst>
+                                    <p:cmd type="call" cmd="togglePause">
+                                      <p:cBhvr>
+                                        <p:cTn id="6" dur="1" fill="hold"/>
+                                        <p:tgtEl>
+                                          <p:spTgt spid="5"/>
+                                        </p:tgtEl>
+                                      </p:cBhvr>
+                                    </p:cmd>
+                                  </p:childTnLst>
+                                </p:cTn>
+                              </p:par>
+                            </p:childTnLst>
+                          </p:cTn>
+                        </p:par>
+                      </p:childTnLst>
+                    </p:cTn>
+                  </p:par>
+                </p:childTnLst>
+              </p:cTn>
+              <p:nextCondLst>
+                <p:cond evt="onClick" delay="0">
+                  <p:tgtEl>
+                    <p:spTgt spid="5"/>
+                  </p:tgtEl>
+                </p:cond>
+              </p:nextCondLst>
+            </p:seq>
+            <p:video>
+              <p:cMediaNode vol="80000">
+                <p:cTn id="7" fill="hold" display="0">
+                  <p:stCondLst>
+                    <p:cond delay="indefinite"/>
+                  </p:stCondLst>
+                </p:cTn>
+                <p:tgtEl>
+                  <p:spTgt spid="5"/>
+                </p:tgtEl>
+              </p:cMediaNode>
+            </p:video>
+          </p:childTnLst>
+        </p:cTn>
+      </p:par>
+    </p:tnLst>
+  </p:timing>
+</p:sld>
+</file>
+
+<file path=ppt/slides/slide12.xml><?xml version="1.0" encoding="utf-8"?>
+<p:sld xmlns:a="http://schemas.openxmlformats.org/drawingml/2006/main" xmlns:r="http://schemas.openxmlformats.org/officeDocument/2006/relationships" xmlns:p="http://schemas.openxmlformats.org/presentationml/2006/main">
+  <p:cSld>
+    <p:spTree>
+      <p:nvGrpSpPr>
+        <p:cNvPr id="1" name=""/>
+        <p:cNvGrpSpPr/>
+        <p:nvPr/>
+      </p:nvGrpSpPr>
+      <p:grpSpPr>
+        <a:xfrm>
+          <a:off x="0" y="0"/>
+          <a:ext cx="0" cy="0"/>
+          <a:chOff x="0" y="0"/>
+          <a:chExt cx="0" cy="0"/>
+        </a:xfrm>
+      </p:grpSpPr>
+      <p:sp>
+        <p:nvSpPr>
+          <p:cNvPr id="3" name="Titre 2"/>
+          <p:cNvSpPr>
+            <a:spLocks noGrp="1"/>
+          </p:cNvSpPr>
+          <p:nvPr>
+            <p:ph type="title"/>
+          </p:nvPr>
+        </p:nvSpPr>
+        <p:spPr/>
+        <p:txBody>
+          <a:bodyPr/>
+          <a:lstStyle/>
+          <a:p>
+            <a:r>
+              <a:rPr lang="fr-FR" dirty="0" smtClean="0"/>
+              <a:t>Bilan</a:t>
+            </a:r>
+            <a:endParaRPr lang="fr-FR" dirty="0"/>
+          </a:p>
+        </p:txBody>
+      </p:sp>
+      <p:sp>
+        <p:nvSpPr>
+          <p:cNvPr id="4" name="Espace réservé de la date 3"/>
+          <p:cNvSpPr>
+            <a:spLocks noGrp="1"/>
+          </p:cNvSpPr>
+          <p:nvPr>
+            <p:ph type="dt" sz="half" idx="10"/>
+          </p:nvPr>
+        </p:nvSpPr>
+        <p:spPr/>
+        <p:txBody>
+          <a:bodyPr/>
+          <a:lstStyle/>
+          <a:p>
+            <a:r>
+              <a:rPr lang="fr-FR" smtClean="0"/>
+              <a:t>28/03/2017</a:t>
+            </a:r>
+            <a:endParaRPr lang="fr-FR"/>
+          </a:p>
+        </p:txBody>
+      </p:sp>
+      <p:sp>
+        <p:nvSpPr>
+          <p:cNvPr id="6" name="Espace réservé du numéro de diapositive 5"/>
+          <p:cNvSpPr>
+            <a:spLocks noGrp="1"/>
+          </p:cNvSpPr>
+          <p:nvPr>
+            <p:ph type="sldNum" sz="quarter" idx="12"/>
+          </p:nvPr>
+        </p:nvSpPr>
+        <p:spPr/>
+        <p:txBody>
+          <a:bodyPr/>
+          <a:lstStyle/>
+          <a:p>
+            <a:fld id="{4DDB7E73-332C-4BFF-8BF0-E14F47F56745}" type="slidenum">
+              <a:rPr lang="fr-FR" smtClean="0"/>
+              <a:t>12</a:t>
+            </a:fld>
+            <a:endParaRPr lang="fr-FR"/>
+          </a:p>
+        </p:txBody>
+      </p:sp>
+      <p:sp>
+        <p:nvSpPr>
+          <p:cNvPr id="2" name="Espace réservé du contenu 1"/>
+          <p:cNvSpPr>
+            <a:spLocks noGrp="1"/>
+          </p:cNvSpPr>
+          <p:nvPr>
+            <p:ph idx="1"/>
+          </p:nvPr>
+        </p:nvSpPr>
+        <p:spPr>
+          <a:xfrm>
+            <a:off x="2771800" y="2350016"/>
+            <a:ext cx="4536504" cy="4005064"/>
+          </a:xfrm>
+        </p:spPr>
+        <p:txBody>
+          <a:bodyPr>
+            <a:normAutofit/>
+          </a:bodyPr>
+          <a:lstStyle/>
+          <a:p>
+            <a:endParaRPr lang="fr-FR" dirty="0" smtClean="0"/>
+          </a:p>
+          <a:p>
+            <a:r>
+              <a:rPr lang="fr-FR" dirty="0" smtClean="0"/>
+              <a:t>Ce qui a marché </a:t>
+            </a:r>
+            <a:endParaRPr lang="fr-FR" dirty="0" smtClean="0"/>
+          </a:p>
+          <a:p>
+            <a:pPr lvl="1"/>
+            <a:r>
+              <a:rPr lang="fr-FR" dirty="0"/>
+              <a:t>Modélisation du </a:t>
+            </a:r>
+            <a:r>
+              <a:rPr lang="fr-FR" dirty="0" smtClean="0"/>
+              <a:t>MNT</a:t>
+            </a:r>
+          </a:p>
+          <a:p>
+            <a:pPr lvl="1"/>
+            <a:r>
+              <a:rPr lang="fr-FR" dirty="0" smtClean="0"/>
+              <a:t>Courbe </a:t>
+            </a:r>
+            <a:r>
+              <a:rPr lang="fr-FR" dirty="0"/>
+              <a:t>de niveau (moyennement)</a:t>
+            </a:r>
+          </a:p>
+          <a:p>
+            <a:pPr marL="45720" indent="0">
+              <a:buNone/>
+            </a:pPr>
+            <a:endParaRPr lang="fr-FR" dirty="0" smtClean="0"/>
+          </a:p>
+          <a:p>
+            <a:r>
+              <a:rPr lang="fr-FR" dirty="0" smtClean="0"/>
+              <a:t>Ce qui n’a pas marché</a:t>
+            </a:r>
+          </a:p>
+          <a:p>
+            <a:pPr lvl="1"/>
+            <a:r>
+              <a:rPr lang="fr-FR" dirty="0" smtClean="0"/>
+              <a:t>Format de l’image sauvegardé</a:t>
+            </a:r>
+          </a:p>
+          <a:p>
+            <a:pPr lvl="1"/>
+            <a:endParaRPr lang="fr-FR" dirty="0" smtClean="0"/>
+          </a:p>
+          <a:p>
+            <a:r>
+              <a:rPr lang="fr-FR" dirty="0"/>
+              <a:t>Projet en général</a:t>
+            </a:r>
+          </a:p>
+          <a:p>
+            <a:endParaRPr lang="fr-FR" dirty="0" smtClean="0"/>
+          </a:p>
+          <a:p>
+            <a:pPr marL="365760" lvl="1" indent="0">
+              <a:buNone/>
+            </a:pPr>
+            <a:endParaRPr lang="fr-FR" dirty="0" smtClean="0"/>
+          </a:p>
+          <a:p>
+            <a:pPr marL="365760" lvl="1" indent="0">
+              <a:buNone/>
+            </a:pPr>
+            <a:endParaRPr lang="fr-FR" dirty="0" smtClean="0"/>
+          </a:p>
+        </p:txBody>
+      </p:sp>
+    </p:spTree>
+    <p:extLst>
+      <p:ext uri="{BB962C8B-B14F-4D97-AF65-F5344CB8AC3E}">
+        <p14:creationId xmlns:p14="http://schemas.microsoft.com/office/powerpoint/2010/main" val="1631960335"/>
+      </p:ext>
+    </p:extLst>
+  </p:cSld>
+  <p:clrMapOvr>
+    <a:masterClrMapping/>
+  </p:clrMapOvr>
+  <p:timing>
+    <p:tnLst>
+      <p:par>
+        <p:cTn id="1" dur="indefinite" restart="never" nodeType="tmRoot"/>
+      </p:par>
+    </p:tnLst>
+  </p:timing>
+</p:sld>
+</file>
+
+<file path=ppt/slides/slide13.xml><?xml version="1.0" encoding="utf-8"?>
+<p:sld xmlns:a="http://schemas.openxmlformats.org/drawingml/2006/main" xmlns:r="http://schemas.openxmlformats.org/officeDocument/2006/relationships" xmlns:p="http://schemas.openxmlformats.org/presentationml/2006/main">
+  <p:cSld>
+    <p:spTree>
+      <p:nvGrpSpPr>
+        <p:cNvPr id="1" name=""/>
+        <p:cNvGrpSpPr/>
+        <p:nvPr/>
+      </p:nvGrpSpPr>
+      <p:grpSpPr>
+        <a:xfrm>
+          <a:off x="0" y="0"/>
+          <a:ext cx="0" cy="0"/>
+          <a:chOff x="0" y="0"/>
+          <a:chExt cx="0" cy="0"/>
+        </a:xfrm>
+      </p:grpSpPr>
+      <p:sp>
+        <p:nvSpPr>
+          <p:cNvPr id="2" name="Espace réservé du contenu 1"/>
+          <p:cNvSpPr>
+            <a:spLocks noGrp="1"/>
+          </p:cNvSpPr>
+          <p:nvPr>
+            <p:ph idx="1"/>
+          </p:nvPr>
+        </p:nvSpPr>
+        <p:spPr>
+          <a:xfrm>
+            <a:off x="1691680" y="3068960"/>
+            <a:ext cx="6912768" cy="2625471"/>
+          </a:xfrm>
+        </p:spPr>
+        <p:txBody>
+          <a:bodyPr/>
+          <a:lstStyle/>
+          <a:p>
+            <a:r>
+              <a:rPr lang="fr-FR" dirty="0" smtClean="0"/>
+              <a:t>Débugger les résolutions de triangle</a:t>
+            </a:r>
+          </a:p>
+          <a:p>
+            <a:r>
+              <a:rPr lang="fr-FR" dirty="0" smtClean="0"/>
+              <a:t>Réorganiser nos classes</a:t>
+            </a:r>
+          </a:p>
+          <a:p>
+            <a:r>
+              <a:rPr lang="fr-FR" dirty="0" smtClean="0"/>
+              <a:t>Plusieurs courbe de niveau</a:t>
+            </a:r>
+          </a:p>
+          <a:p>
+            <a:r>
+              <a:rPr lang="fr-FR" dirty="0" smtClean="0"/>
+              <a:t>Changement de courbe de niveau sur le MNT</a:t>
+            </a:r>
+            <a:endParaRPr lang="fr-FR" dirty="0"/>
+          </a:p>
+        </p:txBody>
+      </p:sp>
+      <p:sp>
+        <p:nvSpPr>
+          <p:cNvPr id="3" name="Titre 2"/>
+          <p:cNvSpPr>
+            <a:spLocks noGrp="1"/>
+          </p:cNvSpPr>
+          <p:nvPr>
+            <p:ph type="title"/>
+          </p:nvPr>
+        </p:nvSpPr>
+        <p:spPr/>
+        <p:txBody>
+          <a:bodyPr/>
+          <a:lstStyle/>
+          <a:p>
+            <a:r>
+              <a:rPr lang="fr-FR" dirty="0" smtClean="0"/>
+              <a:t>Améliorations</a:t>
+            </a:r>
+            <a:endParaRPr lang="fr-FR" dirty="0"/>
+          </a:p>
+        </p:txBody>
+      </p:sp>
+      <p:sp>
+        <p:nvSpPr>
+          <p:cNvPr id="4" name="Espace réservé de la date 3"/>
+          <p:cNvSpPr>
+            <a:spLocks noGrp="1"/>
+          </p:cNvSpPr>
+          <p:nvPr>
+            <p:ph type="dt" sz="half" idx="10"/>
+          </p:nvPr>
+        </p:nvSpPr>
+        <p:spPr/>
+        <p:txBody>
+          <a:bodyPr/>
+          <a:lstStyle/>
+          <a:p>
+            <a:r>
+              <a:rPr lang="fr-FR" smtClean="0"/>
+              <a:t>28/03/2017</a:t>
+            </a:r>
+            <a:endParaRPr lang="fr-FR"/>
+          </a:p>
+        </p:txBody>
+      </p:sp>
+      <p:sp>
+        <p:nvSpPr>
+          <p:cNvPr id="6" name="Espace réservé du numéro de diapositive 5"/>
+          <p:cNvSpPr>
+            <a:spLocks noGrp="1"/>
+          </p:cNvSpPr>
+          <p:nvPr>
+            <p:ph type="sldNum" sz="quarter" idx="12"/>
+          </p:nvPr>
+        </p:nvSpPr>
+        <p:spPr/>
+        <p:txBody>
+          <a:bodyPr/>
+          <a:lstStyle/>
+          <a:p>
+            <a:fld id="{4DDB7E73-332C-4BFF-8BF0-E14F47F56745}" type="slidenum">
+              <a:rPr lang="fr-FR" smtClean="0"/>
+              <a:t>13</a:t>
+            </a:fld>
+            <a:endParaRPr lang="fr-FR"/>
+          </a:p>
+        </p:txBody>
+      </p:sp>
+    </p:spTree>
+    <p:extLst>
+      <p:ext uri="{BB962C8B-B14F-4D97-AF65-F5344CB8AC3E}">
+        <p14:creationId xmlns:p14="http://schemas.microsoft.com/office/powerpoint/2010/main" val="45158975"/>
+      </p:ext>
+    </p:extLst>
+  </p:cSld>
+  <p:clrMapOvr>
+    <a:masterClrMapping/>
+  </p:clrMapOvr>
+  <p:timing>
+    <p:tnLst>
+      <p:par>
+        <p:cTn id="1" dur="indefinite" restart="never" nodeType="tmRoot"/>
+      </p:par>
+    </p:tnLst>
+  </p:timing>
+</p:sld>
+</file>
+
+<file path=ppt/slides/slide14.xml><?xml version="1.0" encoding="utf-8"?>
+<p:sld xmlns:a="http://schemas.openxmlformats.org/drawingml/2006/main" xmlns:r="http://schemas.openxmlformats.org/officeDocument/2006/relationships" xmlns:p="http://schemas.openxmlformats.org/presentationml/2006/main">
+  <p:cSld>
+    <p:spTree>
+      <p:nvGrpSpPr>
+        <p:cNvPr id="1" name=""/>
+        <p:cNvGrpSpPr/>
+        <p:nvPr/>
+      </p:nvGrpSpPr>
+      <p:grpSpPr>
+        <a:xfrm>
+          <a:off x="0" y="0"/>
+          <a:ext cx="0" cy="0"/>
+          <a:chOff x="0" y="0"/>
+          <a:chExt cx="0" cy="0"/>
+        </a:xfrm>
+      </p:grpSpPr>
+      <p:sp>
+        <p:nvSpPr>
+          <p:cNvPr id="2" name="Espace réservé du contenu 1"/>
+          <p:cNvSpPr>
+            <a:spLocks noGrp="1"/>
+          </p:cNvSpPr>
+          <p:nvPr>
+            <p:ph idx="1"/>
+          </p:nvPr>
+        </p:nvSpPr>
+        <p:spPr>
+          <a:xfrm>
+            <a:off x="2980185" y="3387736"/>
+            <a:ext cx="3182889" cy="989849"/>
+          </a:xfrm>
+        </p:spPr>
+        <p:txBody>
+          <a:bodyPr/>
+          <a:lstStyle/>
+          <a:p>
+            <a:r>
+              <a:rPr lang="fr-FR" dirty="0" smtClean="0"/>
+              <a:t>Clément </a:t>
+            </a:r>
+            <a:r>
+              <a:rPr lang="fr-FR" dirty="0" err="1" smtClean="0"/>
+              <a:t>Delgrange</a:t>
+            </a:r>
+            <a:endParaRPr lang="fr-FR" dirty="0" smtClean="0"/>
+          </a:p>
+          <a:p>
+            <a:r>
+              <a:rPr lang="fr-FR" dirty="0" smtClean="0"/>
+              <a:t>Benoit Costes</a:t>
+            </a:r>
+            <a:endParaRPr lang="fr-FR" dirty="0"/>
+          </a:p>
+        </p:txBody>
+      </p:sp>
+      <p:sp>
+        <p:nvSpPr>
+          <p:cNvPr id="3" name="Titre 2"/>
+          <p:cNvSpPr>
+            <a:spLocks noGrp="1"/>
+          </p:cNvSpPr>
+          <p:nvPr>
+            <p:ph type="title"/>
+          </p:nvPr>
+        </p:nvSpPr>
+        <p:spPr/>
+        <p:txBody>
+          <a:bodyPr/>
+          <a:lstStyle/>
+          <a:p>
+            <a:r>
+              <a:rPr lang="fr-FR" dirty="0" smtClean="0"/>
+              <a:t>Remerciement </a:t>
+            </a:r>
+            <a:endParaRPr lang="fr-FR" dirty="0"/>
+          </a:p>
+        </p:txBody>
+      </p:sp>
+      <p:sp>
+        <p:nvSpPr>
+          <p:cNvPr id="4" name="Espace réservé de la date 3"/>
+          <p:cNvSpPr>
+            <a:spLocks noGrp="1"/>
+          </p:cNvSpPr>
+          <p:nvPr>
+            <p:ph type="dt" sz="half" idx="10"/>
+          </p:nvPr>
+        </p:nvSpPr>
+        <p:spPr/>
+        <p:txBody>
+          <a:bodyPr/>
+          <a:lstStyle/>
+          <a:p>
+            <a:r>
+              <a:rPr lang="fr-FR" smtClean="0"/>
+              <a:t>28/03/2017</a:t>
+            </a:r>
+            <a:endParaRPr lang="fr-FR"/>
+          </a:p>
+        </p:txBody>
+      </p:sp>
+      <p:sp>
+        <p:nvSpPr>
+          <p:cNvPr id="6" name="Espace réservé du numéro de diapositive 5"/>
+          <p:cNvSpPr>
+            <a:spLocks noGrp="1"/>
+          </p:cNvSpPr>
+          <p:nvPr>
+            <p:ph type="sldNum" sz="quarter" idx="12"/>
+          </p:nvPr>
+        </p:nvSpPr>
+        <p:spPr/>
+        <p:txBody>
+          <a:bodyPr/>
+          <a:lstStyle/>
+          <a:p>
+            <a:fld id="{4DDB7E73-332C-4BFF-8BF0-E14F47F56745}" type="slidenum">
+              <a:rPr lang="fr-FR" smtClean="0"/>
+              <a:t>14</a:t>
+            </a:fld>
+            <a:endParaRPr lang="fr-FR"/>
+          </a:p>
+        </p:txBody>
+      </p:sp>
+    </p:spTree>
+    <p:extLst>
+      <p:ext uri="{BB962C8B-B14F-4D97-AF65-F5344CB8AC3E}">
+        <p14:creationId xmlns:p14="http://schemas.microsoft.com/office/powerpoint/2010/main" val="187509551"/>
       </p:ext>
     </p:extLst>
   </p:cSld>
@@ -4335,49 +5560,10 @@
         </p:nvSpPr>
         <p:spPr>
           <a:xfrm>
-            <a:off x="1619672" y="3284984"/>
-            <a:ext cx="6063209" cy="1781937"/>
-          </a:xfrm>
-        </p:spPr>
-        <p:txBody>
-          <a:bodyPr/>
-          <a:lstStyle/>
-          <a:p>
-            <a:r>
-              <a:rPr lang="fr-FR" dirty="0" smtClean="0"/>
-              <a:t>Réalisation d’un modèle de MNT</a:t>
-            </a:r>
-          </a:p>
-          <a:p>
-            <a:pPr lvl="1"/>
-            <a:r>
-              <a:rPr lang="fr-FR" dirty="0"/>
-              <a:t>2D ou </a:t>
-            </a:r>
-            <a:r>
-              <a:rPr lang="fr-FR" dirty="0" smtClean="0"/>
-              <a:t>3D</a:t>
-            </a:r>
-          </a:p>
-          <a:p>
-            <a:r>
-              <a:rPr lang="fr-FR" dirty="0" smtClean="0"/>
-              <a:t>Création de courbe de niveau sur ce MNT</a:t>
-            </a:r>
-          </a:p>
-        </p:txBody>
-      </p:sp>
-      <p:sp>
-        <p:nvSpPr>
-          <p:cNvPr id="3" name="Titre 2"/>
-          <p:cNvSpPr>
-            <a:spLocks noGrp="1"/>
-          </p:cNvSpPr>
-          <p:nvPr>
-            <p:ph type="title"/>
-          </p:nvPr>
-        </p:nvSpPr>
-        <p:spPr/>
+            <a:off x="2583071" y="2582321"/>
+            <a:ext cx="4248472" cy="3168352"/>
+          </a:xfrm>
+        </p:spPr>
         <p:txBody>
           <a:bodyPr/>
           <a:lstStyle/>
@@ -4386,6 +5572,76 @@
               <a:rPr lang="fr-FR" dirty="0" smtClean="0"/>
               <a:t>Présentation du sujet</a:t>
             </a:r>
+          </a:p>
+          <a:p>
+            <a:r>
+              <a:rPr lang="fr-FR" dirty="0" smtClean="0"/>
+              <a:t>Données de départ</a:t>
+            </a:r>
+          </a:p>
+          <a:p>
+            <a:r>
+              <a:rPr lang="fr-FR" dirty="0" smtClean="0"/>
+              <a:t>Hypothèse de départ</a:t>
+            </a:r>
+          </a:p>
+          <a:p>
+            <a:r>
+              <a:rPr lang="fr-FR" dirty="0" smtClean="0"/>
+              <a:t>Aspects techniques</a:t>
+            </a:r>
+          </a:p>
+          <a:p>
+            <a:r>
+              <a:rPr lang="fr-FR" dirty="0" smtClean="0"/>
+              <a:t>Présentation des résultats</a:t>
+            </a:r>
+          </a:p>
+          <a:p>
+            <a:r>
+              <a:rPr lang="fr-FR" dirty="0" smtClean="0"/>
+              <a:t>Démonstration </a:t>
+            </a:r>
+          </a:p>
+          <a:p>
+            <a:r>
+              <a:rPr lang="fr-FR" dirty="0" smtClean="0"/>
+              <a:t>Bilan</a:t>
+            </a:r>
+          </a:p>
+          <a:p>
+            <a:r>
+              <a:rPr lang="fr-FR" dirty="0" smtClean="0"/>
+              <a:t>Améliorations</a:t>
+            </a:r>
+          </a:p>
+          <a:p>
+            <a:endParaRPr lang="fr-FR" dirty="0" smtClean="0"/>
+          </a:p>
+          <a:p>
+            <a:endParaRPr lang="fr-FR" dirty="0" smtClean="0"/>
+          </a:p>
+        </p:txBody>
+      </p:sp>
+      <p:sp>
+        <p:nvSpPr>
+          <p:cNvPr id="3" name="Titre 2"/>
+          <p:cNvSpPr>
+            <a:spLocks noGrp="1"/>
+          </p:cNvSpPr>
+          <p:nvPr>
+            <p:ph type="title"/>
+          </p:nvPr>
+        </p:nvSpPr>
+        <p:spPr/>
+        <p:txBody>
+          <a:bodyPr/>
+          <a:lstStyle/>
+          <a:p>
+            <a:r>
+              <a:rPr lang="fr-FR" dirty="0" smtClean="0"/>
+              <a:t>Sommaire</a:t>
+            </a:r>
             <a:endParaRPr lang="fr-FR" dirty="0"/>
           </a:p>
         </p:txBody>
@@ -4406,33 +5662,10 @@
           <a:lstStyle/>
           <a:p>
             <a:r>
-              <a:rPr lang="fr-FR" smtClean="0"/>
-              <a:t>23/03/2017</a:t>
-            </a:r>
-            <a:endParaRPr lang="fr-FR"/>
-          </a:p>
-        </p:txBody>
-      </p:sp>
-      <p:sp>
-        <p:nvSpPr>
-          <p:cNvPr id="5" name="Espace réservé du pied de page 4"/>
-          <p:cNvSpPr>
-            <a:spLocks noGrp="1"/>
-          </p:cNvSpPr>
-          <p:nvPr>
-            <p:ph type="ftr" sz="quarter" idx="11"/>
-          </p:nvPr>
-        </p:nvSpPr>
-        <p:spPr/>
-        <p:txBody>
-          <a:bodyPr/>
-          <a:lstStyle/>
-          <a:p>
-            <a:r>
-              <a:rPr lang="fr-FR" smtClean="0"/>
-              <a:t>Alexis C &amp; Paul M &amp; Louis G</a:t>
-            </a:r>
-            <a:endParaRPr lang="fr-FR"/>
+              <a:rPr lang="fr-FR" dirty="0" smtClean="0"/>
+              <a:t>28/03/2017</a:t>
+            </a:r>
+            <a:endParaRPr lang="fr-FR" dirty="0"/>
           </a:p>
         </p:txBody>
       </p:sp>
@@ -4498,30 +5731,7 @@
       </p:grpSpPr>
       <p:sp>
         <p:nvSpPr>
-          <p:cNvPr id="3" name="Titre 2"/>
-          <p:cNvSpPr>
-            <a:spLocks noGrp="1"/>
-          </p:cNvSpPr>
-          <p:nvPr>
-            <p:ph type="title"/>
-          </p:nvPr>
-        </p:nvSpPr>
-        <p:spPr/>
-        <p:txBody>
-          <a:bodyPr/>
-          <a:lstStyle/>
-          <a:p>
-            <a:r>
-              <a:rPr lang="fr-FR" dirty="0" smtClean="0"/>
-              <a:t>Données de départ</a:t>
-            </a:r>
-            <a:endParaRPr lang="fr-FR" dirty="0"/>
-          </a:p>
-        </p:txBody>
-      </p:sp>
-      <p:sp>
-        <p:nvSpPr>
-          <p:cNvPr id="5" name="Espace réservé du contenu 4"/>
+          <p:cNvPr id="2" name="Espace réservé du contenu 1"/>
           <p:cNvSpPr>
             <a:spLocks noGrp="1"/>
           </p:cNvSpPr>
@@ -4531,8 +5741,8 @@
         </p:nvSpPr>
         <p:spPr>
           <a:xfrm>
-            <a:off x="467544" y="3645025"/>
-            <a:ext cx="2822849" cy="504056"/>
+            <a:off x="1619672" y="3284984"/>
+            <a:ext cx="6063209" cy="1781937"/>
           </a:xfrm>
         </p:spPr>
         <p:txBody>
@@ -4540,55 +5750,59 @@
           <a:lstStyle/>
           <a:p>
             <a:r>
+              <a:rPr lang="fr-FR" u="sng" dirty="0" smtClean="0"/>
+              <a:t>Sujet 3 :</a:t>
+            </a:r>
+            <a:r>
               <a:rPr lang="fr-FR" dirty="0" smtClean="0"/>
-              <a:t>Un fichier texte</a:t>
+              <a:t> Réalisation d’un modèle de MNT</a:t>
+            </a:r>
+          </a:p>
+          <a:p>
+            <a:pPr lvl="1"/>
+            <a:r>
+              <a:rPr lang="fr-FR" dirty="0"/>
+              <a:t>2D ou </a:t>
+            </a:r>
+            <a:r>
+              <a:rPr lang="fr-FR" dirty="0" smtClean="0"/>
+              <a:t>3D</a:t>
+            </a:r>
+          </a:p>
+          <a:p>
+            <a:r>
+              <a:rPr lang="fr-FR" dirty="0" smtClean="0"/>
+              <a:t>Création de courbe de niveau sur ce MNT</a:t>
+            </a:r>
+          </a:p>
+        </p:txBody>
+      </p:sp>
+      <p:sp>
+        <p:nvSpPr>
+          <p:cNvPr id="3" name="Titre 2"/>
+          <p:cNvSpPr>
+            <a:spLocks noGrp="1"/>
+          </p:cNvSpPr>
+          <p:nvPr>
+            <p:ph type="title"/>
+          </p:nvPr>
+        </p:nvSpPr>
+        <p:spPr/>
+        <p:txBody>
+          <a:bodyPr/>
+          <a:lstStyle/>
+          <a:p>
+            <a:r>
+              <a:rPr lang="fr-FR" dirty="0" smtClean="0"/>
+              <a:t>Présentation du sujet</a:t>
             </a:r>
             <a:endParaRPr lang="fr-FR" dirty="0"/>
           </a:p>
         </p:txBody>
       </p:sp>
-      <p:pic>
-        <p:nvPicPr>
-          <p:cNvPr id="6" name="Espace réservé du contenu 3"/>
-          <p:cNvPicPr>
-            <a:picLocks/>
-          </p:cNvPicPr>
-          <p:nvPr/>
-        </p:nvPicPr>
-        <p:blipFill rotWithShape="1">
-          <a:blip r:embed="rId2" cstate="print">
-            <a:extLst>
-              <a:ext uri="{28A0092B-C50C-407E-A947-70E740481C1C}">
-                <a14:useLocalDpi xmlns:a14="http://schemas.microsoft.com/office/drawing/2010/main" val="0"/>
-              </a:ext>
-            </a:extLst>
-          </a:blip>
-          <a:srcRect l="10579" t="15703" r="14874" b="19835"/>
-          <a:stretch/>
-        </p:blipFill>
-        <p:spPr bwMode="auto">
-          <a:xfrm>
-            <a:off x="3635896" y="2060848"/>
-            <a:ext cx="5112568" cy="3888432"/>
-          </a:xfrm>
-          <a:prstGeom prst="rect">
-            <a:avLst/>
-          </a:prstGeom>
-          <a:ln w="19050">
-            <a:solidFill>
-              <a:schemeClr val="tx1"/>
-            </a:solidFill>
-          </a:ln>
-          <a:extLst>
-            <a:ext uri="{53640926-AAD7-44D8-BBD7-CCE9431645EC}">
-              <a14:shadowObscured xmlns:a14="http://schemas.microsoft.com/office/drawing/2010/main"/>
-            </a:ext>
-          </a:extLst>
-        </p:spPr>
-      </p:pic>
-      <p:sp>
-        <p:nvSpPr>
-          <p:cNvPr id="7" name="Espace réservé de la date 6"/>
+      <p:sp>
+        <p:nvSpPr>
+          <p:cNvPr id="4" name="Espace réservé de la date 3"/>
           <p:cNvSpPr>
             <a:spLocks noGrp="1"/>
           </p:cNvSpPr>
@@ -4602,39 +5816,16 @@
           <a:lstStyle/>
           <a:p>
             <a:r>
-              <a:rPr lang="fr-FR" smtClean="0"/>
-              <a:t>23/03/2017</a:t>
-            </a:r>
-            <a:endParaRPr lang="fr-FR"/>
-          </a:p>
-        </p:txBody>
-      </p:sp>
-      <p:sp>
-        <p:nvSpPr>
-          <p:cNvPr id="8" name="Espace réservé du pied de page 7"/>
-          <p:cNvSpPr>
-            <a:spLocks noGrp="1"/>
-          </p:cNvSpPr>
-          <p:nvPr>
-            <p:ph type="ftr" sz="quarter" idx="11"/>
-          </p:nvPr>
-        </p:nvSpPr>
-        <p:spPr/>
-        <p:txBody>
-          <a:bodyPr/>
-          <a:lstStyle/>
-          <a:p>
-            <a:r>
-              <a:rPr lang="fr-FR" smtClean="0"/>
-              <a:t>Alexis C &amp; Paul M &amp; Louis G</a:t>
-            </a:r>
-            <a:endParaRPr lang="fr-FR"/>
-          </a:p>
-        </p:txBody>
-      </p:sp>
-      <p:sp>
-        <p:nvSpPr>
-          <p:cNvPr id="9" name="Espace réservé du numéro de diapositive 8"/>
+              <a:rPr lang="fr-FR" dirty="0" smtClean="0"/>
+              <a:t>28/03/2017</a:t>
+            </a:r>
+            <a:endParaRPr lang="fr-FR" dirty="0"/>
+          </a:p>
+        </p:txBody>
+      </p:sp>
+      <p:sp>
+        <p:nvSpPr>
+          <p:cNvPr id="6" name="Espace réservé du numéro de diapositive 5"/>
           <p:cNvSpPr>
             <a:spLocks noGrp="1"/>
           </p:cNvSpPr>
@@ -4658,7 +5849,7 @@
     </p:spTree>
     <p:extLst>
       <p:ext uri="{BB962C8B-B14F-4D97-AF65-F5344CB8AC3E}">
-        <p14:creationId xmlns:p14="http://schemas.microsoft.com/office/powerpoint/2010/main" val="3652760193"/>
+        <p14:creationId xmlns:p14="http://schemas.microsoft.com/office/powerpoint/2010/main" val="159444748"/>
       </p:ext>
     </p:extLst>
   </p:cSld>
@@ -4709,6 +5900,179 @@
           <a:p>
             <a:r>
               <a:rPr lang="fr-FR" dirty="0" smtClean="0"/>
+              <a:t>Données de départ</a:t>
+            </a:r>
+            <a:endParaRPr lang="fr-FR" dirty="0"/>
+          </a:p>
+        </p:txBody>
+      </p:sp>
+      <p:sp>
+        <p:nvSpPr>
+          <p:cNvPr id="5" name="Espace réservé du contenu 4"/>
+          <p:cNvSpPr>
+            <a:spLocks noGrp="1"/>
+          </p:cNvSpPr>
+          <p:nvPr>
+            <p:ph idx="1"/>
+          </p:nvPr>
+        </p:nvSpPr>
+        <p:spPr>
+          <a:xfrm>
+            <a:off x="467544" y="3645025"/>
+            <a:ext cx="2822849" cy="504056"/>
+          </a:xfrm>
+        </p:spPr>
+        <p:txBody>
+          <a:bodyPr/>
+          <a:lstStyle/>
+          <a:p>
+            <a:r>
+              <a:rPr lang="fr-FR" dirty="0" smtClean="0"/>
+              <a:t>Un fichier texte</a:t>
+            </a:r>
+            <a:endParaRPr lang="fr-FR" dirty="0"/>
+          </a:p>
+        </p:txBody>
+      </p:sp>
+      <p:pic>
+        <p:nvPicPr>
+          <p:cNvPr id="6" name="Espace réservé du contenu 3"/>
+          <p:cNvPicPr>
+            <a:picLocks/>
+          </p:cNvPicPr>
+          <p:nvPr/>
+        </p:nvPicPr>
+        <p:blipFill rotWithShape="1">
+          <a:blip r:embed="rId2" cstate="print">
+            <a:extLst>
+              <a:ext uri="{28A0092B-C50C-407E-A947-70E740481C1C}">
+                <a14:useLocalDpi xmlns:a14="http://schemas.microsoft.com/office/drawing/2010/main" val="0"/>
+              </a:ext>
+            </a:extLst>
+          </a:blip>
+          <a:srcRect l="10579" t="15703" r="14874" b="19835"/>
+          <a:stretch/>
+        </p:blipFill>
+        <p:spPr bwMode="auto">
+          <a:xfrm>
+            <a:off x="3491880" y="2060848"/>
+            <a:ext cx="5256584" cy="4032448"/>
+          </a:xfrm>
+          <a:prstGeom prst="rect">
+            <a:avLst/>
+          </a:prstGeom>
+          <a:ln w="19050">
+            <a:solidFill>
+              <a:schemeClr val="tx1"/>
+            </a:solidFill>
+          </a:ln>
+          <a:extLst>
+            <a:ext uri="{53640926-AAD7-44D8-BBD7-CCE9431645EC}">
+              <a14:shadowObscured xmlns:a14="http://schemas.microsoft.com/office/drawing/2010/main"/>
+            </a:ext>
+          </a:extLst>
+        </p:spPr>
+      </p:pic>
+      <p:sp>
+        <p:nvSpPr>
+          <p:cNvPr id="7" name="Espace réservé de la date 6"/>
+          <p:cNvSpPr>
+            <a:spLocks noGrp="1"/>
+          </p:cNvSpPr>
+          <p:nvPr>
+            <p:ph type="dt" sz="half" idx="10"/>
+          </p:nvPr>
+        </p:nvSpPr>
+        <p:spPr/>
+        <p:txBody>
+          <a:bodyPr/>
+          <a:lstStyle/>
+          <a:p>
+            <a:r>
+              <a:rPr lang="fr-FR" smtClean="0"/>
+              <a:t>28/03/2017</a:t>
+            </a:r>
+            <a:endParaRPr lang="fr-FR"/>
+          </a:p>
+        </p:txBody>
+      </p:sp>
+      <p:sp>
+        <p:nvSpPr>
+          <p:cNvPr id="9" name="Espace réservé du numéro de diapositive 8"/>
+          <p:cNvSpPr>
+            <a:spLocks noGrp="1"/>
+          </p:cNvSpPr>
+          <p:nvPr>
+            <p:ph type="sldNum" sz="quarter" idx="12"/>
+          </p:nvPr>
+        </p:nvSpPr>
+        <p:spPr/>
+        <p:txBody>
+          <a:bodyPr/>
+          <a:lstStyle/>
+          <a:p>
+            <a:fld id="{4DDB7E73-332C-4BFF-8BF0-E14F47F56745}" type="slidenum">
+              <a:rPr lang="fr-FR" smtClean="0"/>
+              <a:t>4</a:t>
+            </a:fld>
+            <a:endParaRPr lang="fr-FR"/>
+          </a:p>
+        </p:txBody>
+      </p:sp>
+    </p:spTree>
+    <p:extLst>
+      <p:ext uri="{BB962C8B-B14F-4D97-AF65-F5344CB8AC3E}">
+        <p14:creationId xmlns:p14="http://schemas.microsoft.com/office/powerpoint/2010/main" val="3652760193"/>
+      </p:ext>
+    </p:extLst>
+  </p:cSld>
+  <p:clrMapOvr>
+    <a:masterClrMapping/>
+  </p:clrMapOvr>
+  <p:timing>
+    <p:tnLst>
+      <p:par>
+        <p:cTn id="1" dur="indefinite" restart="never" nodeType="tmRoot"/>
+      </p:par>
+    </p:tnLst>
+  </p:timing>
+</p:sld>
+</file>
+
+<file path=ppt/slides/slide5.xml><?xml version="1.0" encoding="utf-8"?>
+<p:sld xmlns:a="http://schemas.openxmlformats.org/drawingml/2006/main" xmlns:r="http://schemas.openxmlformats.org/officeDocument/2006/relationships" xmlns:p="http://schemas.openxmlformats.org/presentationml/2006/main">
+  <p:cSld>
+    <p:spTree>
+      <p:nvGrpSpPr>
+        <p:cNvPr id="1" name=""/>
+        <p:cNvGrpSpPr/>
+        <p:nvPr/>
+      </p:nvGrpSpPr>
+      <p:grpSpPr>
+        <a:xfrm>
+          <a:off x="0" y="0"/>
+          <a:ext cx="0" cy="0"/>
+          <a:chOff x="0" y="0"/>
+          <a:chExt cx="0" cy="0"/>
+        </a:xfrm>
+      </p:grpSpPr>
+      <p:sp>
+        <p:nvSpPr>
+          <p:cNvPr id="3" name="Titre 2"/>
+          <p:cNvSpPr>
+            <a:spLocks noGrp="1"/>
+          </p:cNvSpPr>
+          <p:nvPr>
+            <p:ph type="title"/>
+          </p:nvPr>
+        </p:nvSpPr>
+        <p:spPr/>
+        <p:txBody>
+          <a:bodyPr/>
+          <a:lstStyle/>
+          <a:p>
+            <a:r>
+              <a:rPr lang="fr-FR" dirty="0" smtClean="0"/>
               <a:t>Hypothèses de travail</a:t>
             </a:r>
             <a:endParaRPr lang="fr-FR" dirty="0"/>
@@ -4723,7 +6087,7 @@
         </p:nvGrpSpPr>
         <p:grpSpPr>
           <a:xfrm>
-            <a:off x="971600" y="2637276"/>
+            <a:off x="984083" y="2132856"/>
             <a:ext cx="7175094" cy="1357509"/>
             <a:chOff x="0" y="0"/>
             <a:chExt cx="6081907" cy="811984"/>
@@ -5010,7 +6374,7 @@
           <a:p>
             <a:r>
               <a:rPr lang="fr-FR" smtClean="0"/>
-              <a:t>23/03/2017</a:t>
+              <a:t>28/03/2017</a:t>
             </a:r>
             <a:endParaRPr lang="fr-FR"/>
           </a:p>
@@ -5018,12 +6382,12 @@
       </p:sp>
       <p:sp>
         <p:nvSpPr>
-          <p:cNvPr id="11" name="Espace réservé du pied de page 10"/>
-          <p:cNvSpPr>
-            <a:spLocks noGrp="1"/>
-          </p:cNvSpPr>
-          <p:nvPr>
-            <p:ph type="ftr" sz="quarter" idx="11"/>
+          <p:cNvPr id="12" name="Espace réservé du numéro de diapositive 11"/>
+          <p:cNvSpPr>
+            <a:spLocks noGrp="1"/>
+          </p:cNvSpPr>
+          <p:nvPr>
+            <p:ph type="sldNum" sz="quarter" idx="12"/>
           </p:nvPr>
         </p:nvSpPr>
         <p:spPr/>
@@ -5031,34 +6395,79 @@
           <a:bodyPr/>
           <a:lstStyle/>
           <a:p>
-            <a:r>
-              <a:rPr lang="fr-FR" smtClean="0"/>
-              <a:t>Alexis C &amp; Paul M &amp; Louis G</a:t>
-            </a:r>
-            <a:endParaRPr lang="fr-FR"/>
-          </a:p>
-        </p:txBody>
-      </p:sp>
-      <p:sp>
-        <p:nvSpPr>
-          <p:cNvPr id="12" name="Espace réservé du numéro de diapositive 11"/>
-          <p:cNvSpPr>
-            <a:spLocks noGrp="1"/>
-          </p:cNvSpPr>
-          <p:nvPr>
-            <p:ph type="sldNum" sz="quarter" idx="12"/>
-          </p:nvPr>
-        </p:nvSpPr>
-        <p:spPr/>
-        <p:txBody>
-          <a:bodyPr/>
-          <a:lstStyle/>
-          <a:p>
             <a:fld id="{4DDB7E73-332C-4BFF-8BF0-E14F47F56745}" type="slidenum">
               <a:rPr lang="fr-FR" smtClean="0"/>
-              <a:t>4</a:t>
+              <a:t>5</a:t>
             </a:fld>
             <a:endParaRPr lang="fr-FR"/>
+          </a:p>
+        </p:txBody>
+      </p:sp>
+      <p:sp>
+        <p:nvSpPr>
+          <p:cNvPr id="13" name="Espace réservé du contenu 1"/>
+          <p:cNvSpPr>
+            <a:spLocks noGrp="1"/>
+          </p:cNvSpPr>
+          <p:nvPr>
+            <p:ph idx="1"/>
+          </p:nvPr>
+        </p:nvSpPr>
+        <p:spPr>
+          <a:xfrm>
+            <a:off x="1978457" y="3490365"/>
+            <a:ext cx="4695057" cy="2864715"/>
+          </a:xfrm>
+        </p:spPr>
+        <p:txBody>
+          <a:bodyPr/>
+          <a:lstStyle/>
+          <a:p>
+            <a:r>
+              <a:rPr lang="fr-FR" dirty="0" smtClean="0"/>
+              <a:t>Fonctionnalité principale</a:t>
+            </a:r>
+          </a:p>
+          <a:p>
+            <a:pPr lvl="1"/>
+            <a:r>
+              <a:rPr lang="fr-FR" dirty="0" smtClean="0"/>
+              <a:t>Modélisation du MNT</a:t>
+            </a:r>
+          </a:p>
+          <a:p>
+            <a:pPr lvl="1"/>
+            <a:r>
+              <a:rPr lang="fr-FR" dirty="0" smtClean="0"/>
+              <a:t>Génération d’une courbe de niveau</a:t>
+            </a:r>
+          </a:p>
+          <a:p>
+            <a:pPr marL="365760" lvl="1" indent="0">
+              <a:buNone/>
+            </a:pPr>
+            <a:endParaRPr lang="fr-FR" dirty="0"/>
+          </a:p>
+          <a:p>
+            <a:r>
+              <a:rPr lang="fr-FR" dirty="0" smtClean="0"/>
+              <a:t>Fonctionnalité secondaire</a:t>
+            </a:r>
+          </a:p>
+          <a:p>
+            <a:pPr lvl="1"/>
+            <a:r>
+              <a:rPr lang="fr-FR" dirty="0" smtClean="0"/>
+              <a:t>Parcourir le MNT</a:t>
+            </a:r>
+          </a:p>
+          <a:p>
+            <a:pPr lvl="1"/>
+            <a:r>
+              <a:rPr lang="fr-FR" dirty="0" smtClean="0"/>
+              <a:t>Possibilité d’enregistrer le MNT</a:t>
+            </a:r>
+            <a:endParaRPr lang="fr-FR" dirty="0"/>
           </a:p>
         </p:txBody>
       </p:sp>
@@ -5066,154 +6475,6 @@
     <p:extLst>
       <p:ext uri="{BB962C8B-B14F-4D97-AF65-F5344CB8AC3E}">
         <p14:creationId xmlns:p14="http://schemas.microsoft.com/office/powerpoint/2010/main" val="2630269970"/>
-      </p:ext>
-    </p:extLst>
-  </p:cSld>
-  <p:clrMapOvr>
-    <a:masterClrMapping/>
-  </p:clrMapOvr>
-  <p:timing>
-    <p:tnLst>
-      <p:par>
-        <p:cTn id="1" dur="indefinite" restart="never" nodeType="tmRoot"/>
-      </p:par>
-    </p:tnLst>
-  </p:timing>
-</p:sld>
-</file>
-
-<file path=ppt/slides/slide5.xml><?xml version="1.0" encoding="utf-8"?>
-<p:sld xmlns:a="http://schemas.openxmlformats.org/drawingml/2006/main" xmlns:r="http://schemas.openxmlformats.org/officeDocument/2006/relationships" xmlns:p="http://schemas.openxmlformats.org/presentationml/2006/main">
-  <p:cSld>
-    <p:spTree>
-      <p:nvGrpSpPr>
-        <p:cNvPr id="1" name=""/>
-        <p:cNvGrpSpPr/>
-        <p:nvPr/>
-      </p:nvGrpSpPr>
-      <p:grpSpPr>
-        <a:xfrm>
-          <a:off x="0" y="0"/>
-          <a:ext cx="0" cy="0"/>
-          <a:chOff x="0" y="0"/>
-          <a:chExt cx="0" cy="0"/>
-        </a:xfrm>
-      </p:grpSpPr>
-      <p:sp>
-        <p:nvSpPr>
-          <p:cNvPr id="3" name="Titre 2"/>
-          <p:cNvSpPr>
-            <a:spLocks noGrp="1"/>
-          </p:cNvSpPr>
-          <p:nvPr>
-            <p:ph type="title"/>
-          </p:nvPr>
-        </p:nvSpPr>
-        <p:spPr/>
-        <p:txBody>
-          <a:bodyPr/>
-          <a:lstStyle/>
-          <a:p>
-            <a:r>
-              <a:rPr lang="fr-FR" dirty="0" smtClean="0"/>
-              <a:t>Aspects technique</a:t>
-            </a:r>
-            <a:endParaRPr lang="fr-FR" dirty="0"/>
-          </a:p>
-        </p:txBody>
-      </p:sp>
-      <p:sp>
-        <p:nvSpPr>
-          <p:cNvPr id="4" name="Espace réservé de la date 3"/>
-          <p:cNvSpPr>
-            <a:spLocks noGrp="1"/>
-          </p:cNvSpPr>
-          <p:nvPr>
-            <p:ph type="dt" sz="half" idx="10"/>
-          </p:nvPr>
-        </p:nvSpPr>
-        <p:spPr/>
-        <p:txBody>
-          <a:bodyPr/>
-          <a:lstStyle/>
-          <a:p>
-            <a:r>
-              <a:rPr lang="fr-FR" smtClean="0"/>
-              <a:t>23/03/2017</a:t>
-            </a:r>
-            <a:endParaRPr lang="fr-FR"/>
-          </a:p>
-        </p:txBody>
-      </p:sp>
-      <p:sp>
-        <p:nvSpPr>
-          <p:cNvPr id="5" name="Espace réservé du pied de page 4"/>
-          <p:cNvSpPr>
-            <a:spLocks noGrp="1"/>
-          </p:cNvSpPr>
-          <p:nvPr>
-            <p:ph type="ftr" sz="quarter" idx="11"/>
-          </p:nvPr>
-        </p:nvSpPr>
-        <p:spPr/>
-        <p:txBody>
-          <a:bodyPr/>
-          <a:lstStyle/>
-          <a:p>
-            <a:r>
-              <a:rPr lang="fr-FR" smtClean="0"/>
-              <a:t>Alexis C &amp; Paul M &amp; Louis G</a:t>
-            </a:r>
-            <a:endParaRPr lang="fr-FR"/>
-          </a:p>
-        </p:txBody>
-      </p:sp>
-      <p:sp>
-        <p:nvSpPr>
-          <p:cNvPr id="6" name="Espace réservé du numéro de diapositive 5"/>
-          <p:cNvSpPr>
-            <a:spLocks noGrp="1"/>
-          </p:cNvSpPr>
-          <p:nvPr>
-            <p:ph type="sldNum" sz="quarter" idx="12"/>
-          </p:nvPr>
-        </p:nvSpPr>
-        <p:spPr/>
-        <p:txBody>
-          <a:bodyPr/>
-          <a:lstStyle/>
-          <a:p>
-            <a:fld id="{4DDB7E73-332C-4BFF-8BF0-E14F47F56745}" type="slidenum">
-              <a:rPr lang="fr-FR" smtClean="0"/>
-              <a:t>5</a:t>
-            </a:fld>
-            <a:endParaRPr lang="fr-FR"/>
-          </a:p>
-        </p:txBody>
-      </p:sp>
-      <p:sp>
-        <p:nvSpPr>
-          <p:cNvPr id="8" name="Espace réservé du contenu 7"/>
-          <p:cNvSpPr>
-            <a:spLocks noGrp="1"/>
-          </p:cNvSpPr>
-          <p:nvPr>
-            <p:ph idx="1"/>
-          </p:nvPr>
-        </p:nvSpPr>
-        <p:spPr/>
-        <p:txBody>
-          <a:bodyPr/>
-          <a:lstStyle/>
-          <a:p>
-            <a:endParaRPr lang="fr-FR"/>
-          </a:p>
-        </p:txBody>
-      </p:sp>
-    </p:spTree>
-    <p:extLst>
-      <p:ext uri="{BB962C8B-B14F-4D97-AF65-F5344CB8AC3E}">
-        <p14:creationId xmlns:p14="http://schemas.microsoft.com/office/powerpoint/2010/main" val="303445714"/>
       </p:ext>
     </p:extLst>
   </p:cSld>
@@ -5249,6 +6510,75 @@
       </p:grpSpPr>
       <p:sp>
         <p:nvSpPr>
+          <p:cNvPr id="3" name="Titre 2"/>
+          <p:cNvSpPr>
+            <a:spLocks noGrp="1"/>
+          </p:cNvSpPr>
+          <p:nvPr>
+            <p:ph type="title"/>
+          </p:nvPr>
+        </p:nvSpPr>
+        <p:spPr/>
+        <p:txBody>
+          <a:bodyPr/>
+          <a:lstStyle/>
+          <a:p>
+            <a:r>
+              <a:rPr lang="fr-FR" dirty="0" smtClean="0"/>
+              <a:t>Aspects techniques</a:t>
+            </a:r>
+            <a:endParaRPr lang="fr-FR" dirty="0"/>
+          </a:p>
+        </p:txBody>
+      </p:sp>
+      <p:sp>
+        <p:nvSpPr>
+          <p:cNvPr id="10" name="Espace réservé de la date 9"/>
+          <p:cNvSpPr>
+            <a:spLocks noGrp="1"/>
+          </p:cNvSpPr>
+          <p:nvPr>
+            <p:ph type="dt" sz="half" idx="10"/>
+          </p:nvPr>
+        </p:nvSpPr>
+        <p:spPr/>
+        <p:txBody>
+          <a:bodyPr/>
+          <a:lstStyle/>
+          <a:p>
+            <a:r>
+              <a:rPr lang="fr-FR" smtClean="0"/>
+              <a:t>28/03/2017</a:t>
+            </a:r>
+            <a:endParaRPr lang="fr-FR"/>
+          </a:p>
+        </p:txBody>
+      </p:sp>
+      <p:sp>
+        <p:nvSpPr>
+          <p:cNvPr id="12" name="Espace réservé du numéro de diapositive 11"/>
+          <p:cNvSpPr>
+            <a:spLocks noGrp="1"/>
+          </p:cNvSpPr>
+          <p:nvPr>
+            <p:ph type="sldNum" sz="quarter" idx="12"/>
+          </p:nvPr>
+        </p:nvSpPr>
+        <p:spPr/>
+        <p:txBody>
+          <a:bodyPr/>
+          <a:lstStyle/>
+          <a:p>
+            <a:fld id="{4DDB7E73-332C-4BFF-8BF0-E14F47F56745}" type="slidenum">
+              <a:rPr lang="fr-FR" smtClean="0"/>
+              <a:t>6</a:t>
+            </a:fld>
+            <a:endParaRPr lang="fr-FR"/>
+          </a:p>
+        </p:txBody>
+      </p:sp>
+      <p:sp>
+        <p:nvSpPr>
           <p:cNvPr id="2" name="Espace réservé du contenu 1"/>
           <p:cNvSpPr>
             <a:spLocks noGrp="1"/>
@@ -5259,8 +6589,8 @@
         </p:nvSpPr>
         <p:spPr>
           <a:xfrm>
-            <a:off x="467544" y="1969780"/>
-            <a:ext cx="2894857" cy="629809"/>
+            <a:off x="380999" y="1719071"/>
+            <a:ext cx="6279233" cy="485793"/>
           </a:xfrm>
         </p:spPr>
         <p:txBody>
@@ -5269,7 +6599,4382 @@
           <a:p>
             <a:r>
               <a:rPr lang="fr-FR" dirty="0" smtClean="0"/>
-              <a:t>Fenêtre graphique </a:t>
+              <a:t>Parcours du fichier texte dans le programme :</a:t>
+            </a:r>
+            <a:endParaRPr lang="fr-FR" dirty="0"/>
+          </a:p>
+        </p:txBody>
+      </p:sp>
+      <p:sp>
+        <p:nvSpPr>
+          <p:cNvPr id="15" name="ZoneTexte 14"/>
+          <p:cNvSpPr txBox="1"/>
+          <p:nvPr/>
+        </p:nvSpPr>
+        <p:spPr>
+          <a:xfrm>
+            <a:off x="910787" y="2494810"/>
+            <a:ext cx="803425" cy="369332"/>
+          </a:xfrm>
+          <a:prstGeom prst="rect">
+            <a:avLst/>
+          </a:prstGeom>
+          <a:noFill/>
+        </p:spPr>
+        <p:txBody>
+          <a:bodyPr wrap="none" rtlCol="0">
+            <a:spAutoFit/>
+          </a:bodyPr>
+          <a:lstStyle/>
+          <a:p>
+            <a:r>
+              <a:rPr lang="fr-FR" dirty="0" smtClean="0"/>
+              <a:t>MNT : </a:t>
+            </a:r>
+          </a:p>
+        </p:txBody>
+      </p:sp>
+      <p:sp>
+        <p:nvSpPr>
+          <p:cNvPr id="17" name="ZoneTexte 16"/>
+          <p:cNvSpPr txBox="1"/>
+          <p:nvPr/>
+        </p:nvSpPr>
+        <p:spPr>
+          <a:xfrm>
+            <a:off x="3894697" y="2423457"/>
+            <a:ext cx="1410964" cy="369332"/>
+          </a:xfrm>
+          <a:prstGeom prst="rect">
+            <a:avLst/>
+          </a:prstGeom>
+          <a:noFill/>
+        </p:spPr>
+        <p:txBody>
+          <a:bodyPr wrap="square" rtlCol="0">
+            <a:spAutoFit/>
+          </a:bodyPr>
+          <a:lstStyle/>
+          <a:p>
+            <a:r>
+              <a:rPr lang="fr-FR" dirty="0" err="1" smtClean="0"/>
+              <a:t>ChargerMNT</a:t>
+            </a:r>
+            <a:endParaRPr lang="fr-FR" dirty="0"/>
+          </a:p>
+        </p:txBody>
+      </p:sp>
+      <p:sp>
+        <p:nvSpPr>
+          <p:cNvPr id="18" name="ZoneTexte 17"/>
+          <p:cNvSpPr txBox="1"/>
+          <p:nvPr/>
+        </p:nvSpPr>
+        <p:spPr>
+          <a:xfrm>
+            <a:off x="7087551" y="2046398"/>
+            <a:ext cx="1023037" cy="369332"/>
+          </a:xfrm>
+          <a:prstGeom prst="rect">
+            <a:avLst/>
+          </a:prstGeom>
+          <a:noFill/>
+        </p:spPr>
+        <p:txBody>
+          <a:bodyPr wrap="none" rtlCol="0">
+            <a:spAutoFit/>
+          </a:bodyPr>
+          <a:lstStyle/>
+          <a:p>
+            <a:r>
+              <a:rPr lang="fr-FR" dirty="0" smtClean="0"/>
+              <a:t>Courbe2</a:t>
+            </a:r>
+            <a:endParaRPr lang="fr-FR" dirty="0"/>
+          </a:p>
+        </p:txBody>
+      </p:sp>
+      <p:sp>
+        <p:nvSpPr>
+          <p:cNvPr id="19" name="ZoneTexte 18"/>
+          <p:cNvSpPr txBox="1"/>
+          <p:nvPr/>
+        </p:nvSpPr>
+        <p:spPr>
+          <a:xfrm>
+            <a:off x="3399743" y="4241637"/>
+            <a:ext cx="1426019" cy="369332"/>
+          </a:xfrm>
+          <a:prstGeom prst="rect">
+            <a:avLst/>
+          </a:prstGeom>
+          <a:noFill/>
+        </p:spPr>
+        <p:txBody>
+          <a:bodyPr wrap="square" rtlCol="0">
+            <a:spAutoFit/>
+          </a:bodyPr>
+          <a:lstStyle/>
+          <a:p>
+            <a:r>
+              <a:rPr lang="fr-FR" dirty="0" err="1" smtClean="0"/>
+              <a:t>PlacerPoints</a:t>
+            </a:r>
+            <a:endParaRPr lang="fr-FR" dirty="0"/>
+          </a:p>
+        </p:txBody>
+      </p:sp>
+      <p:sp>
+        <p:nvSpPr>
+          <p:cNvPr id="20" name="ZoneTexte 19"/>
+          <p:cNvSpPr txBox="1"/>
+          <p:nvPr/>
+        </p:nvSpPr>
+        <p:spPr>
+          <a:xfrm>
+            <a:off x="311553" y="4450854"/>
+            <a:ext cx="2211310" cy="369332"/>
+          </a:xfrm>
+          <a:prstGeom prst="rect">
+            <a:avLst/>
+          </a:prstGeom>
+          <a:noFill/>
+        </p:spPr>
+        <p:txBody>
+          <a:bodyPr wrap="square" rtlCol="0">
+            <a:spAutoFit/>
+          </a:bodyPr>
+          <a:lstStyle/>
+          <a:p>
+            <a:r>
+              <a:rPr lang="fr-FR" dirty="0" err="1" smtClean="0"/>
+              <a:t>Recuperateur</a:t>
+            </a:r>
+            <a:endParaRPr lang="fr-FR" dirty="0"/>
+          </a:p>
+        </p:txBody>
+      </p:sp>
+      <p:sp>
+        <p:nvSpPr>
+          <p:cNvPr id="44" name="ZoneTexte 43"/>
+          <p:cNvSpPr txBox="1"/>
+          <p:nvPr/>
+        </p:nvSpPr>
+        <p:spPr>
+          <a:xfrm>
+            <a:off x="163931" y="4796336"/>
+            <a:ext cx="2728177" cy="1323439"/>
+          </a:xfrm>
+          <a:prstGeom prst="rect">
+            <a:avLst/>
+          </a:prstGeom>
+          <a:noFill/>
+        </p:spPr>
+        <p:txBody>
+          <a:bodyPr wrap="square" rtlCol="0">
+            <a:spAutoFit/>
+          </a:bodyPr>
+          <a:lstStyle/>
+          <a:p>
+            <a:pPr marL="285750" indent="-285750">
+              <a:buFont typeface="Arial" panose="020B0604020202020204" pitchFamily="34" charset="0"/>
+              <a:buChar char="•"/>
+            </a:pPr>
+            <a:r>
+              <a:rPr lang="fr-FR" sz="1600" dirty="0" smtClean="0"/>
+              <a:t>Récupères </a:t>
+            </a:r>
+            <a:r>
+              <a:rPr lang="fr-FR" sz="1600" dirty="0"/>
+              <a:t>l’altitude de la courbe de niveau </a:t>
+            </a:r>
+            <a:r>
+              <a:rPr lang="fr-FR" sz="1600" dirty="0" smtClean="0"/>
+              <a:t>et l’échelle rentrée par l’utilisateur.</a:t>
+            </a:r>
+          </a:p>
+          <a:p>
+            <a:pPr marL="285750" indent="-285750">
+              <a:buFont typeface="Arial" panose="020B0604020202020204" pitchFamily="34" charset="0"/>
+              <a:buChar char="•"/>
+            </a:pPr>
+            <a:r>
+              <a:rPr lang="fr-FR" sz="1600" dirty="0" smtClean="0"/>
+              <a:t>Permet d’afficher le MNT.</a:t>
+            </a:r>
+            <a:endParaRPr lang="fr-FR" sz="1600" dirty="0"/>
+          </a:p>
+        </p:txBody>
+      </p:sp>
+      <p:sp>
+        <p:nvSpPr>
+          <p:cNvPr id="47" name="ZoneTexte 46"/>
+          <p:cNvSpPr txBox="1"/>
+          <p:nvPr/>
+        </p:nvSpPr>
+        <p:spPr>
+          <a:xfrm>
+            <a:off x="3211117" y="4523875"/>
+            <a:ext cx="5681363" cy="1815882"/>
+          </a:xfrm>
+          <a:prstGeom prst="rect">
+            <a:avLst/>
+          </a:prstGeom>
+          <a:noFill/>
+        </p:spPr>
+        <p:txBody>
+          <a:bodyPr wrap="square" rtlCol="0">
+            <a:spAutoFit/>
+          </a:bodyPr>
+          <a:lstStyle/>
+          <a:p>
+            <a:r>
+              <a:rPr lang="fr-FR" sz="1600" dirty="0" smtClean="0"/>
+              <a:t>Trace le MNT :</a:t>
+            </a:r>
+          </a:p>
+          <a:p>
+            <a:pPr marL="285750" indent="-285750">
+              <a:buFont typeface="Arial" panose="020B0604020202020204" pitchFamily="34" charset="0"/>
+              <a:buChar char="•"/>
+            </a:pPr>
+            <a:r>
+              <a:rPr lang="fr-FR" sz="1600" dirty="0" smtClean="0"/>
+              <a:t>Définis le nombre de couleurs à utiliser en fonction de la différence d’altitude entre le point le plus haut et le point le plus bas.</a:t>
+            </a:r>
+          </a:p>
+          <a:p>
+            <a:pPr marL="285750" indent="-285750">
+              <a:buFont typeface="Arial" panose="020B0604020202020204" pitchFamily="34" charset="0"/>
+              <a:buChar char="•"/>
+            </a:pPr>
+            <a:r>
+              <a:rPr lang="fr-FR" sz="1600" dirty="0" smtClean="0"/>
+              <a:t>Défini la couleur utilisée en fonction de l’altitude. </a:t>
+            </a:r>
+          </a:p>
+          <a:p>
+            <a:pPr marL="285750" indent="-285750">
+              <a:buFont typeface="Arial" panose="020B0604020202020204" pitchFamily="34" charset="0"/>
+              <a:buChar char="•"/>
+            </a:pPr>
+            <a:r>
+              <a:rPr lang="fr-FR" sz="1600" dirty="0" smtClean="0"/>
+              <a:t>Dessine le MNT</a:t>
+            </a:r>
+          </a:p>
+          <a:p>
+            <a:pPr marL="285750" indent="-285750">
+              <a:buFont typeface="Arial" panose="020B0604020202020204" pitchFamily="34" charset="0"/>
+              <a:buChar char="•"/>
+            </a:pPr>
+            <a:r>
+              <a:rPr lang="fr-FR" sz="1600" dirty="0" smtClean="0"/>
+              <a:t>Trace la courbe</a:t>
+            </a:r>
+            <a:endParaRPr lang="fr-FR" sz="1600" dirty="0"/>
+          </a:p>
+        </p:txBody>
+      </p:sp>
+      <p:sp>
+        <p:nvSpPr>
+          <p:cNvPr id="48" name="ZoneTexte 47"/>
+          <p:cNvSpPr txBox="1"/>
+          <p:nvPr/>
+        </p:nvSpPr>
+        <p:spPr>
+          <a:xfrm>
+            <a:off x="216549" y="2812112"/>
+            <a:ext cx="2191902" cy="830997"/>
+          </a:xfrm>
+          <a:prstGeom prst="rect">
+            <a:avLst/>
+          </a:prstGeom>
+          <a:noFill/>
+        </p:spPr>
+        <p:txBody>
+          <a:bodyPr wrap="square" rtlCol="0">
+            <a:spAutoFit/>
+          </a:bodyPr>
+          <a:lstStyle/>
+          <a:p>
+            <a:pPr marL="285750" indent="-285750">
+              <a:buFont typeface="Arial" panose="020B0604020202020204" pitchFamily="34" charset="0"/>
+              <a:buChar char="•"/>
+            </a:pPr>
+            <a:r>
+              <a:rPr lang="fr-FR" sz="1600" dirty="0" smtClean="0"/>
+              <a:t>Scannes le fichier texte.</a:t>
+            </a:r>
+          </a:p>
+          <a:p>
+            <a:pPr marL="285750" indent="-285750">
+              <a:buFont typeface="Arial" panose="020B0604020202020204" pitchFamily="34" charset="0"/>
+              <a:buChar char="•"/>
+            </a:pPr>
+            <a:r>
+              <a:rPr lang="fr-FR" sz="1600" dirty="0" smtClean="0"/>
+              <a:t>Crée un tableau</a:t>
+            </a:r>
+            <a:endParaRPr lang="fr-FR" sz="1600" dirty="0"/>
+          </a:p>
+        </p:txBody>
+      </p:sp>
+      <p:sp>
+        <p:nvSpPr>
+          <p:cNvPr id="49" name="ZoneTexte 48"/>
+          <p:cNvSpPr txBox="1"/>
+          <p:nvPr/>
+        </p:nvSpPr>
+        <p:spPr>
+          <a:xfrm>
+            <a:off x="6775995" y="2406280"/>
+            <a:ext cx="1646148" cy="1323439"/>
+          </a:xfrm>
+          <a:prstGeom prst="rect">
+            <a:avLst/>
+          </a:prstGeom>
+          <a:noFill/>
+        </p:spPr>
+        <p:txBody>
+          <a:bodyPr wrap="square" rtlCol="0">
+            <a:spAutoFit/>
+          </a:bodyPr>
+          <a:lstStyle/>
+          <a:p>
+            <a:r>
+              <a:rPr lang="fr-FR" sz="1600" dirty="0" smtClean="0"/>
+              <a:t>Calcule le tracé de la courbe de niveau en fonction des points alentours.</a:t>
+            </a:r>
+            <a:endParaRPr lang="fr-FR" sz="1600" dirty="0"/>
+          </a:p>
+        </p:txBody>
+      </p:sp>
+      <p:sp>
+        <p:nvSpPr>
+          <p:cNvPr id="50" name="ZoneTexte 49"/>
+          <p:cNvSpPr txBox="1"/>
+          <p:nvPr/>
+        </p:nvSpPr>
+        <p:spPr>
+          <a:xfrm>
+            <a:off x="3570665" y="2754983"/>
+            <a:ext cx="2228290" cy="1077218"/>
+          </a:xfrm>
+          <a:prstGeom prst="rect">
+            <a:avLst/>
+          </a:prstGeom>
+          <a:noFill/>
+        </p:spPr>
+        <p:txBody>
+          <a:bodyPr wrap="square" rtlCol="0">
+            <a:spAutoFit/>
+          </a:bodyPr>
+          <a:lstStyle/>
+          <a:p>
+            <a:r>
+              <a:rPr lang="fr-FR" sz="1600" dirty="0" smtClean="0"/>
+              <a:t>Récupère le chemin du fichier sélectionné et lance le traitement de la classe MNT.</a:t>
+            </a:r>
+            <a:endParaRPr lang="fr-FR" sz="1600" dirty="0"/>
+          </a:p>
+        </p:txBody>
+      </p:sp>
+      <p:sp>
+        <p:nvSpPr>
+          <p:cNvPr id="51" name="Rectangle 50"/>
+          <p:cNvSpPr/>
+          <p:nvPr/>
+        </p:nvSpPr>
+        <p:spPr>
+          <a:xfrm>
+            <a:off x="235845" y="2409152"/>
+            <a:ext cx="2244945" cy="1423050"/>
+          </a:xfrm>
+          <a:prstGeom prst="rect">
+            <a:avLst/>
+          </a:prstGeom>
+          <a:noFill/>
+          <a:ln w="28575">
+            <a:solidFill>
+              <a:schemeClr val="tx1"/>
+            </a:solidFill>
+          </a:ln>
+        </p:spPr>
+        <p:style>
+          <a:lnRef idx="2">
+            <a:schemeClr val="accent1">
+              <a:shade val="50000"/>
+            </a:schemeClr>
+          </a:lnRef>
+          <a:fillRef idx="1">
+            <a:schemeClr val="accent1"/>
+          </a:fillRef>
+          <a:effectRef idx="0">
+            <a:schemeClr val="accent1"/>
+          </a:effectRef>
+          <a:fontRef idx="minor">
+            <a:schemeClr val="lt1"/>
+          </a:fontRef>
+        </p:style>
+        <p:txBody>
+          <a:bodyPr rtlCol="0" anchor="ctr"/>
+          <a:lstStyle/>
+          <a:p>
+            <a:pPr algn="ctr"/>
+            <a:endParaRPr lang="fr-FR"/>
+          </a:p>
+        </p:txBody>
+      </p:sp>
+      <p:sp>
+        <p:nvSpPr>
+          <p:cNvPr id="52" name="Rectangle 51"/>
+          <p:cNvSpPr/>
+          <p:nvPr/>
+        </p:nvSpPr>
+        <p:spPr>
+          <a:xfrm>
+            <a:off x="3535635" y="2424348"/>
+            <a:ext cx="2227945" cy="1407853"/>
+          </a:xfrm>
+          <a:prstGeom prst="rect">
+            <a:avLst/>
+          </a:prstGeom>
+          <a:noFill/>
+          <a:ln w="28575">
+            <a:solidFill>
+              <a:schemeClr val="tx1"/>
+            </a:solidFill>
+          </a:ln>
+        </p:spPr>
+        <p:style>
+          <a:lnRef idx="2">
+            <a:schemeClr val="accent1">
+              <a:shade val="50000"/>
+            </a:schemeClr>
+          </a:lnRef>
+          <a:fillRef idx="1">
+            <a:schemeClr val="accent1"/>
+          </a:fillRef>
+          <a:effectRef idx="0">
+            <a:schemeClr val="accent1"/>
+          </a:effectRef>
+          <a:fontRef idx="minor">
+            <a:schemeClr val="lt1"/>
+          </a:fontRef>
+        </p:style>
+        <p:txBody>
+          <a:bodyPr rtlCol="0" anchor="ctr"/>
+          <a:lstStyle/>
+          <a:p>
+            <a:pPr algn="ctr"/>
+            <a:endParaRPr lang="fr-FR"/>
+          </a:p>
+        </p:txBody>
+      </p:sp>
+      <p:sp>
+        <p:nvSpPr>
+          <p:cNvPr id="53" name="Rectangle 52"/>
+          <p:cNvSpPr/>
+          <p:nvPr/>
+        </p:nvSpPr>
+        <p:spPr>
+          <a:xfrm>
+            <a:off x="6732902" y="1967979"/>
+            <a:ext cx="1771351" cy="1946559"/>
+          </a:xfrm>
+          <a:prstGeom prst="rect">
+            <a:avLst/>
+          </a:prstGeom>
+          <a:noFill/>
+          <a:ln w="28575">
+            <a:solidFill>
+              <a:schemeClr val="tx1"/>
+            </a:solidFill>
+          </a:ln>
+        </p:spPr>
+        <p:style>
+          <a:lnRef idx="2">
+            <a:schemeClr val="accent1">
+              <a:shade val="50000"/>
+            </a:schemeClr>
+          </a:lnRef>
+          <a:fillRef idx="1">
+            <a:schemeClr val="accent1"/>
+          </a:fillRef>
+          <a:effectRef idx="0">
+            <a:schemeClr val="accent1"/>
+          </a:effectRef>
+          <a:fontRef idx="minor">
+            <a:schemeClr val="lt1"/>
+          </a:fontRef>
+        </p:style>
+        <p:txBody>
+          <a:bodyPr rtlCol="0" anchor="ctr"/>
+          <a:lstStyle/>
+          <a:p>
+            <a:pPr algn="ctr"/>
+            <a:endParaRPr lang="fr-FR"/>
+          </a:p>
+        </p:txBody>
+      </p:sp>
+      <p:sp>
+        <p:nvSpPr>
+          <p:cNvPr id="54" name="Rectangle 53"/>
+          <p:cNvSpPr/>
+          <p:nvPr/>
+        </p:nvSpPr>
+        <p:spPr>
+          <a:xfrm>
+            <a:off x="190028" y="4465841"/>
+            <a:ext cx="2725788" cy="1794113"/>
+          </a:xfrm>
+          <a:prstGeom prst="rect">
+            <a:avLst/>
+          </a:prstGeom>
+          <a:noFill/>
+          <a:ln w="28575">
+            <a:solidFill>
+              <a:schemeClr val="tx1"/>
+            </a:solidFill>
+          </a:ln>
+        </p:spPr>
+        <p:style>
+          <a:lnRef idx="2">
+            <a:schemeClr val="accent1">
+              <a:shade val="50000"/>
+            </a:schemeClr>
+          </a:lnRef>
+          <a:fillRef idx="1">
+            <a:schemeClr val="accent1"/>
+          </a:fillRef>
+          <a:effectRef idx="0">
+            <a:schemeClr val="accent1"/>
+          </a:effectRef>
+          <a:fontRef idx="minor">
+            <a:schemeClr val="lt1"/>
+          </a:fontRef>
+        </p:style>
+        <p:txBody>
+          <a:bodyPr rtlCol="0" anchor="ctr"/>
+          <a:lstStyle/>
+          <a:p>
+            <a:pPr algn="ctr"/>
+            <a:endParaRPr lang="fr-FR"/>
+          </a:p>
+        </p:txBody>
+      </p:sp>
+      <p:sp>
+        <p:nvSpPr>
+          <p:cNvPr id="55" name="Rectangle 54"/>
+          <p:cNvSpPr/>
+          <p:nvPr/>
+        </p:nvSpPr>
+        <p:spPr>
+          <a:xfrm>
+            <a:off x="3211117" y="4250357"/>
+            <a:ext cx="5609250" cy="2151340"/>
+          </a:xfrm>
+          <a:prstGeom prst="rect">
+            <a:avLst/>
+          </a:prstGeom>
+          <a:noFill/>
+          <a:ln w="28575">
+            <a:solidFill>
+              <a:schemeClr val="tx1"/>
+            </a:solidFill>
+          </a:ln>
+        </p:spPr>
+        <p:style>
+          <a:lnRef idx="2">
+            <a:schemeClr val="accent1">
+              <a:shade val="50000"/>
+            </a:schemeClr>
+          </a:lnRef>
+          <a:fillRef idx="1">
+            <a:schemeClr val="accent1"/>
+          </a:fillRef>
+          <a:effectRef idx="0">
+            <a:schemeClr val="accent1"/>
+          </a:effectRef>
+          <a:fontRef idx="minor">
+            <a:schemeClr val="lt1"/>
+          </a:fontRef>
+        </p:style>
+        <p:txBody>
+          <a:bodyPr rtlCol="0" anchor="ctr"/>
+          <a:lstStyle/>
+          <a:p>
+            <a:pPr algn="ctr"/>
+            <a:endParaRPr lang="fr-FR"/>
+          </a:p>
+        </p:txBody>
+      </p:sp>
+      <p:cxnSp>
+        <p:nvCxnSpPr>
+          <p:cNvPr id="57" name="Connecteur droit avec flèche 56"/>
+          <p:cNvCxnSpPr/>
+          <p:nvPr/>
+        </p:nvCxnSpPr>
+        <p:spPr>
+          <a:xfrm>
+            <a:off x="2504488" y="2996952"/>
+            <a:ext cx="915384" cy="0"/>
+          </a:xfrm>
+          <a:prstGeom prst="straightConnector1">
+            <a:avLst/>
+          </a:prstGeom>
+          <a:ln w="38100">
+            <a:tailEnd type="triangle"/>
+          </a:ln>
+        </p:spPr>
+        <p:style>
+          <a:lnRef idx="1">
+            <a:schemeClr val="dk1"/>
+          </a:lnRef>
+          <a:fillRef idx="0">
+            <a:schemeClr val="dk1"/>
+          </a:fillRef>
+          <a:effectRef idx="0">
+            <a:schemeClr val="dk1"/>
+          </a:effectRef>
+          <a:fontRef idx="minor">
+            <a:schemeClr val="tx1"/>
+          </a:fontRef>
+        </p:style>
+      </p:cxnSp>
+      <p:cxnSp>
+        <p:nvCxnSpPr>
+          <p:cNvPr id="59" name="Connecteur droit avec flèche 58"/>
+          <p:cNvCxnSpPr/>
+          <p:nvPr/>
+        </p:nvCxnSpPr>
+        <p:spPr>
+          <a:xfrm>
+            <a:off x="5798955" y="3068960"/>
+            <a:ext cx="789269" cy="0"/>
+          </a:xfrm>
+          <a:prstGeom prst="straightConnector1">
+            <a:avLst/>
+          </a:prstGeom>
+          <a:ln w="38100">
+            <a:solidFill>
+              <a:schemeClr val="tx1"/>
+            </a:solidFill>
+            <a:tailEnd type="triangle"/>
+          </a:ln>
+        </p:spPr>
+        <p:style>
+          <a:lnRef idx="1">
+            <a:schemeClr val="accent1"/>
+          </a:lnRef>
+          <a:fillRef idx="0">
+            <a:schemeClr val="accent1"/>
+          </a:fillRef>
+          <a:effectRef idx="0">
+            <a:schemeClr val="accent1"/>
+          </a:effectRef>
+          <a:fontRef idx="minor">
+            <a:schemeClr val="tx1"/>
+          </a:fontRef>
+        </p:style>
+      </p:cxnSp>
+      <p:cxnSp>
+        <p:nvCxnSpPr>
+          <p:cNvPr id="61" name="Connecteur droit avec flèche 60"/>
+          <p:cNvCxnSpPr/>
+          <p:nvPr/>
+        </p:nvCxnSpPr>
+        <p:spPr>
+          <a:xfrm flipH="1">
+            <a:off x="2919512" y="5301208"/>
+            <a:ext cx="236797" cy="0"/>
+          </a:xfrm>
+          <a:prstGeom prst="straightConnector1">
+            <a:avLst/>
+          </a:prstGeom>
+          <a:ln w="38100">
+            <a:tailEnd type="triangle"/>
+          </a:ln>
+        </p:spPr>
+        <p:style>
+          <a:lnRef idx="1">
+            <a:schemeClr val="dk1"/>
+          </a:lnRef>
+          <a:fillRef idx="0">
+            <a:schemeClr val="dk1"/>
+          </a:fillRef>
+          <a:effectRef idx="0">
+            <a:schemeClr val="dk1"/>
+          </a:effectRef>
+          <a:fontRef idx="minor">
+            <a:schemeClr val="tx1"/>
+          </a:fontRef>
+        </p:style>
+      </p:cxnSp>
+      <p:cxnSp>
+        <p:nvCxnSpPr>
+          <p:cNvPr id="64" name="Connecteur droit avec flèche 63"/>
+          <p:cNvCxnSpPr>
+            <a:stCxn id="53" idx="2"/>
+          </p:cNvCxnSpPr>
+          <p:nvPr/>
+        </p:nvCxnSpPr>
+        <p:spPr>
+          <a:xfrm flipH="1">
+            <a:off x="7596336" y="3914538"/>
+            <a:ext cx="22242" cy="327099"/>
+          </a:xfrm>
+          <a:prstGeom prst="straightConnector1">
+            <a:avLst/>
+          </a:prstGeom>
+          <a:ln w="38100">
+            <a:solidFill>
+              <a:schemeClr val="tx1"/>
+            </a:solidFill>
+            <a:tailEnd type="triangle"/>
+          </a:ln>
+        </p:spPr>
+        <p:style>
+          <a:lnRef idx="1">
+            <a:schemeClr val="accent1"/>
+          </a:lnRef>
+          <a:fillRef idx="0">
+            <a:schemeClr val="accent1"/>
+          </a:fillRef>
+          <a:effectRef idx="0">
+            <a:schemeClr val="accent1"/>
+          </a:effectRef>
+          <a:fontRef idx="minor">
+            <a:schemeClr val="tx1"/>
+          </a:fontRef>
+        </p:style>
+      </p:cxnSp>
+    </p:spTree>
+    <p:extLst>
+      <p:ext uri="{BB962C8B-B14F-4D97-AF65-F5344CB8AC3E}">
+        <p14:creationId xmlns:p14="http://schemas.microsoft.com/office/powerpoint/2010/main" val="2338083041"/>
+      </p:ext>
+    </p:extLst>
+  </p:cSld>
+  <p:clrMapOvr>
+    <a:masterClrMapping/>
+  </p:clrMapOvr>
+  <p:timing>
+    <p:tnLst>
+      <p:par>
+        <p:cTn id="1" dur="indefinite" restart="never" nodeType="tmRoot"/>
+      </p:par>
+    </p:tnLst>
+  </p:timing>
+</p:sld>
+</file>
+
+<file path=ppt/slides/slide7.xml><?xml version="1.0" encoding="utf-8"?>
+<p:sld xmlns:a="http://schemas.openxmlformats.org/drawingml/2006/main" xmlns:r="http://schemas.openxmlformats.org/officeDocument/2006/relationships" xmlns:p="http://schemas.openxmlformats.org/presentationml/2006/main">
+  <p:cSld>
+    <p:spTree>
+      <p:nvGrpSpPr>
+        <p:cNvPr id="1" name=""/>
+        <p:cNvGrpSpPr/>
+        <p:nvPr/>
+      </p:nvGrpSpPr>
+      <p:grpSpPr>
+        <a:xfrm>
+          <a:off x="0" y="0"/>
+          <a:ext cx="0" cy="0"/>
+          <a:chOff x="0" y="0"/>
+          <a:chExt cx="0" cy="0"/>
+        </a:xfrm>
+      </p:grpSpPr>
+      <p:sp>
+        <p:nvSpPr>
+          <p:cNvPr id="3" name="Titre 2"/>
+          <p:cNvSpPr>
+            <a:spLocks noGrp="1"/>
+          </p:cNvSpPr>
+          <p:nvPr>
+            <p:ph type="title"/>
+          </p:nvPr>
+        </p:nvSpPr>
+        <p:spPr>
+          <a:xfrm>
+            <a:off x="275747" y="285147"/>
+            <a:ext cx="8381260" cy="1054394"/>
+          </a:xfrm>
+        </p:spPr>
+        <p:txBody>
+          <a:bodyPr/>
+          <a:lstStyle/>
+          <a:p>
+            <a:r>
+              <a:rPr lang="fr-FR" dirty="0" smtClean="0"/>
+              <a:t>Aspects techniques</a:t>
+            </a:r>
+            <a:endParaRPr lang="fr-FR" dirty="0"/>
+          </a:p>
+        </p:txBody>
+      </p:sp>
+      <p:sp>
+        <p:nvSpPr>
+          <p:cNvPr id="4" name="Espace réservé de la date 3"/>
+          <p:cNvSpPr>
+            <a:spLocks noGrp="1"/>
+          </p:cNvSpPr>
+          <p:nvPr>
+            <p:ph type="dt" sz="half" idx="10"/>
+          </p:nvPr>
+        </p:nvSpPr>
+        <p:spPr/>
+        <p:txBody>
+          <a:bodyPr/>
+          <a:lstStyle/>
+          <a:p>
+            <a:r>
+              <a:rPr lang="fr-FR" smtClean="0"/>
+              <a:t>28/03/2017</a:t>
+            </a:r>
+            <a:endParaRPr lang="fr-FR"/>
+          </a:p>
+        </p:txBody>
+      </p:sp>
+      <p:sp>
+        <p:nvSpPr>
+          <p:cNvPr id="6" name="Espace réservé du numéro de diapositive 5"/>
+          <p:cNvSpPr>
+            <a:spLocks noGrp="1"/>
+          </p:cNvSpPr>
+          <p:nvPr>
+            <p:ph type="sldNum" sz="quarter" idx="12"/>
+          </p:nvPr>
+        </p:nvSpPr>
+        <p:spPr/>
+        <p:txBody>
+          <a:bodyPr/>
+          <a:lstStyle/>
+          <a:p>
+            <a:fld id="{4DDB7E73-332C-4BFF-8BF0-E14F47F56745}" type="slidenum">
+              <a:rPr lang="fr-FR" smtClean="0"/>
+              <a:t>7</a:t>
+            </a:fld>
+            <a:endParaRPr lang="fr-FR"/>
+          </a:p>
+        </p:txBody>
+      </p:sp>
+      <p:sp>
+        <p:nvSpPr>
+          <p:cNvPr id="39" name="Espace réservé du contenu 1"/>
+          <p:cNvSpPr>
+            <a:spLocks noGrp="1"/>
+          </p:cNvSpPr>
+          <p:nvPr>
+            <p:ph idx="1"/>
+          </p:nvPr>
+        </p:nvSpPr>
+        <p:spPr>
+          <a:xfrm>
+            <a:off x="2224101" y="3587415"/>
+            <a:ext cx="4695057" cy="557801"/>
+          </a:xfrm>
+        </p:spPr>
+        <p:txBody>
+          <a:bodyPr/>
+          <a:lstStyle/>
+          <a:p>
+            <a:r>
+              <a:rPr lang="fr-FR" dirty="0" smtClean="0"/>
+              <a:t>Utilisation d’une lib : JAMA</a:t>
+            </a:r>
+            <a:endParaRPr lang="fr-FR" dirty="0"/>
+          </a:p>
+        </p:txBody>
+      </p:sp>
+    </p:spTree>
+    <p:extLst>
+      <p:ext uri="{BB962C8B-B14F-4D97-AF65-F5344CB8AC3E}">
+        <p14:creationId xmlns:p14="http://schemas.microsoft.com/office/powerpoint/2010/main" val="303445714"/>
+      </p:ext>
+    </p:extLst>
+  </p:cSld>
+  <p:clrMapOvr>
+    <a:masterClrMapping/>
+  </p:clrMapOvr>
+  <p:timing>
+    <p:tnLst>
+      <p:par>
+        <p:cTn id="1" dur="indefinite" restart="never" nodeType="tmRoot"/>
+      </p:par>
+    </p:tnLst>
+  </p:timing>
+</p:sld>
+</file>
+
+<file path=ppt/slides/slide8.xml><?xml version="1.0" encoding="utf-8"?>
+<p:sld xmlns:a="http://schemas.openxmlformats.org/drawingml/2006/main" xmlns:r="http://schemas.openxmlformats.org/officeDocument/2006/relationships" xmlns:p="http://schemas.openxmlformats.org/presentationml/2006/main">
+  <p:cSld>
+    <p:spTree>
+      <p:nvGrpSpPr>
+        <p:cNvPr id="1" name=""/>
+        <p:cNvGrpSpPr/>
+        <p:nvPr/>
+      </p:nvGrpSpPr>
+      <p:grpSpPr>
+        <a:xfrm>
+          <a:off x="0" y="0"/>
+          <a:ext cx="0" cy="0"/>
+          <a:chOff x="0" y="0"/>
+          <a:chExt cx="0" cy="0"/>
+        </a:xfrm>
+      </p:grpSpPr>
+      <p:sp>
+        <p:nvSpPr>
+          <p:cNvPr id="3" name="Titre 2"/>
+          <p:cNvSpPr>
+            <a:spLocks noGrp="1"/>
+          </p:cNvSpPr>
+          <p:nvPr>
+            <p:ph type="title"/>
+          </p:nvPr>
+        </p:nvSpPr>
+        <p:spPr>
+          <a:xfrm>
+            <a:off x="275747" y="285147"/>
+            <a:ext cx="8381260" cy="1054394"/>
+          </a:xfrm>
+        </p:spPr>
+        <p:txBody>
+          <a:bodyPr/>
+          <a:lstStyle/>
+          <a:p>
+            <a:r>
+              <a:rPr lang="fr-FR" dirty="0" smtClean="0"/>
+              <a:t>Aspects techniques</a:t>
+            </a:r>
+            <a:endParaRPr lang="fr-FR" dirty="0"/>
+          </a:p>
+        </p:txBody>
+      </p:sp>
+      <p:sp>
+        <p:nvSpPr>
+          <p:cNvPr id="4" name="Espace réservé de la date 3"/>
+          <p:cNvSpPr>
+            <a:spLocks noGrp="1"/>
+          </p:cNvSpPr>
+          <p:nvPr>
+            <p:ph type="dt" sz="half" idx="10"/>
+          </p:nvPr>
+        </p:nvSpPr>
+        <p:spPr/>
+        <p:txBody>
+          <a:bodyPr/>
+          <a:lstStyle/>
+          <a:p>
+            <a:r>
+              <a:rPr lang="fr-FR" smtClean="0"/>
+              <a:t>28/03/2017</a:t>
+            </a:r>
+            <a:endParaRPr lang="fr-FR"/>
+          </a:p>
+        </p:txBody>
+      </p:sp>
+      <p:sp>
+        <p:nvSpPr>
+          <p:cNvPr id="6" name="Espace réservé du numéro de diapositive 5"/>
+          <p:cNvSpPr>
+            <a:spLocks noGrp="1"/>
+          </p:cNvSpPr>
+          <p:nvPr>
+            <p:ph type="sldNum" sz="quarter" idx="12"/>
+          </p:nvPr>
+        </p:nvSpPr>
+        <p:spPr/>
+        <p:txBody>
+          <a:bodyPr/>
+          <a:lstStyle/>
+          <a:p>
+            <a:fld id="{4DDB7E73-332C-4BFF-8BF0-E14F47F56745}" type="slidenum">
+              <a:rPr lang="fr-FR" smtClean="0"/>
+              <a:t>8</a:t>
+            </a:fld>
+            <a:endParaRPr lang="fr-FR"/>
+          </a:p>
+        </p:txBody>
+      </p:sp>
+      <p:sp>
+        <p:nvSpPr>
+          <p:cNvPr id="7" name="Organigramme : Connecteur 6"/>
+          <p:cNvSpPr/>
+          <p:nvPr/>
+        </p:nvSpPr>
+        <p:spPr>
+          <a:xfrm>
+            <a:off x="2795950" y="3312657"/>
+            <a:ext cx="122465" cy="122465"/>
+          </a:xfrm>
+          <a:prstGeom prst="flowChartConnector">
+            <a:avLst/>
+          </a:prstGeom>
+        </p:spPr>
+        <p:style>
+          <a:lnRef idx="2">
+            <a:schemeClr val="accent1">
+              <a:shade val="50000"/>
+            </a:schemeClr>
+          </a:lnRef>
+          <a:fillRef idx="1">
+            <a:schemeClr val="accent1"/>
+          </a:fillRef>
+          <a:effectRef idx="0">
+            <a:schemeClr val="accent1"/>
+          </a:effectRef>
+          <a:fontRef idx="minor">
+            <a:schemeClr val="lt1"/>
+          </a:fontRef>
+        </p:style>
+        <p:txBody>
+          <a:bodyPr rtlCol="0" anchor="ctr"/>
+          <a:lstStyle/>
+          <a:p>
+            <a:pPr algn="ctr"/>
+            <a:endParaRPr lang="fr-FR" sz="1350"/>
+          </a:p>
+        </p:txBody>
+      </p:sp>
+      <p:sp>
+        <p:nvSpPr>
+          <p:cNvPr id="9" name="Organigramme : Connecteur 8"/>
+          <p:cNvSpPr/>
+          <p:nvPr/>
+        </p:nvSpPr>
+        <p:spPr>
+          <a:xfrm>
+            <a:off x="1350870" y="3308575"/>
+            <a:ext cx="122465" cy="122465"/>
+          </a:xfrm>
+          <a:prstGeom prst="flowChartConnector">
+            <a:avLst/>
+          </a:prstGeom>
+        </p:spPr>
+        <p:style>
+          <a:lnRef idx="2">
+            <a:schemeClr val="accent1">
+              <a:shade val="50000"/>
+            </a:schemeClr>
+          </a:lnRef>
+          <a:fillRef idx="1">
+            <a:schemeClr val="accent1"/>
+          </a:fillRef>
+          <a:effectRef idx="0">
+            <a:schemeClr val="accent1"/>
+          </a:effectRef>
+          <a:fontRef idx="minor">
+            <a:schemeClr val="lt1"/>
+          </a:fontRef>
+        </p:style>
+        <p:txBody>
+          <a:bodyPr rtlCol="0" anchor="ctr"/>
+          <a:lstStyle/>
+          <a:p>
+            <a:pPr algn="ctr"/>
+            <a:endParaRPr lang="fr-FR" sz="1350"/>
+          </a:p>
+        </p:txBody>
+      </p:sp>
+      <p:sp>
+        <p:nvSpPr>
+          <p:cNvPr id="10" name="Organigramme : Connecteur 9"/>
+          <p:cNvSpPr/>
+          <p:nvPr/>
+        </p:nvSpPr>
+        <p:spPr>
+          <a:xfrm>
+            <a:off x="1346787" y="4348459"/>
+            <a:ext cx="122465" cy="122465"/>
+          </a:xfrm>
+          <a:prstGeom prst="flowChartConnector">
+            <a:avLst/>
+          </a:prstGeom>
+        </p:spPr>
+        <p:style>
+          <a:lnRef idx="2">
+            <a:schemeClr val="accent1">
+              <a:shade val="50000"/>
+            </a:schemeClr>
+          </a:lnRef>
+          <a:fillRef idx="1">
+            <a:schemeClr val="accent1"/>
+          </a:fillRef>
+          <a:effectRef idx="0">
+            <a:schemeClr val="accent1"/>
+          </a:effectRef>
+          <a:fontRef idx="minor">
+            <a:schemeClr val="lt1"/>
+          </a:fontRef>
+        </p:style>
+        <p:txBody>
+          <a:bodyPr rtlCol="0" anchor="ctr"/>
+          <a:lstStyle/>
+          <a:p>
+            <a:pPr algn="ctr"/>
+            <a:endParaRPr lang="fr-FR" sz="1350"/>
+          </a:p>
+        </p:txBody>
+      </p:sp>
+      <p:sp>
+        <p:nvSpPr>
+          <p:cNvPr id="11" name="Organigramme : Connecteur 10"/>
+          <p:cNvSpPr/>
+          <p:nvPr/>
+        </p:nvSpPr>
+        <p:spPr>
+          <a:xfrm>
+            <a:off x="2795950" y="5402289"/>
+            <a:ext cx="122465" cy="122465"/>
+          </a:xfrm>
+          <a:prstGeom prst="flowChartConnector">
+            <a:avLst/>
+          </a:prstGeom>
+        </p:spPr>
+        <p:style>
+          <a:lnRef idx="2">
+            <a:schemeClr val="accent1">
+              <a:shade val="50000"/>
+            </a:schemeClr>
+          </a:lnRef>
+          <a:fillRef idx="1">
+            <a:schemeClr val="accent1"/>
+          </a:fillRef>
+          <a:effectRef idx="0">
+            <a:schemeClr val="accent1"/>
+          </a:effectRef>
+          <a:fontRef idx="minor">
+            <a:schemeClr val="lt1"/>
+          </a:fontRef>
+        </p:style>
+        <p:txBody>
+          <a:bodyPr rtlCol="0" anchor="ctr"/>
+          <a:lstStyle/>
+          <a:p>
+            <a:pPr algn="ctr"/>
+            <a:endParaRPr lang="fr-FR" sz="1350"/>
+          </a:p>
+        </p:txBody>
+      </p:sp>
+      <p:sp>
+        <p:nvSpPr>
+          <p:cNvPr id="12" name="Organigramme : Connecteur 11"/>
+          <p:cNvSpPr/>
+          <p:nvPr/>
+        </p:nvSpPr>
+        <p:spPr>
+          <a:xfrm>
+            <a:off x="4241029" y="4360450"/>
+            <a:ext cx="122465" cy="122465"/>
+          </a:xfrm>
+          <a:prstGeom prst="flowChartConnector">
+            <a:avLst/>
+          </a:prstGeom>
+        </p:spPr>
+        <p:style>
+          <a:lnRef idx="2">
+            <a:schemeClr val="accent1">
+              <a:shade val="50000"/>
+            </a:schemeClr>
+          </a:lnRef>
+          <a:fillRef idx="1">
+            <a:schemeClr val="accent1"/>
+          </a:fillRef>
+          <a:effectRef idx="0">
+            <a:schemeClr val="accent1"/>
+          </a:effectRef>
+          <a:fontRef idx="minor">
+            <a:schemeClr val="lt1"/>
+          </a:fontRef>
+        </p:style>
+        <p:txBody>
+          <a:bodyPr rtlCol="0" anchor="ctr"/>
+          <a:lstStyle/>
+          <a:p>
+            <a:pPr algn="ctr"/>
+            <a:endParaRPr lang="fr-FR" sz="1350"/>
+          </a:p>
+        </p:txBody>
+      </p:sp>
+      <p:sp>
+        <p:nvSpPr>
+          <p:cNvPr id="13" name="Organigramme : Connecteur 12"/>
+          <p:cNvSpPr/>
+          <p:nvPr/>
+        </p:nvSpPr>
+        <p:spPr>
+          <a:xfrm>
+            <a:off x="4241029" y="3308575"/>
+            <a:ext cx="122465" cy="122465"/>
+          </a:xfrm>
+          <a:prstGeom prst="flowChartConnector">
+            <a:avLst/>
+          </a:prstGeom>
+        </p:spPr>
+        <p:style>
+          <a:lnRef idx="2">
+            <a:schemeClr val="accent1">
+              <a:shade val="50000"/>
+            </a:schemeClr>
+          </a:lnRef>
+          <a:fillRef idx="1">
+            <a:schemeClr val="accent1"/>
+          </a:fillRef>
+          <a:effectRef idx="0">
+            <a:schemeClr val="accent1"/>
+          </a:effectRef>
+          <a:fontRef idx="minor">
+            <a:schemeClr val="lt1"/>
+          </a:fontRef>
+        </p:style>
+        <p:txBody>
+          <a:bodyPr rtlCol="0" anchor="ctr"/>
+          <a:lstStyle/>
+          <a:p>
+            <a:pPr algn="ctr"/>
+            <a:endParaRPr lang="fr-FR" sz="1350"/>
+          </a:p>
+        </p:txBody>
+      </p:sp>
+      <p:sp>
+        <p:nvSpPr>
+          <p:cNvPr id="14" name="Organigramme : Connecteur 13"/>
+          <p:cNvSpPr/>
+          <p:nvPr/>
+        </p:nvSpPr>
+        <p:spPr>
+          <a:xfrm>
+            <a:off x="1346787" y="5402289"/>
+            <a:ext cx="122465" cy="122465"/>
+          </a:xfrm>
+          <a:prstGeom prst="flowChartConnector">
+            <a:avLst/>
+          </a:prstGeom>
+        </p:spPr>
+        <p:style>
+          <a:lnRef idx="2">
+            <a:schemeClr val="accent1">
+              <a:shade val="50000"/>
+            </a:schemeClr>
+          </a:lnRef>
+          <a:fillRef idx="1">
+            <a:schemeClr val="accent1"/>
+          </a:fillRef>
+          <a:effectRef idx="0">
+            <a:schemeClr val="accent1"/>
+          </a:effectRef>
+          <a:fontRef idx="minor">
+            <a:schemeClr val="lt1"/>
+          </a:fontRef>
+        </p:style>
+        <p:txBody>
+          <a:bodyPr rtlCol="0" anchor="ctr"/>
+          <a:lstStyle/>
+          <a:p>
+            <a:pPr algn="ctr"/>
+            <a:endParaRPr lang="fr-FR" sz="1350"/>
+          </a:p>
+        </p:txBody>
+      </p:sp>
+      <p:sp>
+        <p:nvSpPr>
+          <p:cNvPr id="15" name="Organigramme : Connecteur 14"/>
+          <p:cNvSpPr/>
+          <p:nvPr/>
+        </p:nvSpPr>
+        <p:spPr>
+          <a:xfrm>
+            <a:off x="2795950" y="4348459"/>
+            <a:ext cx="122465" cy="122465"/>
+          </a:xfrm>
+          <a:prstGeom prst="flowChartConnector">
+            <a:avLst/>
+          </a:prstGeom>
+        </p:spPr>
+        <p:style>
+          <a:lnRef idx="2">
+            <a:schemeClr val="accent1">
+              <a:shade val="50000"/>
+            </a:schemeClr>
+          </a:lnRef>
+          <a:fillRef idx="1">
+            <a:schemeClr val="accent1"/>
+          </a:fillRef>
+          <a:effectRef idx="0">
+            <a:schemeClr val="accent1"/>
+          </a:effectRef>
+          <a:fontRef idx="minor">
+            <a:schemeClr val="lt1"/>
+          </a:fontRef>
+        </p:style>
+        <p:txBody>
+          <a:bodyPr rtlCol="0" anchor="ctr"/>
+          <a:lstStyle/>
+          <a:p>
+            <a:pPr algn="ctr"/>
+            <a:endParaRPr lang="fr-FR" sz="1350"/>
+          </a:p>
+        </p:txBody>
+      </p:sp>
+      <p:sp>
+        <p:nvSpPr>
+          <p:cNvPr id="16" name="Organigramme : Connecteur 15"/>
+          <p:cNvSpPr/>
+          <p:nvPr/>
+        </p:nvSpPr>
+        <p:spPr>
+          <a:xfrm>
+            <a:off x="4245112" y="5402289"/>
+            <a:ext cx="122465" cy="122465"/>
+          </a:xfrm>
+          <a:prstGeom prst="flowChartConnector">
+            <a:avLst/>
+          </a:prstGeom>
+        </p:spPr>
+        <p:style>
+          <a:lnRef idx="2">
+            <a:schemeClr val="accent1">
+              <a:shade val="50000"/>
+            </a:schemeClr>
+          </a:lnRef>
+          <a:fillRef idx="1">
+            <a:schemeClr val="accent1"/>
+          </a:fillRef>
+          <a:effectRef idx="0">
+            <a:schemeClr val="accent1"/>
+          </a:effectRef>
+          <a:fontRef idx="minor">
+            <a:schemeClr val="lt1"/>
+          </a:fontRef>
+        </p:style>
+        <p:txBody>
+          <a:bodyPr rtlCol="0" anchor="ctr"/>
+          <a:lstStyle/>
+          <a:p>
+            <a:pPr algn="ctr"/>
+            <a:endParaRPr lang="fr-FR" sz="1350"/>
+          </a:p>
+        </p:txBody>
+      </p:sp>
+      <p:cxnSp>
+        <p:nvCxnSpPr>
+          <p:cNvPr id="17" name="Connecteur droit 16"/>
+          <p:cNvCxnSpPr>
+            <a:cxnSpLocks/>
+            <a:stCxn id="9" idx="4"/>
+          </p:cNvCxnSpPr>
+          <p:nvPr/>
+        </p:nvCxnSpPr>
+        <p:spPr>
+          <a:xfrm flipH="1">
+            <a:off x="1408019" y="3431039"/>
+            <a:ext cx="4083" cy="917420"/>
+          </a:xfrm>
+          <a:prstGeom prst="line">
+            <a:avLst/>
+          </a:prstGeom>
+        </p:spPr>
+        <p:style>
+          <a:lnRef idx="1">
+            <a:schemeClr val="accent1"/>
+          </a:lnRef>
+          <a:fillRef idx="0">
+            <a:schemeClr val="accent1"/>
+          </a:fillRef>
+          <a:effectRef idx="0">
+            <a:schemeClr val="accent1"/>
+          </a:effectRef>
+          <a:fontRef idx="minor">
+            <a:schemeClr val="tx1"/>
+          </a:fontRef>
+        </p:style>
+      </p:cxnSp>
+      <p:cxnSp>
+        <p:nvCxnSpPr>
+          <p:cNvPr id="18" name="Connecteur droit 17"/>
+          <p:cNvCxnSpPr>
+            <a:cxnSpLocks/>
+            <a:endCxn id="15" idx="2"/>
+          </p:cNvCxnSpPr>
+          <p:nvPr/>
+        </p:nvCxnSpPr>
+        <p:spPr>
+          <a:xfrm flipV="1">
+            <a:off x="1469252" y="4409691"/>
+            <a:ext cx="1326698" cy="7824"/>
+          </a:xfrm>
+          <a:prstGeom prst="line">
+            <a:avLst/>
+          </a:prstGeom>
+        </p:spPr>
+        <p:style>
+          <a:lnRef idx="1">
+            <a:schemeClr val="accent1"/>
+          </a:lnRef>
+          <a:fillRef idx="0">
+            <a:schemeClr val="accent1"/>
+          </a:fillRef>
+          <a:effectRef idx="0">
+            <a:schemeClr val="accent1"/>
+          </a:effectRef>
+          <a:fontRef idx="minor">
+            <a:schemeClr val="tx1"/>
+          </a:fontRef>
+        </p:style>
+      </p:cxnSp>
+      <p:cxnSp>
+        <p:nvCxnSpPr>
+          <p:cNvPr id="19" name="Connecteur droit 18"/>
+          <p:cNvCxnSpPr>
+            <a:cxnSpLocks/>
+            <a:stCxn id="9" idx="5"/>
+            <a:endCxn id="15" idx="1"/>
+          </p:cNvCxnSpPr>
+          <p:nvPr/>
+        </p:nvCxnSpPr>
+        <p:spPr>
+          <a:xfrm>
+            <a:off x="1455400" y="3413105"/>
+            <a:ext cx="1358485" cy="953289"/>
+          </a:xfrm>
+          <a:prstGeom prst="line">
+            <a:avLst/>
+          </a:prstGeom>
+        </p:spPr>
+        <p:style>
+          <a:lnRef idx="1">
+            <a:schemeClr val="accent1"/>
+          </a:lnRef>
+          <a:fillRef idx="0">
+            <a:schemeClr val="accent1"/>
+          </a:fillRef>
+          <a:effectRef idx="0">
+            <a:schemeClr val="accent1"/>
+          </a:effectRef>
+          <a:fontRef idx="minor">
+            <a:schemeClr val="tx1"/>
+          </a:fontRef>
+        </p:style>
+      </p:cxnSp>
+      <p:sp>
+        <p:nvSpPr>
+          <p:cNvPr id="20" name="Organigramme : Connecteur 19"/>
+          <p:cNvSpPr/>
+          <p:nvPr/>
+        </p:nvSpPr>
+        <p:spPr>
+          <a:xfrm flipH="1" flipV="1">
+            <a:off x="1390495" y="3871951"/>
+            <a:ext cx="34289" cy="34289"/>
+          </a:xfrm>
+          <a:prstGeom prst="flowChartConnector">
+            <a:avLst/>
+          </a:prstGeom>
+          <a:solidFill>
+            <a:schemeClr val="tx1"/>
+          </a:solidFill>
+          <a:ln>
+            <a:solidFill>
+              <a:schemeClr val="tx1"/>
+            </a:solidFill>
+          </a:ln>
+        </p:spPr>
+        <p:style>
+          <a:lnRef idx="2">
+            <a:schemeClr val="accent1">
+              <a:shade val="50000"/>
+            </a:schemeClr>
+          </a:lnRef>
+          <a:fillRef idx="1">
+            <a:schemeClr val="accent1"/>
+          </a:fillRef>
+          <a:effectRef idx="0">
+            <a:schemeClr val="accent1"/>
+          </a:effectRef>
+          <a:fontRef idx="minor">
+            <a:schemeClr val="lt1"/>
+          </a:fontRef>
+        </p:style>
+        <p:txBody>
+          <a:bodyPr rtlCol="0" anchor="ctr"/>
+          <a:lstStyle/>
+          <a:p>
+            <a:pPr algn="ctr"/>
+            <a:endParaRPr lang="fr-FR" sz="1350"/>
+          </a:p>
+        </p:txBody>
+      </p:sp>
+      <p:sp>
+        <p:nvSpPr>
+          <p:cNvPr id="21" name="Organigramme : Connecteur 20"/>
+          <p:cNvSpPr/>
+          <p:nvPr/>
+        </p:nvSpPr>
+        <p:spPr>
+          <a:xfrm flipH="1" flipV="1">
+            <a:off x="2397154" y="4394098"/>
+            <a:ext cx="34289" cy="34289"/>
+          </a:xfrm>
+          <a:prstGeom prst="flowChartConnector">
+            <a:avLst/>
+          </a:prstGeom>
+          <a:solidFill>
+            <a:schemeClr val="tx1"/>
+          </a:solidFill>
+          <a:ln>
+            <a:solidFill>
+              <a:schemeClr val="tx1"/>
+            </a:solidFill>
+          </a:ln>
+        </p:spPr>
+        <p:style>
+          <a:lnRef idx="2">
+            <a:schemeClr val="accent1">
+              <a:shade val="50000"/>
+            </a:schemeClr>
+          </a:lnRef>
+          <a:fillRef idx="1">
+            <a:schemeClr val="accent1"/>
+          </a:fillRef>
+          <a:effectRef idx="0">
+            <a:schemeClr val="accent1"/>
+          </a:effectRef>
+          <a:fontRef idx="minor">
+            <a:schemeClr val="lt1"/>
+          </a:fontRef>
+        </p:style>
+        <p:txBody>
+          <a:bodyPr rtlCol="0" anchor="ctr"/>
+          <a:lstStyle/>
+          <a:p>
+            <a:pPr algn="ctr"/>
+            <a:endParaRPr lang="fr-FR" sz="1350"/>
+          </a:p>
+        </p:txBody>
+      </p:sp>
+      <p:sp>
+        <p:nvSpPr>
+          <p:cNvPr id="22" name="ZoneTexte 21"/>
+          <p:cNvSpPr txBox="1"/>
+          <p:nvPr/>
+        </p:nvSpPr>
+        <p:spPr>
+          <a:xfrm>
+            <a:off x="621375" y="3184055"/>
+            <a:ext cx="645387" cy="300082"/>
+          </a:xfrm>
+          <a:prstGeom prst="rect">
+            <a:avLst/>
+          </a:prstGeom>
+          <a:noFill/>
+        </p:spPr>
+        <p:txBody>
+          <a:bodyPr wrap="square" rtlCol="0">
+            <a:spAutoFit/>
+          </a:bodyPr>
+          <a:lstStyle/>
+          <a:p>
+            <a:r>
+              <a:rPr lang="fr-FR" sz="1350" dirty="0" smtClean="0"/>
+              <a:t>Pt </a:t>
+            </a:r>
+            <a:r>
+              <a:rPr lang="fr-FR" sz="1350" dirty="0"/>
+              <a:t>1</a:t>
+            </a:r>
+          </a:p>
+        </p:txBody>
+      </p:sp>
+      <p:sp>
+        <p:nvSpPr>
+          <p:cNvPr id="23" name="ZoneTexte 22"/>
+          <p:cNvSpPr txBox="1"/>
+          <p:nvPr/>
+        </p:nvSpPr>
+        <p:spPr>
+          <a:xfrm>
+            <a:off x="596036" y="4227894"/>
+            <a:ext cx="645387" cy="300082"/>
+          </a:xfrm>
+          <a:prstGeom prst="rect">
+            <a:avLst/>
+          </a:prstGeom>
+          <a:noFill/>
+        </p:spPr>
+        <p:txBody>
+          <a:bodyPr wrap="square" rtlCol="0">
+            <a:spAutoFit/>
+          </a:bodyPr>
+          <a:lstStyle/>
+          <a:p>
+            <a:r>
+              <a:rPr lang="fr-FR" sz="1350" dirty="0" smtClean="0"/>
+              <a:t>Pt </a:t>
+            </a:r>
+            <a:r>
+              <a:rPr lang="fr-FR" sz="1350" dirty="0"/>
+              <a:t>3</a:t>
+            </a:r>
+          </a:p>
+        </p:txBody>
+      </p:sp>
+      <p:sp>
+        <p:nvSpPr>
+          <p:cNvPr id="24" name="ZoneTexte 23"/>
+          <p:cNvSpPr txBox="1"/>
+          <p:nvPr/>
+        </p:nvSpPr>
+        <p:spPr>
+          <a:xfrm>
+            <a:off x="2960228" y="4242650"/>
+            <a:ext cx="645387" cy="300082"/>
+          </a:xfrm>
+          <a:prstGeom prst="rect">
+            <a:avLst/>
+          </a:prstGeom>
+          <a:noFill/>
+        </p:spPr>
+        <p:txBody>
+          <a:bodyPr wrap="square" rtlCol="0">
+            <a:spAutoFit/>
+          </a:bodyPr>
+          <a:lstStyle/>
+          <a:p>
+            <a:r>
+              <a:rPr lang="fr-FR" sz="1350" dirty="0" smtClean="0"/>
+              <a:t>Pt </a:t>
+            </a:r>
+            <a:r>
+              <a:rPr lang="fr-FR" sz="1350" dirty="0"/>
+              <a:t>4</a:t>
+            </a:r>
+          </a:p>
+        </p:txBody>
+      </p:sp>
+      <p:sp>
+        <p:nvSpPr>
+          <p:cNvPr id="25" name="ZoneTexte 24"/>
+          <p:cNvSpPr txBox="1"/>
+          <p:nvPr/>
+        </p:nvSpPr>
+        <p:spPr>
+          <a:xfrm>
+            <a:off x="1155743" y="3727363"/>
+            <a:ext cx="205740" cy="300082"/>
+          </a:xfrm>
+          <a:prstGeom prst="rect">
+            <a:avLst/>
+          </a:prstGeom>
+          <a:noFill/>
+        </p:spPr>
+        <p:txBody>
+          <a:bodyPr wrap="square" rtlCol="0">
+            <a:spAutoFit/>
+          </a:bodyPr>
+          <a:lstStyle/>
+          <a:p>
+            <a:r>
+              <a:rPr lang="fr-FR" sz="1350" dirty="0"/>
+              <a:t>A</a:t>
+            </a:r>
+          </a:p>
+        </p:txBody>
+      </p:sp>
+      <p:sp>
+        <p:nvSpPr>
+          <p:cNvPr id="26" name="ZoneTexte 25"/>
+          <p:cNvSpPr txBox="1"/>
+          <p:nvPr/>
+        </p:nvSpPr>
+        <p:spPr>
+          <a:xfrm>
+            <a:off x="2296323" y="4497443"/>
+            <a:ext cx="235950" cy="300082"/>
+          </a:xfrm>
+          <a:prstGeom prst="rect">
+            <a:avLst/>
+          </a:prstGeom>
+          <a:noFill/>
+        </p:spPr>
+        <p:txBody>
+          <a:bodyPr wrap="square" rtlCol="0">
+            <a:spAutoFit/>
+          </a:bodyPr>
+          <a:lstStyle/>
+          <a:p>
+            <a:r>
+              <a:rPr lang="fr-FR" sz="1350" dirty="0"/>
+              <a:t>B</a:t>
+            </a:r>
+          </a:p>
+        </p:txBody>
+      </p:sp>
+      <p:sp>
+        <p:nvSpPr>
+          <p:cNvPr id="27" name="ZoneTexte 26"/>
+          <p:cNvSpPr txBox="1"/>
+          <p:nvPr/>
+        </p:nvSpPr>
+        <p:spPr>
+          <a:xfrm>
+            <a:off x="2987605" y="3231308"/>
+            <a:ext cx="645387" cy="300082"/>
+          </a:xfrm>
+          <a:prstGeom prst="rect">
+            <a:avLst/>
+          </a:prstGeom>
+          <a:noFill/>
+        </p:spPr>
+        <p:txBody>
+          <a:bodyPr wrap="square" rtlCol="0">
+            <a:spAutoFit/>
+          </a:bodyPr>
+          <a:lstStyle/>
+          <a:p>
+            <a:r>
+              <a:rPr lang="fr-FR" sz="1350" dirty="0" smtClean="0"/>
+              <a:t>Pt </a:t>
+            </a:r>
+            <a:r>
+              <a:rPr lang="fr-FR" sz="1350" dirty="0"/>
+              <a:t>2</a:t>
+            </a:r>
+          </a:p>
+        </p:txBody>
+      </p:sp>
+      <p:sp>
+        <p:nvSpPr>
+          <p:cNvPr id="28" name="ZoneTexte 27"/>
+          <p:cNvSpPr txBox="1"/>
+          <p:nvPr/>
+        </p:nvSpPr>
+        <p:spPr>
+          <a:xfrm>
+            <a:off x="1148074" y="2063266"/>
+            <a:ext cx="2346158" cy="715581"/>
+          </a:xfrm>
+          <a:prstGeom prst="rect">
+            <a:avLst/>
+          </a:prstGeom>
+          <a:noFill/>
+        </p:spPr>
+        <p:txBody>
+          <a:bodyPr wrap="square" rtlCol="0">
+            <a:spAutoFit/>
+          </a:bodyPr>
+          <a:lstStyle/>
+          <a:p>
+            <a:r>
+              <a:rPr lang="fr-FR" sz="1350" dirty="0"/>
+              <a:t>     z1 = </a:t>
+            </a:r>
+            <a:r>
+              <a:rPr lang="fr-FR" sz="1350" dirty="0">
+                <a:solidFill>
+                  <a:srgbClr val="FF0000"/>
+                </a:solidFill>
+              </a:rPr>
+              <a:t>a</a:t>
+            </a:r>
+            <a:r>
+              <a:rPr lang="fr-FR" sz="1350" dirty="0"/>
+              <a:t>x1 + </a:t>
+            </a:r>
+            <a:r>
+              <a:rPr lang="fr-FR" sz="1350" dirty="0">
+                <a:solidFill>
+                  <a:srgbClr val="FF0000"/>
+                </a:solidFill>
+              </a:rPr>
+              <a:t>b</a:t>
+            </a:r>
+            <a:r>
+              <a:rPr lang="fr-FR" sz="1350" dirty="0"/>
+              <a:t>y1 + </a:t>
+            </a:r>
+            <a:r>
+              <a:rPr lang="fr-FR" sz="1350" dirty="0">
+                <a:solidFill>
+                  <a:srgbClr val="FF0000"/>
+                </a:solidFill>
+              </a:rPr>
+              <a:t>c</a:t>
+            </a:r>
+          </a:p>
+          <a:p>
+            <a:r>
+              <a:rPr lang="fr-FR" sz="1350" dirty="0">
+                <a:solidFill>
+                  <a:srgbClr val="FF0000"/>
+                </a:solidFill>
+              </a:rPr>
+              <a:t>     </a:t>
+            </a:r>
+            <a:r>
+              <a:rPr lang="fr-FR" sz="1350" dirty="0"/>
+              <a:t>z3 = </a:t>
+            </a:r>
+            <a:r>
+              <a:rPr lang="fr-FR" sz="1350" dirty="0">
+                <a:solidFill>
+                  <a:srgbClr val="FF0000"/>
+                </a:solidFill>
+              </a:rPr>
+              <a:t>a</a:t>
+            </a:r>
+            <a:r>
+              <a:rPr lang="fr-FR" sz="1350" dirty="0"/>
+              <a:t>x3 + </a:t>
+            </a:r>
+            <a:r>
+              <a:rPr lang="fr-FR" sz="1350" dirty="0">
+                <a:solidFill>
+                  <a:srgbClr val="FF0000"/>
+                </a:solidFill>
+              </a:rPr>
+              <a:t>b</a:t>
+            </a:r>
+            <a:r>
+              <a:rPr lang="fr-FR" sz="1350" dirty="0"/>
+              <a:t>x3 + </a:t>
+            </a:r>
+            <a:r>
+              <a:rPr lang="fr-FR" sz="1350" dirty="0">
+                <a:solidFill>
+                  <a:srgbClr val="FF0000"/>
+                </a:solidFill>
+              </a:rPr>
+              <a:t>c</a:t>
+            </a:r>
+          </a:p>
+          <a:p>
+            <a:r>
+              <a:rPr lang="fr-FR" sz="1350" dirty="0"/>
+              <a:t>     z4 = </a:t>
+            </a:r>
+            <a:r>
+              <a:rPr lang="fr-FR" sz="1350" dirty="0">
+                <a:solidFill>
+                  <a:srgbClr val="FF0000"/>
+                </a:solidFill>
+              </a:rPr>
+              <a:t>a</a:t>
+            </a:r>
+            <a:r>
+              <a:rPr lang="fr-FR" sz="1350" dirty="0"/>
+              <a:t>x4 + </a:t>
+            </a:r>
+            <a:r>
+              <a:rPr lang="fr-FR" sz="1350" dirty="0">
+                <a:solidFill>
+                  <a:srgbClr val="FF0000"/>
+                </a:solidFill>
+              </a:rPr>
+              <a:t>b</a:t>
+            </a:r>
+            <a:r>
+              <a:rPr lang="fr-FR" sz="1350" dirty="0"/>
+              <a:t>y4 + </a:t>
+            </a:r>
+            <a:r>
+              <a:rPr lang="fr-FR" sz="1350" dirty="0">
+                <a:solidFill>
+                  <a:srgbClr val="FF0000"/>
+                </a:solidFill>
+              </a:rPr>
+              <a:t>c</a:t>
+            </a:r>
+          </a:p>
+        </p:txBody>
+      </p:sp>
+      <p:sp>
+        <p:nvSpPr>
+          <p:cNvPr id="29" name="Accolade ouvrante 28"/>
+          <p:cNvSpPr/>
+          <p:nvPr/>
+        </p:nvSpPr>
+        <p:spPr>
+          <a:xfrm>
+            <a:off x="1222101" y="2163191"/>
+            <a:ext cx="102269" cy="531610"/>
+          </a:xfrm>
+          <a:prstGeom prst="leftBrace">
+            <a:avLst/>
+          </a:prstGeom>
+          <a:ln>
+            <a:solidFill>
+              <a:schemeClr val="tx1"/>
+            </a:solidFill>
+          </a:ln>
+        </p:spPr>
+        <p:style>
+          <a:lnRef idx="1">
+            <a:schemeClr val="accent1"/>
+          </a:lnRef>
+          <a:fillRef idx="0">
+            <a:schemeClr val="accent1"/>
+          </a:fillRef>
+          <a:effectRef idx="0">
+            <a:schemeClr val="accent1"/>
+          </a:effectRef>
+          <a:fontRef idx="minor">
+            <a:schemeClr val="tx1"/>
+          </a:fontRef>
+        </p:style>
+        <p:txBody>
+          <a:bodyPr rtlCol="0" anchor="ctr"/>
+          <a:lstStyle/>
+          <a:p>
+            <a:pPr algn="ctr"/>
+            <a:endParaRPr lang="fr-FR" sz="1350"/>
+          </a:p>
+        </p:txBody>
+      </p:sp>
+      <p:sp>
+        <p:nvSpPr>
+          <p:cNvPr id="30" name="ZoneTexte 29"/>
+          <p:cNvSpPr txBox="1"/>
+          <p:nvPr/>
+        </p:nvSpPr>
+        <p:spPr>
+          <a:xfrm>
+            <a:off x="5569758" y="3823501"/>
+            <a:ext cx="2301162" cy="715581"/>
+          </a:xfrm>
+          <a:prstGeom prst="rect">
+            <a:avLst/>
+          </a:prstGeom>
+          <a:noFill/>
+        </p:spPr>
+        <p:txBody>
+          <a:bodyPr wrap="square" rtlCol="0">
+            <a:spAutoFit/>
+          </a:bodyPr>
+          <a:lstStyle/>
+          <a:p>
+            <a:r>
+              <a:rPr lang="fr-FR" sz="1350" dirty="0"/>
+              <a:t>XA = Xpt3</a:t>
+            </a:r>
+          </a:p>
+          <a:p>
+            <a:r>
+              <a:rPr lang="fr-FR" sz="1350" dirty="0"/>
+              <a:t>YA = (H0 – </a:t>
+            </a:r>
+            <a:r>
+              <a:rPr lang="fr-FR" sz="1350" dirty="0">
+                <a:solidFill>
+                  <a:srgbClr val="FF0000"/>
+                </a:solidFill>
+              </a:rPr>
+              <a:t>a</a:t>
+            </a:r>
+            <a:r>
+              <a:rPr lang="fr-FR" sz="1350" dirty="0"/>
+              <a:t>Xpt3 – </a:t>
+            </a:r>
+            <a:r>
+              <a:rPr lang="fr-FR" sz="1350" dirty="0">
+                <a:solidFill>
+                  <a:srgbClr val="FF0000"/>
+                </a:solidFill>
+              </a:rPr>
+              <a:t>c</a:t>
+            </a:r>
+            <a:r>
+              <a:rPr lang="fr-FR" sz="1350" dirty="0"/>
+              <a:t>)/</a:t>
+            </a:r>
+            <a:r>
+              <a:rPr lang="fr-FR" sz="1350" dirty="0">
+                <a:solidFill>
+                  <a:srgbClr val="FF0000"/>
+                </a:solidFill>
+              </a:rPr>
+              <a:t>b</a:t>
+            </a:r>
+          </a:p>
+          <a:p>
+            <a:endParaRPr lang="fr-FR" sz="1350" dirty="0">
+              <a:solidFill>
+                <a:srgbClr val="FF0000"/>
+              </a:solidFill>
+            </a:endParaRPr>
+          </a:p>
+        </p:txBody>
+      </p:sp>
+      <p:sp>
+        <p:nvSpPr>
+          <p:cNvPr id="31" name="ZoneTexte 30"/>
+          <p:cNvSpPr txBox="1"/>
+          <p:nvPr/>
+        </p:nvSpPr>
+        <p:spPr>
+          <a:xfrm>
+            <a:off x="5569758" y="3717062"/>
+            <a:ext cx="2449871" cy="507831"/>
+          </a:xfrm>
+          <a:prstGeom prst="rect">
+            <a:avLst/>
+          </a:prstGeom>
+          <a:noFill/>
+        </p:spPr>
+        <p:txBody>
+          <a:bodyPr wrap="square" rtlCol="0">
+            <a:spAutoFit/>
+          </a:bodyPr>
+          <a:lstStyle/>
+          <a:p>
+            <a:r>
+              <a:rPr lang="fr-FR" sz="1350" dirty="0"/>
+              <a:t>YB = Ypt3</a:t>
+            </a:r>
+          </a:p>
+          <a:p>
+            <a:r>
+              <a:rPr lang="fr-FR" sz="1350" dirty="0"/>
+              <a:t>XB = (H0 – </a:t>
+            </a:r>
+            <a:r>
+              <a:rPr lang="fr-FR" sz="1350" dirty="0">
+                <a:solidFill>
+                  <a:srgbClr val="FF0000"/>
+                </a:solidFill>
+              </a:rPr>
+              <a:t>b</a:t>
+            </a:r>
+            <a:r>
+              <a:rPr lang="fr-FR" sz="1350" dirty="0"/>
+              <a:t>Ypt3 – </a:t>
+            </a:r>
+            <a:r>
+              <a:rPr lang="fr-FR" sz="1350" dirty="0">
+                <a:solidFill>
+                  <a:srgbClr val="FF0000"/>
+                </a:solidFill>
+              </a:rPr>
+              <a:t>c</a:t>
+            </a:r>
+            <a:r>
+              <a:rPr lang="fr-FR" sz="1350" dirty="0"/>
+              <a:t>)/</a:t>
+            </a:r>
+            <a:r>
+              <a:rPr lang="fr-FR" sz="1350" dirty="0">
+                <a:solidFill>
+                  <a:srgbClr val="FF0000"/>
+                </a:solidFill>
+              </a:rPr>
+              <a:t>a</a:t>
+            </a:r>
+            <a:endParaRPr lang="fr-FR" sz="1350" dirty="0"/>
+          </a:p>
+        </p:txBody>
+      </p:sp>
+      <p:cxnSp>
+        <p:nvCxnSpPr>
+          <p:cNvPr id="32" name="Connecteur droit 31"/>
+          <p:cNvCxnSpPr>
+            <a:cxnSpLocks/>
+            <a:stCxn id="20" idx="2"/>
+            <a:endCxn id="21" idx="5"/>
+          </p:cNvCxnSpPr>
+          <p:nvPr/>
+        </p:nvCxnSpPr>
+        <p:spPr>
+          <a:xfrm>
+            <a:off x="1424784" y="3889095"/>
+            <a:ext cx="977392" cy="510024"/>
+          </a:xfrm>
+          <a:prstGeom prst="line">
+            <a:avLst/>
+          </a:prstGeom>
+          <a:ln>
+            <a:solidFill>
+              <a:srgbClr val="FF0000"/>
+            </a:solidFill>
+          </a:ln>
+        </p:spPr>
+        <p:style>
+          <a:lnRef idx="1">
+            <a:schemeClr val="accent1"/>
+          </a:lnRef>
+          <a:fillRef idx="0">
+            <a:schemeClr val="accent1"/>
+          </a:fillRef>
+          <a:effectRef idx="0">
+            <a:schemeClr val="accent1"/>
+          </a:effectRef>
+          <a:fontRef idx="minor">
+            <a:schemeClr val="tx1"/>
+          </a:fontRef>
+        </p:style>
+      </p:cxnSp>
+      <p:sp>
+        <p:nvSpPr>
+          <p:cNvPr id="33" name="ZoneTexte 32"/>
+          <p:cNvSpPr txBox="1"/>
+          <p:nvPr/>
+        </p:nvSpPr>
+        <p:spPr>
+          <a:xfrm>
+            <a:off x="5490884" y="3739139"/>
+            <a:ext cx="2981325" cy="507831"/>
+          </a:xfrm>
+          <a:prstGeom prst="rect">
+            <a:avLst/>
+          </a:prstGeom>
+          <a:noFill/>
+        </p:spPr>
+        <p:txBody>
+          <a:bodyPr wrap="square" rtlCol="0">
+            <a:spAutoFit/>
+          </a:bodyPr>
+          <a:lstStyle/>
+          <a:p>
+            <a:r>
+              <a:rPr lang="fr-FR" sz="1350" dirty="0"/>
+              <a:t>XC = (H0 – </a:t>
+            </a:r>
+            <a:r>
+              <a:rPr lang="fr-FR" sz="1350" dirty="0">
+                <a:solidFill>
+                  <a:srgbClr val="FF0000"/>
+                </a:solidFill>
+              </a:rPr>
+              <a:t>b</a:t>
+            </a:r>
+            <a:r>
+              <a:rPr lang="fr-FR" sz="1350" dirty="0"/>
+              <a:t>(Xpt3 + Ypt3) – </a:t>
+            </a:r>
+            <a:r>
+              <a:rPr lang="fr-FR" sz="1350" dirty="0">
+                <a:solidFill>
+                  <a:srgbClr val="FF0000"/>
+                </a:solidFill>
+              </a:rPr>
+              <a:t>c</a:t>
+            </a:r>
+            <a:r>
+              <a:rPr lang="fr-FR" sz="1350" dirty="0"/>
+              <a:t>) / (</a:t>
+            </a:r>
+            <a:r>
+              <a:rPr lang="fr-FR" sz="1350" dirty="0">
+                <a:solidFill>
+                  <a:srgbClr val="FF0000"/>
+                </a:solidFill>
+              </a:rPr>
+              <a:t>a</a:t>
+            </a:r>
+            <a:r>
+              <a:rPr lang="fr-FR" sz="1350" dirty="0"/>
+              <a:t>-</a:t>
+            </a:r>
+            <a:r>
+              <a:rPr lang="fr-FR" sz="1350" dirty="0">
+                <a:solidFill>
+                  <a:srgbClr val="FF0000"/>
+                </a:solidFill>
+              </a:rPr>
+              <a:t>b</a:t>
+            </a:r>
+            <a:r>
+              <a:rPr lang="fr-FR" sz="1350" dirty="0"/>
+              <a:t>)</a:t>
+            </a:r>
+          </a:p>
+          <a:p>
+            <a:r>
+              <a:rPr lang="fr-FR" sz="1350" dirty="0"/>
+              <a:t>YC = Xpt3 + Ypt3 – XC</a:t>
+            </a:r>
+          </a:p>
+        </p:txBody>
+      </p:sp>
+      <p:sp>
+        <p:nvSpPr>
+          <p:cNvPr id="34" name="Organigramme : Connecteur 33"/>
+          <p:cNvSpPr/>
+          <p:nvPr/>
+        </p:nvSpPr>
+        <p:spPr>
+          <a:xfrm flipH="1" flipV="1">
+            <a:off x="2003071" y="3795124"/>
+            <a:ext cx="34289" cy="34289"/>
+          </a:xfrm>
+          <a:prstGeom prst="flowChartConnector">
+            <a:avLst/>
+          </a:prstGeom>
+          <a:solidFill>
+            <a:schemeClr val="tx1"/>
+          </a:solidFill>
+          <a:ln>
+            <a:solidFill>
+              <a:schemeClr val="tx1"/>
+            </a:solidFill>
+          </a:ln>
+        </p:spPr>
+        <p:style>
+          <a:lnRef idx="2">
+            <a:schemeClr val="accent1">
+              <a:shade val="50000"/>
+            </a:schemeClr>
+          </a:lnRef>
+          <a:fillRef idx="1">
+            <a:schemeClr val="accent1"/>
+          </a:fillRef>
+          <a:effectRef idx="0">
+            <a:schemeClr val="accent1"/>
+          </a:effectRef>
+          <a:fontRef idx="minor">
+            <a:schemeClr val="lt1"/>
+          </a:fontRef>
+        </p:style>
+        <p:txBody>
+          <a:bodyPr rtlCol="0" anchor="ctr"/>
+          <a:lstStyle/>
+          <a:p>
+            <a:pPr algn="ctr"/>
+            <a:endParaRPr lang="fr-FR" sz="1350"/>
+          </a:p>
+        </p:txBody>
+      </p:sp>
+      <p:sp>
+        <p:nvSpPr>
+          <p:cNvPr id="35" name="ZoneTexte 34"/>
+          <p:cNvSpPr txBox="1"/>
+          <p:nvPr/>
+        </p:nvSpPr>
+        <p:spPr>
+          <a:xfrm>
+            <a:off x="2034452" y="3607386"/>
+            <a:ext cx="235950" cy="300082"/>
+          </a:xfrm>
+          <a:prstGeom prst="rect">
+            <a:avLst/>
+          </a:prstGeom>
+          <a:noFill/>
+        </p:spPr>
+        <p:txBody>
+          <a:bodyPr wrap="square" rtlCol="0">
+            <a:spAutoFit/>
+          </a:bodyPr>
+          <a:lstStyle/>
+          <a:p>
+            <a:r>
+              <a:rPr lang="fr-FR" sz="1350" dirty="0"/>
+              <a:t>C</a:t>
+            </a:r>
+          </a:p>
+        </p:txBody>
+      </p:sp>
+      <p:cxnSp>
+        <p:nvCxnSpPr>
+          <p:cNvPr id="36" name="Connecteur droit 35"/>
+          <p:cNvCxnSpPr>
+            <a:cxnSpLocks/>
+            <a:stCxn id="20" idx="2"/>
+            <a:endCxn id="34" idx="6"/>
+          </p:cNvCxnSpPr>
+          <p:nvPr/>
+        </p:nvCxnSpPr>
+        <p:spPr>
+          <a:xfrm flipV="1">
+            <a:off x="1424783" y="3812268"/>
+            <a:ext cx="578288" cy="76827"/>
+          </a:xfrm>
+          <a:prstGeom prst="line">
+            <a:avLst/>
+          </a:prstGeom>
+          <a:ln>
+            <a:solidFill>
+              <a:srgbClr val="FF0000"/>
+            </a:solidFill>
+          </a:ln>
+        </p:spPr>
+        <p:style>
+          <a:lnRef idx="1">
+            <a:schemeClr val="accent1"/>
+          </a:lnRef>
+          <a:fillRef idx="0">
+            <a:schemeClr val="accent1"/>
+          </a:fillRef>
+          <a:effectRef idx="0">
+            <a:schemeClr val="accent1"/>
+          </a:effectRef>
+          <a:fontRef idx="minor">
+            <a:schemeClr val="tx1"/>
+          </a:fontRef>
+        </p:style>
+      </p:cxnSp>
+      <p:sp>
+        <p:nvSpPr>
+          <p:cNvPr id="37" name="ZoneTexte 36"/>
+          <p:cNvSpPr txBox="1"/>
+          <p:nvPr/>
+        </p:nvSpPr>
+        <p:spPr>
+          <a:xfrm>
+            <a:off x="5469379" y="3624446"/>
+            <a:ext cx="3312368" cy="1131079"/>
+          </a:xfrm>
+          <a:prstGeom prst="rect">
+            <a:avLst/>
+          </a:prstGeom>
+          <a:noFill/>
+        </p:spPr>
+        <p:txBody>
+          <a:bodyPr wrap="square" rtlCol="0">
+            <a:spAutoFit/>
+          </a:bodyPr>
+          <a:lstStyle/>
+          <a:p>
+            <a:r>
+              <a:rPr lang="fr-FR" sz="1350" dirty="0"/>
+              <a:t>XC = (H0 – </a:t>
+            </a:r>
+            <a:r>
+              <a:rPr lang="fr-FR" sz="1350" dirty="0">
+                <a:solidFill>
+                  <a:srgbClr val="FF0000"/>
+                </a:solidFill>
+              </a:rPr>
+              <a:t>b</a:t>
+            </a:r>
+            <a:r>
+              <a:rPr lang="fr-FR" sz="1350" dirty="0"/>
+              <a:t>(Xpt3 + Ypt3) – </a:t>
+            </a:r>
+            <a:r>
+              <a:rPr lang="fr-FR" sz="1350" dirty="0">
+                <a:solidFill>
+                  <a:srgbClr val="FF0000"/>
+                </a:solidFill>
+              </a:rPr>
+              <a:t>c</a:t>
+            </a:r>
+            <a:r>
+              <a:rPr lang="fr-FR" sz="1350" dirty="0"/>
+              <a:t>) / (</a:t>
+            </a:r>
+            <a:r>
+              <a:rPr lang="fr-FR" sz="1350" dirty="0">
+                <a:solidFill>
+                  <a:srgbClr val="FF0000"/>
+                </a:solidFill>
+              </a:rPr>
+              <a:t>a</a:t>
+            </a:r>
+            <a:r>
+              <a:rPr lang="fr-FR" sz="1350" dirty="0"/>
+              <a:t>-</a:t>
+            </a:r>
+            <a:r>
+              <a:rPr lang="fr-FR" sz="1350" dirty="0">
+                <a:solidFill>
+                  <a:srgbClr val="FF0000"/>
+                </a:solidFill>
+              </a:rPr>
+              <a:t>b</a:t>
+            </a:r>
+            <a:r>
+              <a:rPr lang="fr-FR" sz="1350" dirty="0"/>
+              <a:t>)</a:t>
+            </a:r>
+          </a:p>
+          <a:p>
+            <a:r>
+              <a:rPr lang="fr-FR" sz="1350" dirty="0"/>
+              <a:t>YC = Xpt3 + Ypt3 – XC</a:t>
+            </a:r>
+          </a:p>
+          <a:p>
+            <a:endParaRPr lang="fr-FR" sz="1350" dirty="0"/>
+          </a:p>
+          <a:p>
+            <a:r>
+              <a:rPr lang="fr-FR" sz="1350" dirty="0"/>
+              <a:t>YB = Ypt3</a:t>
+            </a:r>
+          </a:p>
+          <a:p>
+            <a:r>
+              <a:rPr lang="fr-FR" sz="1350" dirty="0"/>
+              <a:t>XB = (H0 – </a:t>
+            </a:r>
+            <a:r>
+              <a:rPr lang="fr-FR" sz="1350" dirty="0">
+                <a:solidFill>
+                  <a:srgbClr val="FF0000"/>
+                </a:solidFill>
+              </a:rPr>
+              <a:t>b</a:t>
+            </a:r>
+            <a:r>
+              <a:rPr lang="fr-FR" sz="1350" dirty="0"/>
+              <a:t>Ypt3 – </a:t>
+            </a:r>
+            <a:r>
+              <a:rPr lang="fr-FR" sz="1350" dirty="0">
+                <a:solidFill>
+                  <a:srgbClr val="FF0000"/>
+                </a:solidFill>
+              </a:rPr>
+              <a:t>c</a:t>
+            </a:r>
+            <a:r>
+              <a:rPr lang="fr-FR" sz="1350" dirty="0"/>
+              <a:t>)/</a:t>
+            </a:r>
+            <a:r>
+              <a:rPr lang="fr-FR" sz="1350" dirty="0">
+                <a:solidFill>
+                  <a:srgbClr val="FF0000"/>
+                </a:solidFill>
+              </a:rPr>
+              <a:t>a</a:t>
+            </a:r>
+            <a:endParaRPr lang="fr-FR" sz="1350" dirty="0"/>
+          </a:p>
+        </p:txBody>
+      </p:sp>
+      <p:cxnSp>
+        <p:nvCxnSpPr>
+          <p:cNvPr id="38" name="Connecteur droit 37"/>
+          <p:cNvCxnSpPr>
+            <a:cxnSpLocks/>
+            <a:stCxn id="34" idx="1"/>
+            <a:endCxn id="21" idx="5"/>
+          </p:cNvCxnSpPr>
+          <p:nvPr/>
+        </p:nvCxnSpPr>
+        <p:spPr>
+          <a:xfrm>
+            <a:off x="2032338" y="3824391"/>
+            <a:ext cx="369838" cy="574729"/>
+          </a:xfrm>
+          <a:prstGeom prst="line">
+            <a:avLst/>
+          </a:prstGeom>
+          <a:ln>
+            <a:solidFill>
+              <a:srgbClr val="FF0000"/>
+            </a:solidFill>
+          </a:ln>
+        </p:spPr>
+        <p:style>
+          <a:lnRef idx="1">
+            <a:schemeClr val="accent1"/>
+          </a:lnRef>
+          <a:fillRef idx="0">
+            <a:schemeClr val="accent1"/>
+          </a:fillRef>
+          <a:effectRef idx="0">
+            <a:schemeClr val="accent1"/>
+          </a:effectRef>
+          <a:fontRef idx="minor">
+            <a:schemeClr val="tx1"/>
+          </a:fontRef>
+        </p:style>
+      </p:cxnSp>
+      <p:sp>
+        <p:nvSpPr>
+          <p:cNvPr id="41" name="ZoneTexte 40"/>
+          <p:cNvSpPr txBox="1"/>
+          <p:nvPr/>
+        </p:nvSpPr>
+        <p:spPr>
+          <a:xfrm>
+            <a:off x="5685403" y="2409515"/>
+            <a:ext cx="2549277" cy="369332"/>
+          </a:xfrm>
+          <a:prstGeom prst="rect">
+            <a:avLst/>
+          </a:prstGeom>
+          <a:noFill/>
+        </p:spPr>
+        <p:txBody>
+          <a:bodyPr wrap="square" rtlCol="0">
+            <a:spAutoFit/>
+          </a:bodyPr>
+          <a:lstStyle/>
+          <a:p>
+            <a:r>
+              <a:rPr lang="fr-FR" dirty="0" smtClean="0"/>
+              <a:t>Si Ypt3 &lt;= YA &lt;= Ypt1 </a:t>
+            </a:r>
+            <a:endParaRPr lang="fr-FR" dirty="0"/>
+          </a:p>
+        </p:txBody>
+      </p:sp>
+      <p:sp>
+        <p:nvSpPr>
+          <p:cNvPr id="43" name="ZoneTexte 42"/>
+          <p:cNvSpPr txBox="1"/>
+          <p:nvPr/>
+        </p:nvSpPr>
+        <p:spPr>
+          <a:xfrm>
+            <a:off x="5685403" y="2814723"/>
+            <a:ext cx="2880320" cy="369332"/>
+          </a:xfrm>
+          <a:prstGeom prst="rect">
+            <a:avLst/>
+          </a:prstGeom>
+          <a:noFill/>
+        </p:spPr>
+        <p:txBody>
+          <a:bodyPr wrap="square" rtlCol="0">
+            <a:spAutoFit/>
+          </a:bodyPr>
+          <a:lstStyle/>
+          <a:p>
+            <a:r>
+              <a:rPr lang="fr-FR" dirty="0"/>
+              <a:t>Si </a:t>
+            </a:r>
+            <a:r>
+              <a:rPr lang="fr-FR" dirty="0" smtClean="0"/>
+              <a:t>Xpt3 </a:t>
+            </a:r>
+            <a:r>
+              <a:rPr lang="fr-FR" dirty="0"/>
+              <a:t>&lt;= </a:t>
+            </a:r>
+            <a:r>
+              <a:rPr lang="fr-FR" dirty="0" smtClean="0"/>
+              <a:t>YB </a:t>
+            </a:r>
+            <a:r>
+              <a:rPr lang="fr-FR" dirty="0"/>
+              <a:t>&lt;= </a:t>
+            </a:r>
+            <a:r>
+              <a:rPr lang="fr-FR" dirty="0" smtClean="0"/>
+              <a:t>Ypt</a:t>
+            </a:r>
+            <a:r>
+              <a:rPr lang="fr-FR" dirty="0"/>
+              <a:t>4</a:t>
+            </a:r>
+            <a:r>
+              <a:rPr lang="fr-FR" dirty="0" smtClean="0"/>
+              <a:t>  </a:t>
+            </a:r>
+            <a:endParaRPr lang="fr-FR" dirty="0"/>
+          </a:p>
+        </p:txBody>
+      </p:sp>
+      <p:sp>
+        <p:nvSpPr>
+          <p:cNvPr id="44" name="ZoneTexte 43"/>
+          <p:cNvSpPr txBox="1"/>
+          <p:nvPr/>
+        </p:nvSpPr>
+        <p:spPr>
+          <a:xfrm>
+            <a:off x="5447873" y="1793859"/>
+            <a:ext cx="3024336" cy="369332"/>
+          </a:xfrm>
+          <a:prstGeom prst="rect">
+            <a:avLst/>
+          </a:prstGeom>
+          <a:noFill/>
+        </p:spPr>
+        <p:txBody>
+          <a:bodyPr wrap="square" rtlCol="0">
+            <a:spAutoFit/>
+          </a:bodyPr>
+          <a:lstStyle/>
+          <a:p>
+            <a:r>
+              <a:rPr lang="fr-FR" dirty="0"/>
+              <a:t>Si </a:t>
+            </a:r>
+            <a:r>
+              <a:rPr lang="fr-FR" dirty="0" smtClean="0"/>
+              <a:t>YA &lt; Ypt3 ou YA &gt; </a:t>
+            </a:r>
+            <a:r>
+              <a:rPr lang="fr-FR" dirty="0"/>
+              <a:t>Ypt1 </a:t>
+            </a:r>
+            <a:r>
+              <a:rPr lang="fr-FR" dirty="0" smtClean="0"/>
+              <a:t> </a:t>
+            </a:r>
+            <a:endParaRPr lang="fr-FR" dirty="0"/>
+          </a:p>
+        </p:txBody>
+      </p:sp>
+    </p:spTree>
+    <p:extLst>
+      <p:ext uri="{BB962C8B-B14F-4D97-AF65-F5344CB8AC3E}">
+        <p14:creationId xmlns:p14="http://schemas.microsoft.com/office/powerpoint/2010/main" val="586326732"/>
+      </p:ext>
+    </p:extLst>
+  </p:cSld>
+  <p:clrMapOvr>
+    <a:masterClrMapping/>
+  </p:clrMapOvr>
+  <p:timing>
+    <p:tnLst>
+      <p:par>
+        <p:cTn id="1" dur="indefinite" restart="never" nodeType="tmRoot">
+          <p:childTnLst>
+            <p:seq concurrent="1" nextAc="seek">
+              <p:cTn id="2" dur="indefinite" nodeType="mainSeq">
+                <p:childTnLst>
+                  <p:par>
+                    <p:cTn id="3" fill="hold">
+                      <p:stCondLst>
+                        <p:cond delay="indefinite"/>
+                      </p:stCondLst>
+                      <p:childTnLst>
+                        <p:par>
+                          <p:cTn id="4" fill="hold">
+                            <p:stCondLst>
+                              <p:cond delay="0"/>
+                            </p:stCondLst>
+                            <p:childTnLst>
+                              <p:par>
+                                <p:cTn id="5" presetID="1" presetClass="entr" presetSubtype="0" fill="hold" grpId="0" nodeType="clickEffect">
+                                  <p:stCondLst>
+                                    <p:cond delay="0"/>
+                                  </p:stCondLst>
+                                  <p:childTnLst>
+                                    <p:set>
+                                      <p:cBhvr>
+                                        <p:cTn id="6" dur="1" fill="hold">
+                                          <p:stCondLst>
+                                            <p:cond delay="0"/>
+                                          </p:stCondLst>
+                                        </p:cTn>
+                                        <p:tgtEl>
+                                          <p:spTgt spid="9"/>
+                                        </p:tgtEl>
+                                        <p:attrNameLst>
+                                          <p:attrName>style.visibility</p:attrName>
+                                        </p:attrNameLst>
+                                      </p:cBhvr>
+                                      <p:to>
+                                        <p:strVal val="visible"/>
+                                      </p:to>
+                                    </p:set>
+                                  </p:childTnLst>
+                                </p:cTn>
+                              </p:par>
+                              <p:par>
+                                <p:cTn id="7" presetID="1" presetClass="entr" presetSubtype="0" fill="hold" grpId="0" nodeType="withEffect">
+                                  <p:stCondLst>
+                                    <p:cond delay="0"/>
+                                  </p:stCondLst>
+                                  <p:childTnLst>
+                                    <p:set>
+                                      <p:cBhvr>
+                                        <p:cTn id="8" dur="1" fill="hold">
+                                          <p:stCondLst>
+                                            <p:cond delay="0"/>
+                                          </p:stCondLst>
+                                        </p:cTn>
+                                        <p:tgtEl>
+                                          <p:spTgt spid="7"/>
+                                        </p:tgtEl>
+                                        <p:attrNameLst>
+                                          <p:attrName>style.visibility</p:attrName>
+                                        </p:attrNameLst>
+                                      </p:cBhvr>
+                                      <p:to>
+                                        <p:strVal val="visible"/>
+                                      </p:to>
+                                    </p:set>
+                                  </p:childTnLst>
+                                </p:cTn>
+                              </p:par>
+                              <p:par>
+                                <p:cTn id="9" presetID="1" presetClass="entr" presetSubtype="0" fill="hold" grpId="0" nodeType="withEffect">
+                                  <p:stCondLst>
+                                    <p:cond delay="0"/>
+                                  </p:stCondLst>
+                                  <p:childTnLst>
+                                    <p:set>
+                                      <p:cBhvr>
+                                        <p:cTn id="10" dur="1" fill="hold">
+                                          <p:stCondLst>
+                                            <p:cond delay="0"/>
+                                          </p:stCondLst>
+                                        </p:cTn>
+                                        <p:tgtEl>
+                                          <p:spTgt spid="13"/>
+                                        </p:tgtEl>
+                                        <p:attrNameLst>
+                                          <p:attrName>style.visibility</p:attrName>
+                                        </p:attrNameLst>
+                                      </p:cBhvr>
+                                      <p:to>
+                                        <p:strVal val="visible"/>
+                                      </p:to>
+                                    </p:set>
+                                  </p:childTnLst>
+                                </p:cTn>
+                              </p:par>
+                              <p:par>
+                                <p:cTn id="11" presetID="1" presetClass="entr" presetSubtype="0" fill="hold" grpId="0" nodeType="withEffect">
+                                  <p:stCondLst>
+                                    <p:cond delay="0"/>
+                                  </p:stCondLst>
+                                  <p:childTnLst>
+                                    <p:set>
+                                      <p:cBhvr>
+                                        <p:cTn id="12" dur="1" fill="hold">
+                                          <p:stCondLst>
+                                            <p:cond delay="0"/>
+                                          </p:stCondLst>
+                                        </p:cTn>
+                                        <p:tgtEl>
+                                          <p:spTgt spid="12"/>
+                                        </p:tgtEl>
+                                        <p:attrNameLst>
+                                          <p:attrName>style.visibility</p:attrName>
+                                        </p:attrNameLst>
+                                      </p:cBhvr>
+                                      <p:to>
+                                        <p:strVal val="visible"/>
+                                      </p:to>
+                                    </p:set>
+                                  </p:childTnLst>
+                                </p:cTn>
+                              </p:par>
+                              <p:par>
+                                <p:cTn id="13" presetID="1" presetClass="entr" presetSubtype="0" fill="hold" grpId="0" nodeType="withEffect">
+                                  <p:stCondLst>
+                                    <p:cond delay="0"/>
+                                  </p:stCondLst>
+                                  <p:childTnLst>
+                                    <p:set>
+                                      <p:cBhvr>
+                                        <p:cTn id="14" dur="1" fill="hold">
+                                          <p:stCondLst>
+                                            <p:cond delay="0"/>
+                                          </p:stCondLst>
+                                        </p:cTn>
+                                        <p:tgtEl>
+                                          <p:spTgt spid="15"/>
+                                        </p:tgtEl>
+                                        <p:attrNameLst>
+                                          <p:attrName>style.visibility</p:attrName>
+                                        </p:attrNameLst>
+                                      </p:cBhvr>
+                                      <p:to>
+                                        <p:strVal val="visible"/>
+                                      </p:to>
+                                    </p:set>
+                                  </p:childTnLst>
+                                </p:cTn>
+                              </p:par>
+                              <p:par>
+                                <p:cTn id="15" presetID="1" presetClass="entr" presetSubtype="0" fill="hold" grpId="0" nodeType="withEffect">
+                                  <p:stCondLst>
+                                    <p:cond delay="0"/>
+                                  </p:stCondLst>
+                                  <p:childTnLst>
+                                    <p:set>
+                                      <p:cBhvr>
+                                        <p:cTn id="16" dur="1" fill="hold">
+                                          <p:stCondLst>
+                                            <p:cond delay="0"/>
+                                          </p:stCondLst>
+                                        </p:cTn>
+                                        <p:tgtEl>
+                                          <p:spTgt spid="10"/>
+                                        </p:tgtEl>
+                                        <p:attrNameLst>
+                                          <p:attrName>style.visibility</p:attrName>
+                                        </p:attrNameLst>
+                                      </p:cBhvr>
+                                      <p:to>
+                                        <p:strVal val="visible"/>
+                                      </p:to>
+                                    </p:set>
+                                  </p:childTnLst>
+                                </p:cTn>
+                              </p:par>
+                              <p:par>
+                                <p:cTn id="17" presetID="1" presetClass="entr" presetSubtype="0" fill="hold" grpId="0" nodeType="withEffect">
+                                  <p:stCondLst>
+                                    <p:cond delay="0"/>
+                                  </p:stCondLst>
+                                  <p:childTnLst>
+                                    <p:set>
+                                      <p:cBhvr>
+                                        <p:cTn id="18" dur="1" fill="hold">
+                                          <p:stCondLst>
+                                            <p:cond delay="0"/>
+                                          </p:stCondLst>
+                                        </p:cTn>
+                                        <p:tgtEl>
+                                          <p:spTgt spid="14"/>
+                                        </p:tgtEl>
+                                        <p:attrNameLst>
+                                          <p:attrName>style.visibility</p:attrName>
+                                        </p:attrNameLst>
+                                      </p:cBhvr>
+                                      <p:to>
+                                        <p:strVal val="visible"/>
+                                      </p:to>
+                                    </p:set>
+                                  </p:childTnLst>
+                                </p:cTn>
+                              </p:par>
+                              <p:par>
+                                <p:cTn id="19" presetID="1" presetClass="entr" presetSubtype="0" fill="hold" grpId="0" nodeType="withEffect">
+                                  <p:stCondLst>
+                                    <p:cond delay="0"/>
+                                  </p:stCondLst>
+                                  <p:childTnLst>
+                                    <p:set>
+                                      <p:cBhvr>
+                                        <p:cTn id="20" dur="1" fill="hold">
+                                          <p:stCondLst>
+                                            <p:cond delay="0"/>
+                                          </p:stCondLst>
+                                        </p:cTn>
+                                        <p:tgtEl>
+                                          <p:spTgt spid="11"/>
+                                        </p:tgtEl>
+                                        <p:attrNameLst>
+                                          <p:attrName>style.visibility</p:attrName>
+                                        </p:attrNameLst>
+                                      </p:cBhvr>
+                                      <p:to>
+                                        <p:strVal val="visible"/>
+                                      </p:to>
+                                    </p:set>
+                                  </p:childTnLst>
+                                </p:cTn>
+                              </p:par>
+                              <p:par>
+                                <p:cTn id="21" presetID="1" presetClass="entr" presetSubtype="0" fill="hold" grpId="0" nodeType="withEffect">
+                                  <p:stCondLst>
+                                    <p:cond delay="0"/>
+                                  </p:stCondLst>
+                                  <p:childTnLst>
+                                    <p:set>
+                                      <p:cBhvr>
+                                        <p:cTn id="22" dur="1" fill="hold">
+                                          <p:stCondLst>
+                                            <p:cond delay="0"/>
+                                          </p:stCondLst>
+                                        </p:cTn>
+                                        <p:tgtEl>
+                                          <p:spTgt spid="16"/>
+                                        </p:tgtEl>
+                                        <p:attrNameLst>
+                                          <p:attrName>style.visibility</p:attrName>
+                                        </p:attrNameLst>
+                                      </p:cBhvr>
+                                      <p:to>
+                                        <p:strVal val="visible"/>
+                                      </p:to>
+                                    </p:set>
+                                  </p:childTnLst>
+                                </p:cTn>
+                              </p:par>
+                              <p:par>
+                                <p:cTn id="23" presetID="1" presetClass="entr" presetSubtype="0" fill="hold" grpId="0" nodeType="withEffect">
+                                  <p:stCondLst>
+                                    <p:cond delay="0"/>
+                                  </p:stCondLst>
+                                  <p:childTnLst>
+                                    <p:set>
+                                      <p:cBhvr>
+                                        <p:cTn id="24" dur="1" fill="hold">
+                                          <p:stCondLst>
+                                            <p:cond delay="0"/>
+                                          </p:stCondLst>
+                                        </p:cTn>
+                                        <p:tgtEl>
+                                          <p:spTgt spid="22"/>
+                                        </p:tgtEl>
+                                        <p:attrNameLst>
+                                          <p:attrName>style.visibility</p:attrName>
+                                        </p:attrNameLst>
+                                      </p:cBhvr>
+                                      <p:to>
+                                        <p:strVal val="visible"/>
+                                      </p:to>
+                                    </p:set>
+                                  </p:childTnLst>
+                                </p:cTn>
+                              </p:par>
+                              <p:par>
+                                <p:cTn id="25" presetID="1" presetClass="entr" presetSubtype="0" fill="hold" grpId="0" nodeType="withEffect">
+                                  <p:stCondLst>
+                                    <p:cond delay="0"/>
+                                  </p:stCondLst>
+                                  <p:childTnLst>
+                                    <p:set>
+                                      <p:cBhvr>
+                                        <p:cTn id="26" dur="1" fill="hold">
+                                          <p:stCondLst>
+                                            <p:cond delay="0"/>
+                                          </p:stCondLst>
+                                        </p:cTn>
+                                        <p:tgtEl>
+                                          <p:spTgt spid="24"/>
+                                        </p:tgtEl>
+                                        <p:attrNameLst>
+                                          <p:attrName>style.visibility</p:attrName>
+                                        </p:attrNameLst>
+                                      </p:cBhvr>
+                                      <p:to>
+                                        <p:strVal val="visible"/>
+                                      </p:to>
+                                    </p:set>
+                                  </p:childTnLst>
+                                </p:cTn>
+                              </p:par>
+                              <p:par>
+                                <p:cTn id="27" presetID="1" presetClass="entr" presetSubtype="0" fill="hold" grpId="0" nodeType="withEffect">
+                                  <p:stCondLst>
+                                    <p:cond delay="0"/>
+                                  </p:stCondLst>
+                                  <p:childTnLst>
+                                    <p:set>
+                                      <p:cBhvr>
+                                        <p:cTn id="28" dur="1" fill="hold">
+                                          <p:stCondLst>
+                                            <p:cond delay="0"/>
+                                          </p:stCondLst>
+                                        </p:cTn>
+                                        <p:tgtEl>
+                                          <p:spTgt spid="23"/>
+                                        </p:tgtEl>
+                                        <p:attrNameLst>
+                                          <p:attrName>style.visibility</p:attrName>
+                                        </p:attrNameLst>
+                                      </p:cBhvr>
+                                      <p:to>
+                                        <p:strVal val="visible"/>
+                                      </p:to>
+                                    </p:set>
+                                  </p:childTnLst>
+                                </p:cTn>
+                              </p:par>
+                              <p:par>
+                                <p:cTn id="29" presetID="1" presetClass="entr" presetSubtype="0" fill="hold" grpId="0" nodeType="withEffect">
+                                  <p:stCondLst>
+                                    <p:cond delay="0"/>
+                                  </p:stCondLst>
+                                  <p:childTnLst>
+                                    <p:set>
+                                      <p:cBhvr>
+                                        <p:cTn id="30" dur="1" fill="hold">
+                                          <p:stCondLst>
+                                            <p:cond delay="0"/>
+                                          </p:stCondLst>
+                                        </p:cTn>
+                                        <p:tgtEl>
+                                          <p:spTgt spid="27"/>
+                                        </p:tgtEl>
+                                        <p:attrNameLst>
+                                          <p:attrName>style.visibility</p:attrName>
+                                        </p:attrNameLst>
+                                      </p:cBhvr>
+                                      <p:to>
+                                        <p:strVal val="visible"/>
+                                      </p:to>
+                                    </p:set>
+                                  </p:childTnLst>
+                                </p:cTn>
+                              </p:par>
+                            </p:childTnLst>
+                          </p:cTn>
+                        </p:par>
+                      </p:childTnLst>
+                    </p:cTn>
+                  </p:par>
+                  <p:par>
+                    <p:cTn id="31" fill="hold">
+                      <p:stCondLst>
+                        <p:cond delay="indefinite"/>
+                      </p:stCondLst>
+                      <p:childTnLst>
+                        <p:par>
+                          <p:cTn id="32" fill="hold">
+                            <p:stCondLst>
+                              <p:cond delay="0"/>
+                            </p:stCondLst>
+                            <p:childTnLst>
+                              <p:par>
+                                <p:cTn id="33" presetID="1" presetClass="entr" presetSubtype="0" fill="hold" nodeType="clickEffect">
+                                  <p:stCondLst>
+                                    <p:cond delay="0"/>
+                                  </p:stCondLst>
+                                  <p:childTnLst>
+                                    <p:set>
+                                      <p:cBhvr>
+                                        <p:cTn id="34" dur="1" fill="hold">
+                                          <p:stCondLst>
+                                            <p:cond delay="0"/>
+                                          </p:stCondLst>
+                                        </p:cTn>
+                                        <p:tgtEl>
+                                          <p:spTgt spid="17"/>
+                                        </p:tgtEl>
+                                        <p:attrNameLst>
+                                          <p:attrName>style.visibility</p:attrName>
+                                        </p:attrNameLst>
+                                      </p:cBhvr>
+                                      <p:to>
+                                        <p:strVal val="visible"/>
+                                      </p:to>
+                                    </p:set>
+                                  </p:childTnLst>
+                                </p:cTn>
+                              </p:par>
+                              <p:par>
+                                <p:cTn id="35" presetID="1" presetClass="entr" presetSubtype="0" fill="hold" nodeType="withEffect">
+                                  <p:stCondLst>
+                                    <p:cond delay="0"/>
+                                  </p:stCondLst>
+                                  <p:childTnLst>
+                                    <p:set>
+                                      <p:cBhvr>
+                                        <p:cTn id="36" dur="1" fill="hold">
+                                          <p:stCondLst>
+                                            <p:cond delay="0"/>
+                                          </p:stCondLst>
+                                        </p:cTn>
+                                        <p:tgtEl>
+                                          <p:spTgt spid="19"/>
+                                        </p:tgtEl>
+                                        <p:attrNameLst>
+                                          <p:attrName>style.visibility</p:attrName>
+                                        </p:attrNameLst>
+                                      </p:cBhvr>
+                                      <p:to>
+                                        <p:strVal val="visible"/>
+                                      </p:to>
+                                    </p:set>
+                                  </p:childTnLst>
+                                </p:cTn>
+                              </p:par>
+                              <p:par>
+                                <p:cTn id="37" presetID="1" presetClass="entr" presetSubtype="0" fill="hold" nodeType="withEffect">
+                                  <p:stCondLst>
+                                    <p:cond delay="0"/>
+                                  </p:stCondLst>
+                                  <p:childTnLst>
+                                    <p:set>
+                                      <p:cBhvr>
+                                        <p:cTn id="38" dur="1" fill="hold">
+                                          <p:stCondLst>
+                                            <p:cond delay="0"/>
+                                          </p:stCondLst>
+                                        </p:cTn>
+                                        <p:tgtEl>
+                                          <p:spTgt spid="18"/>
+                                        </p:tgtEl>
+                                        <p:attrNameLst>
+                                          <p:attrName>style.visibility</p:attrName>
+                                        </p:attrNameLst>
+                                      </p:cBhvr>
+                                      <p:to>
+                                        <p:strVal val="visible"/>
+                                      </p:to>
+                                    </p:set>
+                                  </p:childTnLst>
+                                </p:cTn>
+                              </p:par>
+                              <p:par>
+                                <p:cTn id="39" presetID="1" presetClass="entr" presetSubtype="0" fill="hold" grpId="0" nodeType="withEffect">
+                                  <p:stCondLst>
+                                    <p:cond delay="0"/>
+                                  </p:stCondLst>
+                                  <p:childTnLst>
+                                    <p:set>
+                                      <p:cBhvr>
+                                        <p:cTn id="40" dur="1" fill="hold">
+                                          <p:stCondLst>
+                                            <p:cond delay="0"/>
+                                          </p:stCondLst>
+                                        </p:cTn>
+                                        <p:tgtEl>
+                                          <p:spTgt spid="28"/>
+                                        </p:tgtEl>
+                                        <p:attrNameLst>
+                                          <p:attrName>style.visibility</p:attrName>
+                                        </p:attrNameLst>
+                                      </p:cBhvr>
+                                      <p:to>
+                                        <p:strVal val="visible"/>
+                                      </p:to>
+                                    </p:set>
+                                  </p:childTnLst>
+                                </p:cTn>
+                              </p:par>
+                              <p:par>
+                                <p:cTn id="41" presetID="1" presetClass="entr" presetSubtype="0" fill="hold" grpId="0" nodeType="withEffect">
+                                  <p:stCondLst>
+                                    <p:cond delay="0"/>
+                                  </p:stCondLst>
+                                  <p:childTnLst>
+                                    <p:set>
+                                      <p:cBhvr>
+                                        <p:cTn id="42" dur="1" fill="hold">
+                                          <p:stCondLst>
+                                            <p:cond delay="0"/>
+                                          </p:stCondLst>
+                                        </p:cTn>
+                                        <p:tgtEl>
+                                          <p:spTgt spid="29"/>
+                                        </p:tgtEl>
+                                        <p:attrNameLst>
+                                          <p:attrName>style.visibility</p:attrName>
+                                        </p:attrNameLst>
+                                      </p:cBhvr>
+                                      <p:to>
+                                        <p:strVal val="visible"/>
+                                      </p:to>
+                                    </p:set>
+                                  </p:childTnLst>
+                                </p:cTn>
+                              </p:par>
+                            </p:childTnLst>
+                          </p:cTn>
+                        </p:par>
+                      </p:childTnLst>
+                    </p:cTn>
+                  </p:par>
+                  <p:par>
+                    <p:cTn id="43" fill="hold">
+                      <p:stCondLst>
+                        <p:cond delay="indefinite"/>
+                      </p:stCondLst>
+                      <p:childTnLst>
+                        <p:par>
+                          <p:cTn id="44" fill="hold">
+                            <p:stCondLst>
+                              <p:cond delay="0"/>
+                            </p:stCondLst>
+                            <p:childTnLst>
+                              <p:par>
+                                <p:cTn id="45" presetID="1" presetClass="exit" presetSubtype="0" fill="hold" grpId="1" nodeType="clickEffect">
+                                  <p:stCondLst>
+                                    <p:cond delay="0"/>
+                                  </p:stCondLst>
+                                  <p:childTnLst>
+                                    <p:set>
+                                      <p:cBhvr>
+                                        <p:cTn id="46" dur="1" fill="hold">
+                                          <p:stCondLst>
+                                            <p:cond delay="0"/>
+                                          </p:stCondLst>
+                                        </p:cTn>
+                                        <p:tgtEl>
+                                          <p:spTgt spid="28"/>
+                                        </p:tgtEl>
+                                        <p:attrNameLst>
+                                          <p:attrName>style.visibility</p:attrName>
+                                        </p:attrNameLst>
+                                      </p:cBhvr>
+                                      <p:to>
+                                        <p:strVal val="hidden"/>
+                                      </p:to>
+                                    </p:set>
+                                  </p:childTnLst>
+                                </p:cTn>
+                              </p:par>
+                              <p:par>
+                                <p:cTn id="47" presetID="1" presetClass="exit" presetSubtype="0" fill="hold" grpId="1" nodeType="withEffect">
+                                  <p:stCondLst>
+                                    <p:cond delay="0"/>
+                                  </p:stCondLst>
+                                  <p:childTnLst>
+                                    <p:set>
+                                      <p:cBhvr>
+                                        <p:cTn id="48" dur="1" fill="hold">
+                                          <p:stCondLst>
+                                            <p:cond delay="0"/>
+                                          </p:stCondLst>
+                                        </p:cTn>
+                                        <p:tgtEl>
+                                          <p:spTgt spid="29"/>
+                                        </p:tgtEl>
+                                        <p:attrNameLst>
+                                          <p:attrName>style.visibility</p:attrName>
+                                        </p:attrNameLst>
+                                      </p:cBhvr>
+                                      <p:to>
+                                        <p:strVal val="hidden"/>
+                                      </p:to>
+                                    </p:set>
+                                  </p:childTnLst>
+                                </p:cTn>
+                              </p:par>
+                              <p:par>
+                                <p:cTn id="49" presetID="1" presetClass="entr" presetSubtype="0" fill="hold" grpId="0" nodeType="withEffect">
+                                  <p:stCondLst>
+                                    <p:cond delay="0"/>
+                                  </p:stCondLst>
+                                  <p:childTnLst>
+                                    <p:set>
+                                      <p:cBhvr>
+                                        <p:cTn id="50" dur="1" fill="hold">
+                                          <p:stCondLst>
+                                            <p:cond delay="0"/>
+                                          </p:stCondLst>
+                                        </p:cTn>
+                                        <p:tgtEl>
+                                          <p:spTgt spid="20"/>
+                                        </p:tgtEl>
+                                        <p:attrNameLst>
+                                          <p:attrName>style.visibility</p:attrName>
+                                        </p:attrNameLst>
+                                      </p:cBhvr>
+                                      <p:to>
+                                        <p:strVal val="visible"/>
+                                      </p:to>
+                                    </p:set>
+                                  </p:childTnLst>
+                                </p:cTn>
+                              </p:par>
+                              <p:par>
+                                <p:cTn id="51" presetID="1" presetClass="entr" presetSubtype="0" fill="hold" grpId="0" nodeType="withEffect">
+                                  <p:stCondLst>
+                                    <p:cond delay="0"/>
+                                  </p:stCondLst>
+                                  <p:childTnLst>
+                                    <p:set>
+                                      <p:cBhvr>
+                                        <p:cTn id="52" dur="1" fill="hold">
+                                          <p:stCondLst>
+                                            <p:cond delay="0"/>
+                                          </p:stCondLst>
+                                        </p:cTn>
+                                        <p:tgtEl>
+                                          <p:spTgt spid="25"/>
+                                        </p:tgtEl>
+                                        <p:attrNameLst>
+                                          <p:attrName>style.visibility</p:attrName>
+                                        </p:attrNameLst>
+                                      </p:cBhvr>
+                                      <p:to>
+                                        <p:strVal val="visible"/>
+                                      </p:to>
+                                    </p:set>
+                                  </p:childTnLst>
+                                </p:cTn>
+                              </p:par>
+                              <p:par>
+                                <p:cTn id="53" presetID="1" presetClass="entr" presetSubtype="0" fill="hold" grpId="0" nodeType="withEffect">
+                                  <p:stCondLst>
+                                    <p:cond delay="0"/>
+                                  </p:stCondLst>
+                                  <p:childTnLst>
+                                    <p:set>
+                                      <p:cBhvr>
+                                        <p:cTn id="54" dur="1" fill="hold">
+                                          <p:stCondLst>
+                                            <p:cond delay="0"/>
+                                          </p:stCondLst>
+                                        </p:cTn>
+                                        <p:tgtEl>
+                                          <p:spTgt spid="30"/>
+                                        </p:tgtEl>
+                                        <p:attrNameLst>
+                                          <p:attrName>style.visibility</p:attrName>
+                                        </p:attrNameLst>
+                                      </p:cBhvr>
+                                      <p:to>
+                                        <p:strVal val="visible"/>
+                                      </p:to>
+                                    </p:set>
+                                  </p:childTnLst>
+                                </p:cTn>
+                              </p:par>
+                              <p:par>
+                                <p:cTn id="55" presetID="1" presetClass="entr" presetSubtype="0" fill="hold" grpId="0" nodeType="withEffect">
+                                  <p:stCondLst>
+                                    <p:cond delay="0"/>
+                                  </p:stCondLst>
+                                  <p:childTnLst>
+                                    <p:set>
+                                      <p:cBhvr>
+                                        <p:cTn id="56" dur="1" fill="hold">
+                                          <p:stCondLst>
+                                            <p:cond delay="0"/>
+                                          </p:stCondLst>
+                                        </p:cTn>
+                                        <p:tgtEl>
+                                          <p:spTgt spid="41"/>
+                                        </p:tgtEl>
+                                        <p:attrNameLst>
+                                          <p:attrName>style.visibility</p:attrName>
+                                        </p:attrNameLst>
+                                      </p:cBhvr>
+                                      <p:to>
+                                        <p:strVal val="visible"/>
+                                      </p:to>
+                                    </p:set>
+                                  </p:childTnLst>
+                                </p:cTn>
+                              </p:par>
+                            </p:childTnLst>
+                          </p:cTn>
+                        </p:par>
+                      </p:childTnLst>
+                    </p:cTn>
+                  </p:par>
+                  <p:par>
+                    <p:cTn id="57" fill="hold">
+                      <p:stCondLst>
+                        <p:cond delay="indefinite"/>
+                      </p:stCondLst>
+                      <p:childTnLst>
+                        <p:par>
+                          <p:cTn id="58" fill="hold">
+                            <p:stCondLst>
+                              <p:cond delay="0"/>
+                            </p:stCondLst>
+                            <p:childTnLst>
+                              <p:par>
+                                <p:cTn id="59" presetID="1" presetClass="exit" presetSubtype="0" fill="hold" grpId="1" nodeType="clickEffect">
+                                  <p:stCondLst>
+                                    <p:cond delay="0"/>
+                                  </p:stCondLst>
+                                  <p:childTnLst>
+                                    <p:set>
+                                      <p:cBhvr>
+                                        <p:cTn id="60" dur="1" fill="hold">
+                                          <p:stCondLst>
+                                            <p:cond delay="0"/>
+                                          </p:stCondLst>
+                                        </p:cTn>
+                                        <p:tgtEl>
+                                          <p:spTgt spid="30"/>
+                                        </p:tgtEl>
+                                        <p:attrNameLst>
+                                          <p:attrName>style.visibility</p:attrName>
+                                        </p:attrNameLst>
+                                      </p:cBhvr>
+                                      <p:to>
+                                        <p:strVal val="hidden"/>
+                                      </p:to>
+                                    </p:set>
+                                  </p:childTnLst>
+                                </p:cTn>
+                              </p:par>
+                              <p:par>
+                                <p:cTn id="61" presetID="1" presetClass="entr" presetSubtype="0" fill="hold" grpId="0" nodeType="withEffect">
+                                  <p:stCondLst>
+                                    <p:cond delay="0"/>
+                                  </p:stCondLst>
+                                  <p:childTnLst>
+                                    <p:set>
+                                      <p:cBhvr>
+                                        <p:cTn id="62" dur="1" fill="hold">
+                                          <p:stCondLst>
+                                            <p:cond delay="0"/>
+                                          </p:stCondLst>
+                                        </p:cTn>
+                                        <p:tgtEl>
+                                          <p:spTgt spid="31"/>
+                                        </p:tgtEl>
+                                        <p:attrNameLst>
+                                          <p:attrName>style.visibility</p:attrName>
+                                        </p:attrNameLst>
+                                      </p:cBhvr>
+                                      <p:to>
+                                        <p:strVal val="visible"/>
+                                      </p:to>
+                                    </p:set>
+                                  </p:childTnLst>
+                                </p:cTn>
+                              </p:par>
+                              <p:par>
+                                <p:cTn id="63" presetID="1" presetClass="entr" presetSubtype="0" fill="hold" grpId="0" nodeType="withEffect">
+                                  <p:stCondLst>
+                                    <p:cond delay="0"/>
+                                  </p:stCondLst>
+                                  <p:childTnLst>
+                                    <p:set>
+                                      <p:cBhvr>
+                                        <p:cTn id="64" dur="1" fill="hold">
+                                          <p:stCondLst>
+                                            <p:cond delay="0"/>
+                                          </p:stCondLst>
+                                        </p:cTn>
+                                        <p:tgtEl>
+                                          <p:spTgt spid="21"/>
+                                        </p:tgtEl>
+                                        <p:attrNameLst>
+                                          <p:attrName>style.visibility</p:attrName>
+                                        </p:attrNameLst>
+                                      </p:cBhvr>
+                                      <p:to>
+                                        <p:strVal val="visible"/>
+                                      </p:to>
+                                    </p:set>
+                                  </p:childTnLst>
+                                </p:cTn>
+                              </p:par>
+                              <p:par>
+                                <p:cTn id="65" presetID="1" presetClass="entr" presetSubtype="0" fill="hold" grpId="0" nodeType="withEffect">
+                                  <p:stCondLst>
+                                    <p:cond delay="0"/>
+                                  </p:stCondLst>
+                                  <p:childTnLst>
+                                    <p:set>
+                                      <p:cBhvr>
+                                        <p:cTn id="66" dur="1" fill="hold">
+                                          <p:stCondLst>
+                                            <p:cond delay="0"/>
+                                          </p:stCondLst>
+                                        </p:cTn>
+                                        <p:tgtEl>
+                                          <p:spTgt spid="26"/>
+                                        </p:tgtEl>
+                                        <p:attrNameLst>
+                                          <p:attrName>style.visibility</p:attrName>
+                                        </p:attrNameLst>
+                                      </p:cBhvr>
+                                      <p:to>
+                                        <p:strVal val="visible"/>
+                                      </p:to>
+                                    </p:set>
+                                  </p:childTnLst>
+                                </p:cTn>
+                              </p:par>
+                              <p:par>
+                                <p:cTn id="67" presetID="1" presetClass="entr" presetSubtype="0" fill="hold" grpId="0" nodeType="withEffect">
+                                  <p:stCondLst>
+                                    <p:cond delay="0"/>
+                                  </p:stCondLst>
+                                  <p:childTnLst>
+                                    <p:set>
+                                      <p:cBhvr>
+                                        <p:cTn id="68" dur="1" fill="hold">
+                                          <p:stCondLst>
+                                            <p:cond delay="0"/>
+                                          </p:stCondLst>
+                                        </p:cTn>
+                                        <p:tgtEl>
+                                          <p:spTgt spid="43"/>
+                                        </p:tgtEl>
+                                        <p:attrNameLst>
+                                          <p:attrName>style.visibility</p:attrName>
+                                        </p:attrNameLst>
+                                      </p:cBhvr>
+                                      <p:to>
+                                        <p:strVal val="visible"/>
+                                      </p:to>
+                                    </p:set>
+                                  </p:childTnLst>
+                                </p:cTn>
+                              </p:par>
+                            </p:childTnLst>
+                          </p:cTn>
+                        </p:par>
+                      </p:childTnLst>
+                    </p:cTn>
+                  </p:par>
+                  <p:par>
+                    <p:cTn id="69" fill="hold">
+                      <p:stCondLst>
+                        <p:cond delay="indefinite"/>
+                      </p:stCondLst>
+                      <p:childTnLst>
+                        <p:par>
+                          <p:cTn id="70" fill="hold">
+                            <p:stCondLst>
+                              <p:cond delay="0"/>
+                            </p:stCondLst>
+                            <p:childTnLst>
+                              <p:par>
+                                <p:cTn id="71" presetID="1" presetClass="entr" presetSubtype="0" fill="hold" nodeType="clickEffect">
+                                  <p:stCondLst>
+                                    <p:cond delay="0"/>
+                                  </p:stCondLst>
+                                  <p:childTnLst>
+                                    <p:set>
+                                      <p:cBhvr>
+                                        <p:cTn id="72" dur="1" fill="hold">
+                                          <p:stCondLst>
+                                            <p:cond delay="0"/>
+                                          </p:stCondLst>
+                                        </p:cTn>
+                                        <p:tgtEl>
+                                          <p:spTgt spid="32"/>
+                                        </p:tgtEl>
+                                        <p:attrNameLst>
+                                          <p:attrName>style.visibility</p:attrName>
+                                        </p:attrNameLst>
+                                      </p:cBhvr>
+                                      <p:to>
+                                        <p:strVal val="visible"/>
+                                      </p:to>
+                                    </p:set>
+                                  </p:childTnLst>
+                                </p:cTn>
+                              </p:par>
+                            </p:childTnLst>
+                          </p:cTn>
+                        </p:par>
+                      </p:childTnLst>
+                    </p:cTn>
+                  </p:par>
+                  <p:par>
+                    <p:cTn id="73" fill="hold">
+                      <p:stCondLst>
+                        <p:cond delay="indefinite"/>
+                      </p:stCondLst>
+                      <p:childTnLst>
+                        <p:par>
+                          <p:cTn id="74" fill="hold">
+                            <p:stCondLst>
+                              <p:cond delay="0"/>
+                            </p:stCondLst>
+                            <p:childTnLst>
+                              <p:par>
+                                <p:cTn id="75" presetID="1" presetClass="exit" presetSubtype="0" fill="hold" grpId="1" nodeType="clickEffect">
+                                  <p:stCondLst>
+                                    <p:cond delay="0"/>
+                                  </p:stCondLst>
+                                  <p:childTnLst>
+                                    <p:set>
+                                      <p:cBhvr>
+                                        <p:cTn id="76" dur="1" fill="hold">
+                                          <p:stCondLst>
+                                            <p:cond delay="0"/>
+                                          </p:stCondLst>
+                                        </p:cTn>
+                                        <p:tgtEl>
+                                          <p:spTgt spid="31"/>
+                                        </p:tgtEl>
+                                        <p:attrNameLst>
+                                          <p:attrName>style.visibility</p:attrName>
+                                        </p:attrNameLst>
+                                      </p:cBhvr>
+                                      <p:to>
+                                        <p:strVal val="hidden"/>
+                                      </p:to>
+                                    </p:set>
+                                  </p:childTnLst>
+                                </p:cTn>
+                              </p:par>
+                              <p:par>
+                                <p:cTn id="77" presetID="1" presetClass="exit" presetSubtype="0" fill="hold" grpId="1" nodeType="withEffect">
+                                  <p:stCondLst>
+                                    <p:cond delay="0"/>
+                                  </p:stCondLst>
+                                  <p:childTnLst>
+                                    <p:set>
+                                      <p:cBhvr>
+                                        <p:cTn id="78" dur="1" fill="hold">
+                                          <p:stCondLst>
+                                            <p:cond delay="0"/>
+                                          </p:stCondLst>
+                                        </p:cTn>
+                                        <p:tgtEl>
+                                          <p:spTgt spid="26"/>
+                                        </p:tgtEl>
+                                        <p:attrNameLst>
+                                          <p:attrName>style.visibility</p:attrName>
+                                        </p:attrNameLst>
+                                      </p:cBhvr>
+                                      <p:to>
+                                        <p:strVal val="hidden"/>
+                                      </p:to>
+                                    </p:set>
+                                  </p:childTnLst>
+                                </p:cTn>
+                              </p:par>
+                              <p:par>
+                                <p:cTn id="79" presetID="1" presetClass="exit" presetSubtype="0" fill="hold" grpId="1" nodeType="withEffect">
+                                  <p:stCondLst>
+                                    <p:cond delay="0"/>
+                                  </p:stCondLst>
+                                  <p:childTnLst>
+                                    <p:set>
+                                      <p:cBhvr>
+                                        <p:cTn id="80" dur="1" fill="hold">
+                                          <p:stCondLst>
+                                            <p:cond delay="0"/>
+                                          </p:stCondLst>
+                                        </p:cTn>
+                                        <p:tgtEl>
+                                          <p:spTgt spid="21"/>
+                                        </p:tgtEl>
+                                        <p:attrNameLst>
+                                          <p:attrName>style.visibility</p:attrName>
+                                        </p:attrNameLst>
+                                      </p:cBhvr>
+                                      <p:to>
+                                        <p:strVal val="hidden"/>
+                                      </p:to>
+                                    </p:set>
+                                  </p:childTnLst>
+                                </p:cTn>
+                              </p:par>
+                              <p:par>
+                                <p:cTn id="81" presetID="1" presetClass="entr" presetSubtype="0" fill="hold" grpId="0" nodeType="withEffect">
+                                  <p:stCondLst>
+                                    <p:cond delay="0"/>
+                                  </p:stCondLst>
+                                  <p:childTnLst>
+                                    <p:set>
+                                      <p:cBhvr>
+                                        <p:cTn id="82" dur="1" fill="hold">
+                                          <p:stCondLst>
+                                            <p:cond delay="0"/>
+                                          </p:stCondLst>
+                                        </p:cTn>
+                                        <p:tgtEl>
+                                          <p:spTgt spid="33"/>
+                                        </p:tgtEl>
+                                        <p:attrNameLst>
+                                          <p:attrName>style.visibility</p:attrName>
+                                        </p:attrNameLst>
+                                      </p:cBhvr>
+                                      <p:to>
+                                        <p:strVal val="visible"/>
+                                      </p:to>
+                                    </p:set>
+                                  </p:childTnLst>
+                                </p:cTn>
+                              </p:par>
+                              <p:par>
+                                <p:cTn id="83" presetID="1" presetClass="exit" presetSubtype="0" fill="hold" nodeType="withEffect">
+                                  <p:stCondLst>
+                                    <p:cond delay="0"/>
+                                  </p:stCondLst>
+                                  <p:childTnLst>
+                                    <p:set>
+                                      <p:cBhvr>
+                                        <p:cTn id="84" dur="1" fill="hold">
+                                          <p:stCondLst>
+                                            <p:cond delay="0"/>
+                                          </p:stCondLst>
+                                        </p:cTn>
+                                        <p:tgtEl>
+                                          <p:spTgt spid="32"/>
+                                        </p:tgtEl>
+                                        <p:attrNameLst>
+                                          <p:attrName>style.visibility</p:attrName>
+                                        </p:attrNameLst>
+                                      </p:cBhvr>
+                                      <p:to>
+                                        <p:strVal val="hidden"/>
+                                      </p:to>
+                                    </p:set>
+                                  </p:childTnLst>
+                                </p:cTn>
+                              </p:par>
+                              <p:par>
+                                <p:cTn id="85" presetID="1" presetClass="exit" presetSubtype="0" fill="hold" grpId="1" nodeType="withEffect">
+                                  <p:stCondLst>
+                                    <p:cond delay="0"/>
+                                  </p:stCondLst>
+                                  <p:childTnLst>
+                                    <p:set>
+                                      <p:cBhvr>
+                                        <p:cTn id="86" dur="1" fill="hold">
+                                          <p:stCondLst>
+                                            <p:cond delay="0"/>
+                                          </p:stCondLst>
+                                        </p:cTn>
+                                        <p:tgtEl>
+                                          <p:spTgt spid="43"/>
+                                        </p:tgtEl>
+                                        <p:attrNameLst>
+                                          <p:attrName>style.visibility</p:attrName>
+                                        </p:attrNameLst>
+                                      </p:cBhvr>
+                                      <p:to>
+                                        <p:strVal val="hidden"/>
+                                      </p:to>
+                                    </p:set>
+                                  </p:childTnLst>
+                                </p:cTn>
+                              </p:par>
+                            </p:childTnLst>
+                          </p:cTn>
+                        </p:par>
+                      </p:childTnLst>
+                    </p:cTn>
+                  </p:par>
+                  <p:par>
+                    <p:cTn id="87" fill="hold">
+                      <p:stCondLst>
+                        <p:cond delay="indefinite"/>
+                      </p:stCondLst>
+                      <p:childTnLst>
+                        <p:par>
+                          <p:cTn id="88" fill="hold">
+                            <p:stCondLst>
+                              <p:cond delay="0"/>
+                            </p:stCondLst>
+                            <p:childTnLst>
+                              <p:par>
+                                <p:cTn id="89" presetID="1" presetClass="entr" presetSubtype="0" fill="hold" grpId="0" nodeType="clickEffect">
+                                  <p:stCondLst>
+                                    <p:cond delay="0"/>
+                                  </p:stCondLst>
+                                  <p:childTnLst>
+                                    <p:set>
+                                      <p:cBhvr>
+                                        <p:cTn id="90" dur="1" fill="hold">
+                                          <p:stCondLst>
+                                            <p:cond delay="0"/>
+                                          </p:stCondLst>
+                                        </p:cTn>
+                                        <p:tgtEl>
+                                          <p:spTgt spid="34"/>
+                                        </p:tgtEl>
+                                        <p:attrNameLst>
+                                          <p:attrName>style.visibility</p:attrName>
+                                        </p:attrNameLst>
+                                      </p:cBhvr>
+                                      <p:to>
+                                        <p:strVal val="visible"/>
+                                      </p:to>
+                                    </p:set>
+                                  </p:childTnLst>
+                                </p:cTn>
+                              </p:par>
+                              <p:par>
+                                <p:cTn id="91" presetID="1" presetClass="entr" presetSubtype="0" fill="hold" grpId="0" nodeType="withEffect">
+                                  <p:stCondLst>
+                                    <p:cond delay="0"/>
+                                  </p:stCondLst>
+                                  <p:childTnLst>
+                                    <p:set>
+                                      <p:cBhvr>
+                                        <p:cTn id="92" dur="1" fill="hold">
+                                          <p:stCondLst>
+                                            <p:cond delay="0"/>
+                                          </p:stCondLst>
+                                        </p:cTn>
+                                        <p:tgtEl>
+                                          <p:spTgt spid="35"/>
+                                        </p:tgtEl>
+                                        <p:attrNameLst>
+                                          <p:attrName>style.visibility</p:attrName>
+                                        </p:attrNameLst>
+                                      </p:cBhvr>
+                                      <p:to>
+                                        <p:strVal val="visible"/>
+                                      </p:to>
+                                    </p:set>
+                                  </p:childTnLst>
+                                </p:cTn>
+                              </p:par>
+                            </p:childTnLst>
+                          </p:cTn>
+                        </p:par>
+                      </p:childTnLst>
+                    </p:cTn>
+                  </p:par>
+                  <p:par>
+                    <p:cTn id="93" fill="hold">
+                      <p:stCondLst>
+                        <p:cond delay="indefinite"/>
+                      </p:stCondLst>
+                      <p:childTnLst>
+                        <p:par>
+                          <p:cTn id="94" fill="hold">
+                            <p:stCondLst>
+                              <p:cond delay="0"/>
+                            </p:stCondLst>
+                            <p:childTnLst>
+                              <p:par>
+                                <p:cTn id="95" presetID="1" presetClass="entr" presetSubtype="0" fill="hold" nodeType="clickEffect">
+                                  <p:stCondLst>
+                                    <p:cond delay="0"/>
+                                  </p:stCondLst>
+                                  <p:childTnLst>
+                                    <p:set>
+                                      <p:cBhvr>
+                                        <p:cTn id="96" dur="1" fill="hold">
+                                          <p:stCondLst>
+                                            <p:cond delay="0"/>
+                                          </p:stCondLst>
+                                        </p:cTn>
+                                        <p:tgtEl>
+                                          <p:spTgt spid="36"/>
+                                        </p:tgtEl>
+                                        <p:attrNameLst>
+                                          <p:attrName>style.visibility</p:attrName>
+                                        </p:attrNameLst>
+                                      </p:cBhvr>
+                                      <p:to>
+                                        <p:strVal val="visible"/>
+                                      </p:to>
+                                    </p:set>
+                                  </p:childTnLst>
+                                </p:cTn>
+                              </p:par>
+                            </p:childTnLst>
+                          </p:cTn>
+                        </p:par>
+                      </p:childTnLst>
+                    </p:cTn>
+                  </p:par>
+                  <p:par>
+                    <p:cTn id="97" fill="hold">
+                      <p:stCondLst>
+                        <p:cond delay="indefinite"/>
+                      </p:stCondLst>
+                      <p:childTnLst>
+                        <p:par>
+                          <p:cTn id="98" fill="hold">
+                            <p:stCondLst>
+                              <p:cond delay="0"/>
+                            </p:stCondLst>
+                            <p:childTnLst>
+                              <p:par>
+                                <p:cTn id="99" presetID="1" presetClass="exit" presetSubtype="0" fill="hold" nodeType="clickEffect">
+                                  <p:stCondLst>
+                                    <p:cond delay="0"/>
+                                  </p:stCondLst>
+                                  <p:childTnLst>
+                                    <p:set>
+                                      <p:cBhvr>
+                                        <p:cTn id="100" dur="1" fill="hold">
+                                          <p:stCondLst>
+                                            <p:cond delay="0"/>
+                                          </p:stCondLst>
+                                        </p:cTn>
+                                        <p:tgtEl>
+                                          <p:spTgt spid="36"/>
+                                        </p:tgtEl>
+                                        <p:attrNameLst>
+                                          <p:attrName>style.visibility</p:attrName>
+                                        </p:attrNameLst>
+                                      </p:cBhvr>
+                                      <p:to>
+                                        <p:strVal val="hidden"/>
+                                      </p:to>
+                                    </p:set>
+                                  </p:childTnLst>
+                                </p:cTn>
+                              </p:par>
+                              <p:par>
+                                <p:cTn id="101" presetID="1" presetClass="exit" presetSubtype="0" fill="hold" grpId="1" nodeType="withEffect">
+                                  <p:stCondLst>
+                                    <p:cond delay="0"/>
+                                  </p:stCondLst>
+                                  <p:childTnLst>
+                                    <p:set>
+                                      <p:cBhvr>
+                                        <p:cTn id="102" dur="1" fill="hold">
+                                          <p:stCondLst>
+                                            <p:cond delay="0"/>
+                                          </p:stCondLst>
+                                        </p:cTn>
+                                        <p:tgtEl>
+                                          <p:spTgt spid="20"/>
+                                        </p:tgtEl>
+                                        <p:attrNameLst>
+                                          <p:attrName>style.visibility</p:attrName>
+                                        </p:attrNameLst>
+                                      </p:cBhvr>
+                                      <p:to>
+                                        <p:strVal val="hidden"/>
+                                      </p:to>
+                                    </p:set>
+                                  </p:childTnLst>
+                                </p:cTn>
+                              </p:par>
+                              <p:par>
+                                <p:cTn id="103" presetID="1" presetClass="exit" presetSubtype="0" fill="hold" grpId="1" nodeType="withEffect">
+                                  <p:stCondLst>
+                                    <p:cond delay="0"/>
+                                  </p:stCondLst>
+                                  <p:childTnLst>
+                                    <p:set>
+                                      <p:cBhvr>
+                                        <p:cTn id="104" dur="1" fill="hold">
+                                          <p:stCondLst>
+                                            <p:cond delay="0"/>
+                                          </p:stCondLst>
+                                        </p:cTn>
+                                        <p:tgtEl>
+                                          <p:spTgt spid="25"/>
+                                        </p:tgtEl>
+                                        <p:attrNameLst>
+                                          <p:attrName>style.visibility</p:attrName>
+                                        </p:attrNameLst>
+                                      </p:cBhvr>
+                                      <p:to>
+                                        <p:strVal val="hidden"/>
+                                      </p:to>
+                                    </p:set>
+                                  </p:childTnLst>
+                                </p:cTn>
+                              </p:par>
+                              <p:par>
+                                <p:cTn id="105" presetID="1" presetClass="exit" presetSubtype="0" fill="hold" grpId="1" nodeType="withEffect">
+                                  <p:stCondLst>
+                                    <p:cond delay="0"/>
+                                  </p:stCondLst>
+                                  <p:childTnLst>
+                                    <p:set>
+                                      <p:cBhvr>
+                                        <p:cTn id="106" dur="1" fill="hold">
+                                          <p:stCondLst>
+                                            <p:cond delay="0"/>
+                                          </p:stCondLst>
+                                        </p:cTn>
+                                        <p:tgtEl>
+                                          <p:spTgt spid="34"/>
+                                        </p:tgtEl>
+                                        <p:attrNameLst>
+                                          <p:attrName>style.visibility</p:attrName>
+                                        </p:attrNameLst>
+                                      </p:cBhvr>
+                                      <p:to>
+                                        <p:strVal val="hidden"/>
+                                      </p:to>
+                                    </p:set>
+                                  </p:childTnLst>
+                                </p:cTn>
+                              </p:par>
+                              <p:par>
+                                <p:cTn id="107" presetID="1" presetClass="exit" presetSubtype="0" fill="hold" grpId="1" nodeType="withEffect">
+                                  <p:stCondLst>
+                                    <p:cond delay="0"/>
+                                  </p:stCondLst>
+                                  <p:childTnLst>
+                                    <p:set>
+                                      <p:cBhvr>
+                                        <p:cTn id="108" dur="1" fill="hold">
+                                          <p:stCondLst>
+                                            <p:cond delay="0"/>
+                                          </p:stCondLst>
+                                        </p:cTn>
+                                        <p:tgtEl>
+                                          <p:spTgt spid="35"/>
+                                        </p:tgtEl>
+                                        <p:attrNameLst>
+                                          <p:attrName>style.visibility</p:attrName>
+                                        </p:attrNameLst>
+                                      </p:cBhvr>
+                                      <p:to>
+                                        <p:strVal val="hidden"/>
+                                      </p:to>
+                                    </p:set>
+                                  </p:childTnLst>
+                                </p:cTn>
+                              </p:par>
+                              <p:par>
+                                <p:cTn id="109" presetID="1" presetClass="exit" presetSubtype="0" fill="hold" grpId="1" nodeType="withEffect">
+                                  <p:stCondLst>
+                                    <p:cond delay="0"/>
+                                  </p:stCondLst>
+                                  <p:childTnLst>
+                                    <p:set>
+                                      <p:cBhvr>
+                                        <p:cTn id="110" dur="1" fill="hold">
+                                          <p:stCondLst>
+                                            <p:cond delay="0"/>
+                                          </p:stCondLst>
+                                        </p:cTn>
+                                        <p:tgtEl>
+                                          <p:spTgt spid="33"/>
+                                        </p:tgtEl>
+                                        <p:attrNameLst>
+                                          <p:attrName>style.visibility</p:attrName>
+                                        </p:attrNameLst>
+                                      </p:cBhvr>
+                                      <p:to>
+                                        <p:strVal val="hidden"/>
+                                      </p:to>
+                                    </p:set>
+                                  </p:childTnLst>
+                                </p:cTn>
+                              </p:par>
+                              <p:par>
+                                <p:cTn id="111" presetID="1" presetClass="exit" presetSubtype="0" fill="hold" grpId="1" nodeType="withEffect">
+                                  <p:stCondLst>
+                                    <p:cond delay="0"/>
+                                  </p:stCondLst>
+                                  <p:childTnLst>
+                                    <p:set>
+                                      <p:cBhvr>
+                                        <p:cTn id="112" dur="1" fill="hold">
+                                          <p:stCondLst>
+                                            <p:cond delay="0"/>
+                                          </p:stCondLst>
+                                        </p:cTn>
+                                        <p:tgtEl>
+                                          <p:spTgt spid="41"/>
+                                        </p:tgtEl>
+                                        <p:attrNameLst>
+                                          <p:attrName>style.visibility</p:attrName>
+                                        </p:attrNameLst>
+                                      </p:cBhvr>
+                                      <p:to>
+                                        <p:strVal val="hidden"/>
+                                      </p:to>
+                                    </p:set>
+                                  </p:childTnLst>
+                                </p:cTn>
+                              </p:par>
+                            </p:childTnLst>
+                          </p:cTn>
+                        </p:par>
+                      </p:childTnLst>
+                    </p:cTn>
+                  </p:par>
+                  <p:par>
+                    <p:cTn id="113" fill="hold">
+                      <p:stCondLst>
+                        <p:cond delay="indefinite"/>
+                      </p:stCondLst>
+                      <p:childTnLst>
+                        <p:par>
+                          <p:cTn id="114" fill="hold">
+                            <p:stCondLst>
+                              <p:cond delay="0"/>
+                            </p:stCondLst>
+                            <p:childTnLst>
+                              <p:par>
+                                <p:cTn id="115" presetID="1" presetClass="entr" presetSubtype="0" fill="hold" grpId="0" nodeType="clickEffect">
+                                  <p:stCondLst>
+                                    <p:cond delay="0"/>
+                                  </p:stCondLst>
+                                  <p:childTnLst>
+                                    <p:set>
+                                      <p:cBhvr>
+                                        <p:cTn id="116" dur="1" fill="hold">
+                                          <p:stCondLst>
+                                            <p:cond delay="0"/>
+                                          </p:stCondLst>
+                                        </p:cTn>
+                                        <p:tgtEl>
+                                          <p:spTgt spid="37"/>
+                                        </p:tgtEl>
+                                        <p:attrNameLst>
+                                          <p:attrName>style.visibility</p:attrName>
+                                        </p:attrNameLst>
+                                      </p:cBhvr>
+                                      <p:to>
+                                        <p:strVal val="visible"/>
+                                      </p:to>
+                                    </p:set>
+                                  </p:childTnLst>
+                                </p:cTn>
+                              </p:par>
+                              <p:par>
+                                <p:cTn id="117" presetID="1" presetClass="entr" presetSubtype="0" fill="hold" grpId="2" nodeType="withEffect">
+                                  <p:stCondLst>
+                                    <p:cond delay="0"/>
+                                  </p:stCondLst>
+                                  <p:childTnLst>
+                                    <p:set>
+                                      <p:cBhvr>
+                                        <p:cTn id="118" dur="1" fill="hold">
+                                          <p:stCondLst>
+                                            <p:cond delay="0"/>
+                                          </p:stCondLst>
+                                        </p:cTn>
+                                        <p:tgtEl>
+                                          <p:spTgt spid="21"/>
+                                        </p:tgtEl>
+                                        <p:attrNameLst>
+                                          <p:attrName>style.visibility</p:attrName>
+                                        </p:attrNameLst>
+                                      </p:cBhvr>
+                                      <p:to>
+                                        <p:strVal val="visible"/>
+                                      </p:to>
+                                    </p:set>
+                                  </p:childTnLst>
+                                </p:cTn>
+                              </p:par>
+                              <p:par>
+                                <p:cTn id="119" presetID="1" presetClass="entr" presetSubtype="0" fill="hold" grpId="2" nodeType="withEffect">
+                                  <p:stCondLst>
+                                    <p:cond delay="0"/>
+                                  </p:stCondLst>
+                                  <p:childTnLst>
+                                    <p:set>
+                                      <p:cBhvr>
+                                        <p:cTn id="120" dur="1" fill="hold">
+                                          <p:stCondLst>
+                                            <p:cond delay="0"/>
+                                          </p:stCondLst>
+                                        </p:cTn>
+                                        <p:tgtEl>
+                                          <p:spTgt spid="26"/>
+                                        </p:tgtEl>
+                                        <p:attrNameLst>
+                                          <p:attrName>style.visibility</p:attrName>
+                                        </p:attrNameLst>
+                                      </p:cBhvr>
+                                      <p:to>
+                                        <p:strVal val="visible"/>
+                                      </p:to>
+                                    </p:set>
+                                  </p:childTnLst>
+                                </p:cTn>
+                              </p:par>
+                              <p:par>
+                                <p:cTn id="121" presetID="1" presetClass="entr" presetSubtype="0" fill="hold" grpId="2" nodeType="withEffect">
+                                  <p:stCondLst>
+                                    <p:cond delay="0"/>
+                                  </p:stCondLst>
+                                  <p:childTnLst>
+                                    <p:set>
+                                      <p:cBhvr>
+                                        <p:cTn id="122" dur="1" fill="hold">
+                                          <p:stCondLst>
+                                            <p:cond delay="0"/>
+                                          </p:stCondLst>
+                                        </p:cTn>
+                                        <p:tgtEl>
+                                          <p:spTgt spid="34"/>
+                                        </p:tgtEl>
+                                        <p:attrNameLst>
+                                          <p:attrName>style.visibility</p:attrName>
+                                        </p:attrNameLst>
+                                      </p:cBhvr>
+                                      <p:to>
+                                        <p:strVal val="visible"/>
+                                      </p:to>
+                                    </p:set>
+                                  </p:childTnLst>
+                                </p:cTn>
+                              </p:par>
+                              <p:par>
+                                <p:cTn id="123" presetID="1" presetClass="entr" presetSubtype="0" fill="hold" grpId="2" nodeType="withEffect">
+                                  <p:stCondLst>
+                                    <p:cond delay="0"/>
+                                  </p:stCondLst>
+                                  <p:childTnLst>
+                                    <p:set>
+                                      <p:cBhvr>
+                                        <p:cTn id="124" dur="1" fill="hold">
+                                          <p:stCondLst>
+                                            <p:cond delay="0"/>
+                                          </p:stCondLst>
+                                        </p:cTn>
+                                        <p:tgtEl>
+                                          <p:spTgt spid="35"/>
+                                        </p:tgtEl>
+                                        <p:attrNameLst>
+                                          <p:attrName>style.visibility</p:attrName>
+                                        </p:attrNameLst>
+                                      </p:cBhvr>
+                                      <p:to>
+                                        <p:strVal val="visible"/>
+                                      </p:to>
+                                    </p:set>
+                                  </p:childTnLst>
+                                </p:cTn>
+                              </p:par>
+                              <p:par>
+                                <p:cTn id="125" presetID="1" presetClass="entr" presetSubtype="0" fill="hold" grpId="0" nodeType="withEffect">
+                                  <p:stCondLst>
+                                    <p:cond delay="0"/>
+                                  </p:stCondLst>
+                                  <p:childTnLst>
+                                    <p:set>
+                                      <p:cBhvr>
+                                        <p:cTn id="126" dur="1" fill="hold">
+                                          <p:stCondLst>
+                                            <p:cond delay="0"/>
+                                          </p:stCondLst>
+                                        </p:cTn>
+                                        <p:tgtEl>
+                                          <p:spTgt spid="44"/>
+                                        </p:tgtEl>
+                                        <p:attrNameLst>
+                                          <p:attrName>style.visibility</p:attrName>
+                                        </p:attrNameLst>
+                                      </p:cBhvr>
+                                      <p:to>
+                                        <p:strVal val="visible"/>
+                                      </p:to>
+                                    </p:set>
+                                  </p:childTnLst>
+                                </p:cTn>
+                              </p:par>
+                            </p:childTnLst>
+                          </p:cTn>
+                        </p:par>
+                      </p:childTnLst>
+                    </p:cTn>
+                  </p:par>
+                  <p:par>
+                    <p:cTn id="127" fill="hold">
+                      <p:stCondLst>
+                        <p:cond delay="indefinite"/>
+                      </p:stCondLst>
+                      <p:childTnLst>
+                        <p:par>
+                          <p:cTn id="128" fill="hold">
+                            <p:stCondLst>
+                              <p:cond delay="0"/>
+                            </p:stCondLst>
+                            <p:childTnLst>
+                              <p:par>
+                                <p:cTn id="129" presetID="1" presetClass="entr" presetSubtype="0" fill="hold" nodeType="clickEffect">
+                                  <p:stCondLst>
+                                    <p:cond delay="0"/>
+                                  </p:stCondLst>
+                                  <p:childTnLst>
+                                    <p:set>
+                                      <p:cBhvr>
+                                        <p:cTn id="130" dur="1" fill="hold">
+                                          <p:stCondLst>
+                                            <p:cond delay="0"/>
+                                          </p:stCondLst>
+                                        </p:cTn>
+                                        <p:tgtEl>
+                                          <p:spTgt spid="38"/>
+                                        </p:tgtEl>
+                                        <p:attrNameLst>
+                                          <p:attrName>style.visibility</p:attrName>
+                                        </p:attrNameLst>
+                                      </p:cBhvr>
+                                      <p:to>
+                                        <p:strVal val="visible"/>
+                                      </p:to>
+                                    </p:set>
+                                  </p:childTnLst>
+                                </p:cTn>
+                              </p:par>
+                            </p:childTnLst>
+                          </p:cTn>
+                        </p:par>
+                      </p:childTnLst>
+                    </p:cTn>
+                  </p:par>
+                </p:childTnLst>
+              </p:cTn>
+              <p:prevCondLst>
+                <p:cond evt="onPrev" delay="0">
+                  <p:tgtEl>
+                    <p:sldTgt/>
+                  </p:tgtEl>
+                </p:cond>
+              </p:prevCondLst>
+              <p:nextCondLst>
+                <p:cond evt="onNext" delay="0">
+                  <p:tgtEl>
+                    <p:sldTgt/>
+                  </p:tgtEl>
+                </p:cond>
+              </p:nextCondLst>
+            </p:seq>
+          </p:childTnLst>
+        </p:cTn>
+      </p:par>
+    </p:tnLst>
+    <p:bldLst>
+      <p:bldP spid="7" grpId="0" animBg="1"/>
+      <p:bldP spid="9" grpId="0" animBg="1"/>
+      <p:bldP spid="10" grpId="0" animBg="1"/>
+      <p:bldP spid="11" grpId="0" animBg="1"/>
+      <p:bldP spid="12" grpId="0" animBg="1"/>
+      <p:bldP spid="13" grpId="0" animBg="1"/>
+      <p:bldP spid="14" grpId="0" animBg="1"/>
+      <p:bldP spid="15" grpId="0" animBg="1"/>
+      <p:bldP spid="16" grpId="0" animBg="1"/>
+      <p:bldP spid="20" grpId="0" animBg="1"/>
+      <p:bldP spid="20" grpId="1" animBg="1"/>
+      <p:bldP spid="21" grpId="0" animBg="1"/>
+      <p:bldP spid="21" grpId="1" animBg="1"/>
+      <p:bldP spid="21" grpId="2" animBg="1"/>
+      <p:bldP spid="22" grpId="0"/>
+      <p:bldP spid="23" grpId="0"/>
+      <p:bldP spid="24" grpId="0"/>
+      <p:bldP spid="25" grpId="0"/>
+      <p:bldP spid="25" grpId="1"/>
+      <p:bldP spid="26" grpId="0"/>
+      <p:bldP spid="26" grpId="1"/>
+      <p:bldP spid="26" grpId="2"/>
+      <p:bldP spid="27" grpId="0"/>
+      <p:bldP spid="28" grpId="0"/>
+      <p:bldP spid="28" grpId="1"/>
+      <p:bldP spid="29" grpId="0" animBg="1"/>
+      <p:bldP spid="29" grpId="1" animBg="1"/>
+      <p:bldP spid="30" grpId="0"/>
+      <p:bldP spid="30" grpId="1"/>
+      <p:bldP spid="31" grpId="0"/>
+      <p:bldP spid="31" grpId="1"/>
+      <p:bldP spid="33" grpId="0"/>
+      <p:bldP spid="33" grpId="1"/>
+      <p:bldP spid="34" grpId="0" animBg="1"/>
+      <p:bldP spid="34" grpId="1" animBg="1"/>
+      <p:bldP spid="34" grpId="2" animBg="1"/>
+      <p:bldP spid="35" grpId="0"/>
+      <p:bldP spid="35" grpId="1"/>
+      <p:bldP spid="35" grpId="2"/>
+      <p:bldP spid="37" grpId="0"/>
+      <p:bldP spid="41" grpId="0"/>
+      <p:bldP spid="41" grpId="1"/>
+      <p:bldP spid="43" grpId="0"/>
+      <p:bldP spid="43" grpId="1"/>
+      <p:bldP spid="44" grpId="0"/>
+    </p:bldLst>
+  </p:timing>
+</p:sld>
+</file>
+
+<file path=ppt/slides/slide9.xml><?xml version="1.0" encoding="utf-8"?>
+<p:sld xmlns:a="http://schemas.openxmlformats.org/drawingml/2006/main" xmlns:r="http://schemas.openxmlformats.org/officeDocument/2006/relationships" xmlns:p="http://schemas.openxmlformats.org/presentationml/2006/main">
+  <p:cSld>
+    <p:spTree>
+      <p:nvGrpSpPr>
+        <p:cNvPr id="1" name=""/>
+        <p:cNvGrpSpPr/>
+        <p:nvPr/>
+      </p:nvGrpSpPr>
+      <p:grpSpPr>
+        <a:xfrm>
+          <a:off x="0" y="0"/>
+          <a:ext cx="0" cy="0"/>
+          <a:chOff x="0" y="0"/>
+          <a:chExt cx="0" cy="0"/>
+        </a:xfrm>
+      </p:grpSpPr>
+      <p:sp>
+        <p:nvSpPr>
+          <p:cNvPr id="2" name="Espace réservé du contenu 1"/>
+          <p:cNvSpPr>
+            <a:spLocks noGrp="1"/>
+          </p:cNvSpPr>
+          <p:nvPr>
+            <p:ph idx="1"/>
+          </p:nvPr>
+        </p:nvSpPr>
+        <p:spPr>
+          <a:xfrm>
+            <a:off x="553591" y="2229842"/>
+            <a:ext cx="4162426" cy="629809"/>
+          </a:xfrm>
+        </p:spPr>
+        <p:txBody>
+          <a:bodyPr>
+            <a:normAutofit/>
+          </a:bodyPr>
+          <a:lstStyle/>
+          <a:p>
+            <a:r>
+              <a:rPr lang="fr-FR" dirty="0" smtClean="0"/>
+              <a:t>Interface utilisateur</a:t>
             </a:r>
             <a:endParaRPr lang="fr-FR" dirty="0"/>
           </a:p>
@@ -5319,8 +11024,8 @@
         </p:blipFill>
         <p:spPr bwMode="auto">
           <a:xfrm>
-            <a:off x="5076056" y="1700808"/>
-            <a:ext cx="3503266" cy="1167755"/>
+            <a:off x="4633709" y="1969780"/>
+            <a:ext cx="3945613" cy="1315204"/>
           </a:xfrm>
           <a:prstGeom prst="rect">
             <a:avLst/>
@@ -5553,8 +11258,8 @@
         </p:blipFill>
         <p:spPr bwMode="auto">
           <a:xfrm>
-            <a:off x="5076056" y="3284984"/>
-            <a:ext cx="3503661" cy="2493526"/>
+            <a:off x="4716016" y="3501008"/>
+            <a:ext cx="3863701" cy="2736304"/>
           </a:xfrm>
           <a:prstGeom prst="rect">
             <a:avLst/>
@@ -5584,7 +11289,7 @@
           <a:p>
             <a:r>
               <a:rPr lang="fr-FR" smtClean="0"/>
-              <a:t>23/03/2017</a:t>
+              <a:t>28/03/2017</a:t>
             </a:r>
             <a:endParaRPr lang="fr-FR"/>
           </a:p>
@@ -5592,12 +11297,12 @@
       </p:sp>
       <p:sp>
         <p:nvSpPr>
-          <p:cNvPr id="11" name="Espace réservé du pied de page 10"/>
-          <p:cNvSpPr>
-            <a:spLocks noGrp="1"/>
-          </p:cNvSpPr>
-          <p:nvPr>
-            <p:ph type="ftr" sz="quarter" idx="11"/>
+          <p:cNvPr id="12" name="Espace réservé du numéro de diapositive 11"/>
+          <p:cNvSpPr>
+            <a:spLocks noGrp="1"/>
+          </p:cNvSpPr>
+          <p:nvPr>
+            <p:ph type="sldNum" sz="quarter" idx="12"/>
           </p:nvPr>
         </p:nvSpPr>
         <p:spPr/>
@@ -5605,32 +11310,9 @@
           <a:bodyPr/>
           <a:lstStyle/>
           <a:p>
-            <a:r>
-              <a:rPr lang="fr-FR" smtClean="0"/>
-              <a:t>Alexis C &amp; Paul M &amp; Louis G</a:t>
-            </a:r>
-            <a:endParaRPr lang="fr-FR"/>
-          </a:p>
-        </p:txBody>
-      </p:sp>
-      <p:sp>
-        <p:nvSpPr>
-          <p:cNvPr id="12" name="Espace réservé du numéro de diapositive 11"/>
-          <p:cNvSpPr>
-            <a:spLocks noGrp="1"/>
-          </p:cNvSpPr>
-          <p:nvPr>
-            <p:ph type="sldNum" sz="quarter" idx="12"/>
-          </p:nvPr>
-        </p:nvSpPr>
-        <p:spPr/>
-        <p:txBody>
-          <a:bodyPr/>
-          <a:lstStyle/>
-          <a:p>
             <a:fld id="{4DDB7E73-332C-4BFF-8BF0-E14F47F56745}" type="slidenum">
               <a:rPr lang="fr-FR" smtClean="0"/>
-              <a:t>6</a:t>
+              <a:t>9</a:t>
             </a:fld>
             <a:endParaRPr lang="fr-FR"/>
           </a:p>
@@ -5640,459 +11322,6 @@
     <p:extLst>
       <p:ext uri="{BB962C8B-B14F-4D97-AF65-F5344CB8AC3E}">
         <p14:creationId xmlns:p14="http://schemas.microsoft.com/office/powerpoint/2010/main" val="588806808"/>
-      </p:ext>
-    </p:extLst>
-  </p:cSld>
-  <p:clrMapOvr>
-    <a:masterClrMapping/>
-  </p:clrMapOvr>
-  <p:timing>
-    <p:tnLst>
-      <p:par>
-        <p:cTn id="1" dur="indefinite" restart="never" nodeType="tmRoot"/>
-      </p:par>
-    </p:tnLst>
-  </p:timing>
-</p:sld>
-</file>
-
-<file path=ppt/slides/slide7.xml><?xml version="1.0" encoding="utf-8"?>
-<p:sld xmlns:a="http://schemas.openxmlformats.org/drawingml/2006/main" xmlns:r="http://schemas.openxmlformats.org/officeDocument/2006/relationships" xmlns:p="http://schemas.openxmlformats.org/presentationml/2006/main">
-  <p:cSld>
-    <p:spTree>
-      <p:nvGrpSpPr>
-        <p:cNvPr id="1" name=""/>
-        <p:cNvGrpSpPr/>
-        <p:nvPr/>
-      </p:nvGrpSpPr>
-      <p:grpSpPr>
-        <a:xfrm>
-          <a:off x="0" y="0"/>
-          <a:ext cx="0" cy="0"/>
-          <a:chOff x="0" y="0"/>
-          <a:chExt cx="0" cy="0"/>
-        </a:xfrm>
-      </p:grpSpPr>
-      <p:sp>
-        <p:nvSpPr>
-          <p:cNvPr id="2" name="Espace réservé du contenu 1"/>
-          <p:cNvSpPr>
-            <a:spLocks noGrp="1"/>
-          </p:cNvSpPr>
-          <p:nvPr>
-            <p:ph idx="1"/>
-          </p:nvPr>
-        </p:nvSpPr>
-        <p:spPr>
-          <a:xfrm>
-            <a:off x="380999" y="1719071"/>
-            <a:ext cx="4695057" cy="557801"/>
-          </a:xfrm>
-        </p:spPr>
-        <p:txBody>
-          <a:bodyPr/>
-          <a:lstStyle/>
-          <a:p>
-            <a:r>
-              <a:rPr lang="fr-FR" dirty="0" smtClean="0"/>
-              <a:t>Création de la courbe de niveau</a:t>
-            </a:r>
-            <a:endParaRPr lang="fr-FR" dirty="0"/>
-          </a:p>
-        </p:txBody>
-      </p:sp>
-      <p:sp>
-        <p:nvSpPr>
-          <p:cNvPr id="3" name="Titre 2"/>
-          <p:cNvSpPr>
-            <a:spLocks noGrp="1"/>
-          </p:cNvSpPr>
-          <p:nvPr>
-            <p:ph type="title"/>
-          </p:nvPr>
-        </p:nvSpPr>
-        <p:spPr/>
-        <p:txBody>
-          <a:bodyPr/>
-          <a:lstStyle/>
-          <a:p>
-            <a:r>
-              <a:rPr lang="fr-FR" dirty="0" smtClean="0"/>
-              <a:t>Présentation des résultats</a:t>
-            </a:r>
-            <a:endParaRPr lang="fr-FR" dirty="0"/>
-          </a:p>
-        </p:txBody>
-      </p:sp>
-      <p:sp>
-        <p:nvSpPr>
-          <p:cNvPr id="4" name="Espace réservé de la date 3"/>
-          <p:cNvSpPr>
-            <a:spLocks noGrp="1"/>
-          </p:cNvSpPr>
-          <p:nvPr>
-            <p:ph type="dt" sz="half" idx="10"/>
-          </p:nvPr>
-        </p:nvSpPr>
-        <p:spPr/>
-        <p:txBody>
-          <a:bodyPr/>
-          <a:lstStyle/>
-          <a:p>
-            <a:r>
-              <a:rPr lang="fr-FR" smtClean="0"/>
-              <a:t>23/03/2017</a:t>
-            </a:r>
-            <a:endParaRPr lang="fr-FR"/>
-          </a:p>
-        </p:txBody>
-      </p:sp>
-      <p:sp>
-        <p:nvSpPr>
-          <p:cNvPr id="5" name="Espace réservé du pied de page 4"/>
-          <p:cNvSpPr>
-            <a:spLocks noGrp="1"/>
-          </p:cNvSpPr>
-          <p:nvPr>
-            <p:ph type="ftr" sz="quarter" idx="11"/>
-          </p:nvPr>
-        </p:nvSpPr>
-        <p:spPr/>
-        <p:txBody>
-          <a:bodyPr/>
-          <a:lstStyle/>
-          <a:p>
-            <a:r>
-              <a:rPr lang="fr-FR" smtClean="0"/>
-              <a:t>Alexis C &amp; Paul M &amp; Louis G</a:t>
-            </a:r>
-            <a:endParaRPr lang="fr-FR"/>
-          </a:p>
-        </p:txBody>
-      </p:sp>
-      <p:sp>
-        <p:nvSpPr>
-          <p:cNvPr id="6" name="Espace réservé du numéro de diapositive 5"/>
-          <p:cNvSpPr>
-            <a:spLocks noGrp="1"/>
-          </p:cNvSpPr>
-          <p:nvPr>
-            <p:ph type="sldNum" sz="quarter" idx="12"/>
-          </p:nvPr>
-        </p:nvSpPr>
-        <p:spPr/>
-        <p:txBody>
-          <a:bodyPr/>
-          <a:lstStyle/>
-          <a:p>
-            <a:fld id="{4DDB7E73-332C-4BFF-8BF0-E14F47F56745}" type="slidenum">
-              <a:rPr lang="fr-FR" smtClean="0"/>
-              <a:t>7</a:t>
-            </a:fld>
-            <a:endParaRPr lang="fr-FR"/>
-          </a:p>
-        </p:txBody>
-      </p:sp>
-    </p:spTree>
-    <p:extLst>
-      <p:ext uri="{BB962C8B-B14F-4D97-AF65-F5344CB8AC3E}">
-        <p14:creationId xmlns:p14="http://schemas.microsoft.com/office/powerpoint/2010/main" val="173395959"/>
-      </p:ext>
-    </p:extLst>
-  </p:cSld>
-  <p:clrMapOvr>
-    <a:masterClrMapping/>
-  </p:clrMapOvr>
-  <p:timing>
-    <p:tnLst>
-      <p:par>
-        <p:cTn id="1" dur="indefinite" restart="never" nodeType="tmRoot"/>
-      </p:par>
-    </p:tnLst>
-  </p:timing>
-</p:sld>
-</file>
-
-<file path=ppt/slides/slide8.xml><?xml version="1.0" encoding="utf-8"?>
-<p:sld xmlns:a="http://schemas.openxmlformats.org/drawingml/2006/main" xmlns:r="http://schemas.openxmlformats.org/officeDocument/2006/relationships" xmlns:p="http://schemas.openxmlformats.org/presentationml/2006/main">
-  <p:cSld>
-    <p:spTree>
-      <p:nvGrpSpPr>
-        <p:cNvPr id="1" name=""/>
-        <p:cNvGrpSpPr/>
-        <p:nvPr/>
-      </p:nvGrpSpPr>
-      <p:grpSpPr>
-        <a:xfrm>
-          <a:off x="0" y="0"/>
-          <a:ext cx="0" cy="0"/>
-          <a:chOff x="0" y="0"/>
-          <a:chExt cx="0" cy="0"/>
-        </a:xfrm>
-      </p:grpSpPr>
-      <p:sp>
-        <p:nvSpPr>
-          <p:cNvPr id="2" name="Espace réservé du contenu 1"/>
-          <p:cNvSpPr>
-            <a:spLocks noGrp="1"/>
-          </p:cNvSpPr>
-          <p:nvPr>
-            <p:ph idx="1"/>
-          </p:nvPr>
-        </p:nvSpPr>
-        <p:spPr/>
-        <p:txBody>
-          <a:bodyPr/>
-          <a:lstStyle/>
-          <a:p>
-            <a:endParaRPr lang="fr-FR" dirty="0"/>
-          </a:p>
-        </p:txBody>
-      </p:sp>
-      <p:sp>
-        <p:nvSpPr>
-          <p:cNvPr id="3" name="Titre 2"/>
-          <p:cNvSpPr>
-            <a:spLocks noGrp="1"/>
-          </p:cNvSpPr>
-          <p:nvPr>
-            <p:ph type="title"/>
-          </p:nvPr>
-        </p:nvSpPr>
-        <p:spPr/>
-        <p:txBody>
-          <a:bodyPr/>
-          <a:lstStyle/>
-          <a:p>
-            <a:r>
-              <a:rPr lang="fr-FR" dirty="0" smtClean="0"/>
-              <a:t>Améliorations</a:t>
-            </a:r>
-            <a:endParaRPr lang="fr-FR" dirty="0"/>
-          </a:p>
-        </p:txBody>
-      </p:sp>
-      <p:sp>
-        <p:nvSpPr>
-          <p:cNvPr id="4" name="Espace réservé de la date 3"/>
-          <p:cNvSpPr>
-            <a:spLocks noGrp="1"/>
-          </p:cNvSpPr>
-          <p:nvPr>
-            <p:ph type="dt" sz="half" idx="10"/>
-          </p:nvPr>
-        </p:nvSpPr>
-        <p:spPr/>
-        <p:txBody>
-          <a:bodyPr/>
-          <a:lstStyle/>
-          <a:p>
-            <a:r>
-              <a:rPr lang="fr-FR" smtClean="0"/>
-              <a:t>23/03/2017</a:t>
-            </a:r>
-            <a:endParaRPr lang="fr-FR"/>
-          </a:p>
-        </p:txBody>
-      </p:sp>
-      <p:sp>
-        <p:nvSpPr>
-          <p:cNvPr id="5" name="Espace réservé du pied de page 4"/>
-          <p:cNvSpPr>
-            <a:spLocks noGrp="1"/>
-          </p:cNvSpPr>
-          <p:nvPr>
-            <p:ph type="ftr" sz="quarter" idx="11"/>
-          </p:nvPr>
-        </p:nvSpPr>
-        <p:spPr/>
-        <p:txBody>
-          <a:bodyPr/>
-          <a:lstStyle/>
-          <a:p>
-            <a:r>
-              <a:rPr lang="fr-FR" smtClean="0"/>
-              <a:t>Alexis C &amp; Paul M &amp; Louis G</a:t>
-            </a:r>
-            <a:endParaRPr lang="fr-FR"/>
-          </a:p>
-        </p:txBody>
-      </p:sp>
-      <p:sp>
-        <p:nvSpPr>
-          <p:cNvPr id="6" name="Espace réservé du numéro de diapositive 5"/>
-          <p:cNvSpPr>
-            <a:spLocks noGrp="1"/>
-          </p:cNvSpPr>
-          <p:nvPr>
-            <p:ph type="sldNum" sz="quarter" idx="12"/>
-          </p:nvPr>
-        </p:nvSpPr>
-        <p:spPr/>
-        <p:txBody>
-          <a:bodyPr/>
-          <a:lstStyle/>
-          <a:p>
-            <a:fld id="{4DDB7E73-332C-4BFF-8BF0-E14F47F56745}" type="slidenum">
-              <a:rPr lang="fr-FR" smtClean="0"/>
-              <a:t>8</a:t>
-            </a:fld>
-            <a:endParaRPr lang="fr-FR"/>
-          </a:p>
-        </p:txBody>
-      </p:sp>
-    </p:spTree>
-    <p:extLst>
-      <p:ext uri="{BB962C8B-B14F-4D97-AF65-F5344CB8AC3E}">
-        <p14:creationId xmlns:p14="http://schemas.microsoft.com/office/powerpoint/2010/main" val="45158975"/>
-      </p:ext>
-    </p:extLst>
-  </p:cSld>
-  <p:clrMapOvr>
-    <a:masterClrMapping/>
-  </p:clrMapOvr>
-  <p:timing>
-    <p:tnLst>
-      <p:par>
-        <p:cTn id="1" dur="indefinite" restart="never" nodeType="tmRoot"/>
-      </p:par>
-    </p:tnLst>
-  </p:timing>
-</p:sld>
-</file>
-
-<file path=ppt/slides/slide9.xml><?xml version="1.0" encoding="utf-8"?>
-<p:sld xmlns:a="http://schemas.openxmlformats.org/drawingml/2006/main" xmlns:r="http://schemas.openxmlformats.org/officeDocument/2006/relationships" xmlns:p="http://schemas.openxmlformats.org/presentationml/2006/main">
-  <p:cSld>
-    <p:spTree>
-      <p:nvGrpSpPr>
-        <p:cNvPr id="1" name=""/>
-        <p:cNvGrpSpPr/>
-        <p:nvPr/>
-      </p:nvGrpSpPr>
-      <p:grpSpPr>
-        <a:xfrm>
-          <a:off x="0" y="0"/>
-          <a:ext cx="0" cy="0"/>
-          <a:chOff x="0" y="0"/>
-          <a:chExt cx="0" cy="0"/>
-        </a:xfrm>
-      </p:grpSpPr>
-      <p:sp>
-        <p:nvSpPr>
-          <p:cNvPr id="2" name="Espace réservé du contenu 1"/>
-          <p:cNvSpPr>
-            <a:spLocks noGrp="1"/>
-          </p:cNvSpPr>
-          <p:nvPr>
-            <p:ph idx="1"/>
-          </p:nvPr>
-        </p:nvSpPr>
-        <p:spPr/>
-        <p:txBody>
-          <a:bodyPr/>
-          <a:lstStyle/>
-          <a:p>
-            <a:endParaRPr lang="fr-FR"/>
-          </a:p>
-        </p:txBody>
-      </p:sp>
-      <p:sp>
-        <p:nvSpPr>
-          <p:cNvPr id="3" name="Titre 2"/>
-          <p:cNvSpPr>
-            <a:spLocks noGrp="1"/>
-          </p:cNvSpPr>
-          <p:nvPr>
-            <p:ph type="title"/>
-          </p:nvPr>
-        </p:nvSpPr>
-        <p:spPr/>
-        <p:txBody>
-          <a:bodyPr/>
-          <a:lstStyle/>
-          <a:p>
-            <a:r>
-              <a:rPr lang="fr-FR" dirty="0" smtClean="0"/>
-              <a:t>Démonstration </a:t>
-            </a:r>
-            <a:endParaRPr lang="fr-FR" dirty="0"/>
-          </a:p>
-        </p:txBody>
-      </p:sp>
-      <p:sp>
-        <p:nvSpPr>
-          <p:cNvPr id="4" name="Espace réservé de la date 3"/>
-          <p:cNvSpPr>
-            <a:spLocks noGrp="1"/>
-          </p:cNvSpPr>
-          <p:nvPr>
-            <p:ph type="dt" sz="half" idx="10"/>
-          </p:nvPr>
-        </p:nvSpPr>
-        <p:spPr/>
-        <p:txBody>
-          <a:bodyPr/>
-          <a:lstStyle/>
-          <a:p>
-            <a:r>
-              <a:rPr lang="fr-FR" smtClean="0"/>
-              <a:t>23/03/2017</a:t>
-            </a:r>
-            <a:endParaRPr lang="fr-FR"/>
-          </a:p>
-        </p:txBody>
-      </p:sp>
-      <p:sp>
-        <p:nvSpPr>
-          <p:cNvPr id="5" name="Espace réservé du pied de page 4"/>
-          <p:cNvSpPr>
-            <a:spLocks noGrp="1"/>
-          </p:cNvSpPr>
-          <p:nvPr>
-            <p:ph type="ftr" sz="quarter" idx="11"/>
-          </p:nvPr>
-        </p:nvSpPr>
-        <p:spPr/>
-        <p:txBody>
-          <a:bodyPr/>
-          <a:lstStyle/>
-          <a:p>
-            <a:r>
-              <a:rPr lang="fr-FR" smtClean="0"/>
-              <a:t>Alexis C &amp; Paul M &amp; Louis G</a:t>
-            </a:r>
-            <a:endParaRPr lang="fr-FR"/>
-          </a:p>
-        </p:txBody>
-      </p:sp>
-      <p:sp>
-        <p:nvSpPr>
-          <p:cNvPr id="6" name="Espace réservé du numéro de diapositive 5"/>
-          <p:cNvSpPr>
-            <a:spLocks noGrp="1"/>
-          </p:cNvSpPr>
-          <p:nvPr>
-            <p:ph type="sldNum" sz="quarter" idx="12"/>
-          </p:nvPr>
-        </p:nvSpPr>
-        <p:spPr/>
-        <p:txBody>
-          <a:bodyPr/>
-          <a:lstStyle/>
-          <a:p>
-            <a:fld id="{4DDB7E73-332C-4BFF-8BF0-E14F47F56745}" type="slidenum">
-              <a:rPr lang="fr-FR" smtClean="0"/>
-              <a:t>9</a:t>
-            </a:fld>
-            <a:endParaRPr lang="fr-FR"/>
-          </a:p>
-        </p:txBody>
-      </p:sp>
-    </p:spTree>
-    <p:extLst>
-      <p:ext uri="{BB962C8B-B14F-4D97-AF65-F5344CB8AC3E}">
-        <p14:creationId xmlns:p14="http://schemas.microsoft.com/office/powerpoint/2010/main" val="3858705970"/>
       </p:ext>
     </p:extLst>
   </p:cSld>
